--- a/RescueRobotsForNN.pptx
+++ b/RescueRobotsForNN.pptx
@@ -10,8 +10,8 @@
   <p:sldIdLst>
     <p:sldId id="648" r:id="rId2"/>
     <p:sldId id="655" r:id="rId3"/>
-    <p:sldId id="661" r:id="rId4"/>
-    <p:sldId id="660" r:id="rId5"/>
+    <p:sldId id="660" r:id="rId4"/>
+    <p:sldId id="661" r:id="rId5"/>
     <p:sldId id="651" r:id="rId6"/>
     <p:sldId id="662" r:id="rId7"/>
     <p:sldId id="663" r:id="rId8"/>
@@ -1163,7 +1163,7 @@
               <a:pPr>
                 <a:defRPr/>
               </a:pPr>
-              <a:t>22.03.2015</a:t>
+              <a:t>24.03.2015</a:t>
             </a:fld>
             <a:endParaRPr lang="ru-RU"/>
           </a:p>
@@ -1396,7 +1396,7 @@
               <a:pPr>
                 <a:defRPr/>
               </a:pPr>
-              <a:t>22.03.2015</a:t>
+              <a:t>24.03.2015</a:t>
             </a:fld>
             <a:endParaRPr lang="ru-RU"/>
           </a:p>
@@ -1544,7 +1544,7 @@
               <a:pPr>
                 <a:defRPr/>
               </a:pPr>
-              <a:t>22.03.2015</a:t>
+              <a:t>24.03.2015</a:t>
             </a:fld>
             <a:endParaRPr lang="ru-RU"/>
           </a:p>
@@ -1676,7 +1676,7 @@
               <a:pPr>
                 <a:defRPr/>
               </a:pPr>
-              <a:t>22.03.2015</a:t>
+              <a:t>24.03.2015</a:t>
             </a:fld>
             <a:endParaRPr lang="ru-RU"/>
           </a:p>
@@ -1969,7 +1969,7 @@
               <a:pPr>
                 <a:defRPr/>
               </a:pPr>
-              <a:t>22.03.2015</a:t>
+              <a:t>24.03.2015</a:t>
             </a:fld>
             <a:endParaRPr lang="ru-RU"/>
           </a:p>
@@ -2200,7 +2200,7 @@
               <a:pPr>
                 <a:defRPr/>
               </a:pPr>
-              <a:t>22.03.2015</a:t>
+              <a:t>24.03.2015</a:t>
             </a:fld>
             <a:endParaRPr lang="ru-RU"/>
           </a:p>
@@ -4478,22 +4478,1735 @@
             <a:pPr algn="ctr"/>
             <a:r>
               <a:rPr lang="ru-RU" dirty="0" smtClean="0"/>
-              <a:t>Задачи</a:t>
+              <a:t>Сложные климатические условия</a:t>
             </a:r>
             <a:endParaRPr lang="ru-RU" dirty="0"/>
           </a:p>
         </p:txBody>
       </p:sp>
+      <p:graphicFrame>
+        <p:nvGraphicFramePr>
+          <p:cNvPr id="9" name="Таблица 8"/>
+          <p:cNvGraphicFramePr>
+            <a:graphicFrameLocks noGrp="1"/>
+          </p:cNvGraphicFramePr>
+          <p:nvPr>
+            <p:extLst>
+              <p:ext uri="{D42A27DB-BD31-4B8C-83A1-F6EECF244321}">
+                <p14:modId xmlns:p14="http://schemas.microsoft.com/office/powerpoint/2010/main" val="59982523"/>
+              </p:ext>
+            </p:extLst>
+          </p:nvPr>
+        </p:nvGraphicFramePr>
+        <p:xfrm>
+          <a:off x="152401" y="902844"/>
+          <a:ext cx="6057899" cy="5853561"/>
+        </p:xfrm>
+        <a:graphic>
+          <a:graphicData uri="http://schemas.openxmlformats.org/drawingml/2006/table">
+            <a:tbl>
+              <a:tblPr firstRow="1" firstCol="1" bandRow="1">
+                <a:tableStyleId>{5C22544A-7EE6-4342-B048-85BDC9FD1C3A}</a:tableStyleId>
+              </a:tblPr>
+              <a:tblGrid>
+                <a:gridCol w="3024562"/>
+                <a:gridCol w="1471327"/>
+                <a:gridCol w="1562010"/>
+              </a:tblGrid>
+              <a:tr h="278741">
+                <a:tc>
+                  <a:txBody>
+                    <a:bodyPr/>
+                    <a:lstStyle/>
+                    <a:p>
+                      <a:pPr marL="0" marR="0" indent="0" algn="just">
+                        <a:lnSpc>
+                          <a:spcPct val="150000"/>
+                        </a:lnSpc>
+                        <a:spcBef>
+                          <a:spcPts val="0"/>
+                        </a:spcBef>
+                        <a:spcAft>
+                          <a:spcPts val="0"/>
+                        </a:spcAft>
+                      </a:pPr>
+                      <a:r>
+                        <a:rPr lang="ru-RU" sz="1300" dirty="0">
+                          <a:effectLst/>
+                        </a:rPr>
+                        <a:t>Датчик</a:t>
+                      </a:r>
+                      <a:endParaRPr lang="en-US" sz="1300" dirty="0">
+                        <a:effectLst/>
+                        <a:latin typeface="Times New Roman"/>
+                        <a:ea typeface="Times New Roman"/>
+                      </a:endParaRPr>
+                    </a:p>
+                  </a:txBody>
+                  <a:tcPr marL="30308" marR="30308" marT="0" marB="0"/>
+                </a:tc>
+                <a:tc>
+                  <a:txBody>
+                    <a:bodyPr/>
+                    <a:lstStyle/>
+                    <a:p>
+                      <a:pPr marL="0" marR="0" indent="0" algn="just">
+                        <a:lnSpc>
+                          <a:spcPct val="150000"/>
+                        </a:lnSpc>
+                        <a:spcBef>
+                          <a:spcPts val="0"/>
+                        </a:spcBef>
+                        <a:spcAft>
+                          <a:spcPts val="0"/>
+                        </a:spcAft>
+                      </a:pPr>
+                      <a:r>
+                        <a:rPr lang="ru-RU" sz="1300" dirty="0">
+                          <a:effectLst/>
+                        </a:rPr>
+                        <a:t>Погодные условия</a:t>
+                      </a:r>
+                      <a:endParaRPr lang="en-US" sz="1300" dirty="0">
+                        <a:effectLst/>
+                        <a:latin typeface="Times New Roman"/>
+                        <a:ea typeface="Times New Roman"/>
+                      </a:endParaRPr>
+                    </a:p>
+                  </a:txBody>
+                  <a:tcPr marL="30308" marR="30308" marT="0" marB="0"/>
+                </a:tc>
+                <a:tc>
+                  <a:txBody>
+                    <a:bodyPr/>
+                    <a:lstStyle/>
+                    <a:p>
+                      <a:pPr marL="0" marR="0" indent="0" algn="just">
+                        <a:lnSpc>
+                          <a:spcPct val="150000"/>
+                        </a:lnSpc>
+                        <a:spcBef>
+                          <a:spcPts val="0"/>
+                        </a:spcBef>
+                        <a:spcAft>
+                          <a:spcPts val="0"/>
+                        </a:spcAft>
+                      </a:pPr>
+                      <a:r>
+                        <a:rPr lang="ru-RU" sz="1300">
+                          <a:effectLst/>
+                        </a:rPr>
+                        <a:t>Применимость</a:t>
+                      </a:r>
+                      <a:endParaRPr lang="en-US" sz="1300">
+                        <a:effectLst/>
+                        <a:latin typeface="Times New Roman"/>
+                        <a:ea typeface="Times New Roman"/>
+                      </a:endParaRPr>
+                    </a:p>
+                  </a:txBody>
+                  <a:tcPr marL="30308" marR="30308" marT="0" marB="0"/>
+                </a:tc>
+              </a:tr>
+              <a:tr h="278741">
+                <a:tc rowSpan="4">
+                  <a:txBody>
+                    <a:bodyPr/>
+                    <a:lstStyle/>
+                    <a:p>
+                      <a:pPr marL="0" marR="0" indent="0" algn="just">
+                        <a:lnSpc>
+                          <a:spcPct val="150000"/>
+                        </a:lnSpc>
+                        <a:spcBef>
+                          <a:spcPts val="0"/>
+                        </a:spcBef>
+                        <a:spcAft>
+                          <a:spcPts val="0"/>
+                        </a:spcAft>
+                      </a:pPr>
+                      <a:r>
+                        <a:rPr lang="ru-RU" sz="1300" dirty="0">
+                          <a:effectLst/>
+                        </a:rPr>
+                        <a:t>Видеокамеры</a:t>
+                      </a:r>
+                      <a:endParaRPr lang="en-US" sz="1300" dirty="0">
+                        <a:effectLst/>
+                        <a:latin typeface="Times New Roman"/>
+                        <a:ea typeface="Times New Roman"/>
+                      </a:endParaRPr>
+                    </a:p>
+                  </a:txBody>
+                  <a:tcPr marL="30308" marR="30308" marT="0" marB="0"/>
+                </a:tc>
+                <a:tc>
+                  <a:txBody>
+                    <a:bodyPr/>
+                    <a:lstStyle/>
+                    <a:p>
+                      <a:pPr marL="0" marR="0" indent="0" algn="just">
+                        <a:lnSpc>
+                          <a:spcPct val="150000"/>
+                        </a:lnSpc>
+                        <a:spcBef>
+                          <a:spcPts val="0"/>
+                        </a:spcBef>
+                        <a:spcAft>
+                          <a:spcPts val="0"/>
+                        </a:spcAft>
+                      </a:pPr>
+                      <a:r>
+                        <a:rPr lang="ru-RU" sz="1100">
+                          <a:effectLst/>
+                        </a:rPr>
+                        <a:t>Полярная ночь</a:t>
+                      </a:r>
+                      <a:endParaRPr lang="en-US" sz="1100">
+                        <a:effectLst/>
+                        <a:latin typeface="Times New Roman"/>
+                        <a:ea typeface="Times New Roman"/>
+                      </a:endParaRPr>
+                    </a:p>
+                  </a:txBody>
+                  <a:tcPr marL="30308" marR="30308" marT="0" marB="0"/>
+                </a:tc>
+                <a:tc>
+                  <a:txBody>
+                    <a:bodyPr/>
+                    <a:lstStyle/>
+                    <a:p>
+                      <a:pPr marL="0" marR="0" indent="0" algn="ctr">
+                        <a:lnSpc>
+                          <a:spcPct val="150000"/>
+                        </a:lnSpc>
+                        <a:spcBef>
+                          <a:spcPts val="0"/>
+                        </a:spcBef>
+                        <a:spcAft>
+                          <a:spcPts val="0"/>
+                        </a:spcAft>
+                      </a:pPr>
+                      <a:r>
+                        <a:rPr lang="ru-RU" sz="1300">
+                          <a:effectLst/>
+                        </a:rPr>
+                        <a:t>-</a:t>
+                      </a:r>
+                      <a:endParaRPr lang="en-US" sz="1300">
+                        <a:effectLst/>
+                        <a:latin typeface="Times New Roman"/>
+                        <a:ea typeface="Times New Roman"/>
+                      </a:endParaRPr>
+                    </a:p>
+                  </a:txBody>
+                  <a:tcPr marL="30308" marR="30308" marT="0" marB="0"/>
+                </a:tc>
+              </a:tr>
+              <a:tr h="278741">
+                <a:tc vMerge="1">
+                  <a:txBody>
+                    <a:bodyPr/>
+                    <a:lstStyle/>
+                    <a:p>
+                      <a:endParaRPr lang="en-US"/>
+                    </a:p>
+                  </a:txBody>
+                  <a:tcPr/>
+                </a:tc>
+                <a:tc>
+                  <a:txBody>
+                    <a:bodyPr/>
+                    <a:lstStyle/>
+                    <a:p>
+                      <a:pPr marL="0" marR="0" indent="0" algn="just">
+                        <a:lnSpc>
+                          <a:spcPct val="150000"/>
+                        </a:lnSpc>
+                        <a:spcBef>
+                          <a:spcPts val="0"/>
+                        </a:spcBef>
+                        <a:spcAft>
+                          <a:spcPts val="0"/>
+                        </a:spcAft>
+                      </a:pPr>
+                      <a:r>
+                        <a:rPr lang="ru-RU" sz="1100">
+                          <a:effectLst/>
+                        </a:rPr>
+                        <a:t>Метель</a:t>
+                      </a:r>
+                      <a:endParaRPr lang="en-US" sz="1100">
+                        <a:effectLst/>
+                        <a:latin typeface="Times New Roman"/>
+                        <a:ea typeface="Times New Roman"/>
+                      </a:endParaRPr>
+                    </a:p>
+                  </a:txBody>
+                  <a:tcPr marL="30308" marR="30308" marT="0" marB="0"/>
+                </a:tc>
+                <a:tc>
+                  <a:txBody>
+                    <a:bodyPr/>
+                    <a:lstStyle/>
+                    <a:p>
+                      <a:pPr marL="0" marR="0" indent="0" algn="ctr">
+                        <a:lnSpc>
+                          <a:spcPct val="150000"/>
+                        </a:lnSpc>
+                        <a:spcBef>
+                          <a:spcPts val="0"/>
+                        </a:spcBef>
+                        <a:spcAft>
+                          <a:spcPts val="0"/>
+                        </a:spcAft>
+                      </a:pPr>
+                      <a:r>
+                        <a:rPr lang="ru-RU" sz="1300">
+                          <a:effectLst/>
+                        </a:rPr>
+                        <a:t>-</a:t>
+                      </a:r>
+                      <a:endParaRPr lang="en-US" sz="1300">
+                        <a:effectLst/>
+                        <a:latin typeface="Times New Roman"/>
+                        <a:ea typeface="Times New Roman"/>
+                      </a:endParaRPr>
+                    </a:p>
+                  </a:txBody>
+                  <a:tcPr marL="30308" marR="30308" marT="0" marB="0"/>
+                </a:tc>
+              </a:tr>
+              <a:tr h="278741">
+                <a:tc vMerge="1">
+                  <a:txBody>
+                    <a:bodyPr/>
+                    <a:lstStyle/>
+                    <a:p>
+                      <a:endParaRPr lang="en-US"/>
+                    </a:p>
+                  </a:txBody>
+                  <a:tcPr/>
+                </a:tc>
+                <a:tc>
+                  <a:txBody>
+                    <a:bodyPr/>
+                    <a:lstStyle/>
+                    <a:p>
+                      <a:pPr marL="0" marR="0" indent="0" algn="just">
+                        <a:lnSpc>
+                          <a:spcPct val="150000"/>
+                        </a:lnSpc>
+                        <a:spcBef>
+                          <a:spcPts val="0"/>
+                        </a:spcBef>
+                        <a:spcAft>
+                          <a:spcPts val="0"/>
+                        </a:spcAft>
+                      </a:pPr>
+                      <a:r>
+                        <a:rPr lang="ru-RU" sz="1100">
+                          <a:effectLst/>
+                        </a:rPr>
+                        <a:t>Сильный ветер</a:t>
+                      </a:r>
+                      <a:endParaRPr lang="en-US" sz="1100">
+                        <a:effectLst/>
+                        <a:latin typeface="Times New Roman"/>
+                        <a:ea typeface="Times New Roman"/>
+                      </a:endParaRPr>
+                    </a:p>
+                  </a:txBody>
+                  <a:tcPr marL="30308" marR="30308" marT="0" marB="0"/>
+                </a:tc>
+                <a:tc>
+                  <a:txBody>
+                    <a:bodyPr/>
+                    <a:lstStyle/>
+                    <a:p>
+                      <a:pPr marL="0" marR="0" indent="0" algn="ctr">
+                        <a:lnSpc>
+                          <a:spcPct val="150000"/>
+                        </a:lnSpc>
+                        <a:spcBef>
+                          <a:spcPts val="0"/>
+                        </a:spcBef>
+                        <a:spcAft>
+                          <a:spcPts val="0"/>
+                        </a:spcAft>
+                      </a:pPr>
+                      <a:r>
+                        <a:rPr lang="ru-RU" sz="1300">
+                          <a:effectLst/>
+                        </a:rPr>
+                        <a:t>+</a:t>
+                      </a:r>
+                      <a:endParaRPr lang="en-US" sz="1300">
+                        <a:effectLst/>
+                        <a:latin typeface="Times New Roman"/>
+                        <a:ea typeface="Times New Roman"/>
+                      </a:endParaRPr>
+                    </a:p>
+                  </a:txBody>
+                  <a:tcPr marL="30308" marR="30308" marT="0" marB="0"/>
+                </a:tc>
+              </a:tr>
+              <a:tr h="278741">
+                <a:tc vMerge="1">
+                  <a:txBody>
+                    <a:bodyPr/>
+                    <a:lstStyle/>
+                    <a:p>
+                      <a:endParaRPr lang="en-US"/>
+                    </a:p>
+                  </a:txBody>
+                  <a:tcPr/>
+                </a:tc>
+                <a:tc>
+                  <a:txBody>
+                    <a:bodyPr/>
+                    <a:lstStyle/>
+                    <a:p>
+                      <a:pPr marL="0" marR="0" indent="0" algn="just">
+                        <a:lnSpc>
+                          <a:spcPct val="150000"/>
+                        </a:lnSpc>
+                        <a:spcBef>
+                          <a:spcPts val="0"/>
+                        </a:spcBef>
+                        <a:spcAft>
+                          <a:spcPts val="0"/>
+                        </a:spcAft>
+                      </a:pPr>
+                      <a:r>
+                        <a:rPr lang="ru-RU" sz="1100">
+                          <a:effectLst/>
+                        </a:rPr>
+                        <a:t>Качка</a:t>
+                      </a:r>
+                      <a:endParaRPr lang="en-US" sz="1100">
+                        <a:effectLst/>
+                        <a:latin typeface="Times New Roman"/>
+                        <a:ea typeface="Times New Roman"/>
+                      </a:endParaRPr>
+                    </a:p>
+                  </a:txBody>
+                  <a:tcPr marL="30308" marR="30308" marT="0" marB="0"/>
+                </a:tc>
+                <a:tc>
+                  <a:txBody>
+                    <a:bodyPr/>
+                    <a:lstStyle/>
+                    <a:p>
+                      <a:pPr marL="0" marR="0" indent="0" algn="ctr">
+                        <a:lnSpc>
+                          <a:spcPct val="150000"/>
+                        </a:lnSpc>
+                        <a:spcBef>
+                          <a:spcPts val="0"/>
+                        </a:spcBef>
+                        <a:spcAft>
+                          <a:spcPts val="0"/>
+                        </a:spcAft>
+                      </a:pPr>
+                      <a:r>
+                        <a:rPr lang="ru-RU" sz="1300">
+                          <a:effectLst/>
+                        </a:rPr>
+                        <a:t>+</a:t>
+                      </a:r>
+                      <a:endParaRPr lang="en-US" sz="1300">
+                        <a:effectLst/>
+                        <a:latin typeface="Times New Roman"/>
+                        <a:ea typeface="Times New Roman"/>
+                      </a:endParaRPr>
+                    </a:p>
+                  </a:txBody>
+                  <a:tcPr marL="30308" marR="30308" marT="0" marB="0"/>
+                </a:tc>
+              </a:tr>
+              <a:tr h="278741">
+                <a:tc rowSpan="4">
+                  <a:txBody>
+                    <a:bodyPr/>
+                    <a:lstStyle/>
+                    <a:p>
+                      <a:pPr marL="0" marR="0" indent="0" algn="just">
+                        <a:lnSpc>
+                          <a:spcPct val="150000"/>
+                        </a:lnSpc>
+                        <a:spcBef>
+                          <a:spcPts val="0"/>
+                        </a:spcBef>
+                        <a:spcAft>
+                          <a:spcPts val="0"/>
+                        </a:spcAft>
+                      </a:pPr>
+                      <a:r>
+                        <a:rPr lang="ru-RU" sz="1300" dirty="0">
+                          <a:effectLst/>
+                        </a:rPr>
+                        <a:t>Ультразвуковой дальномер </a:t>
+                      </a:r>
+                      <a:endParaRPr lang="en-US" sz="1300" dirty="0">
+                        <a:effectLst/>
+                        <a:latin typeface="Times New Roman"/>
+                        <a:ea typeface="Times New Roman"/>
+                      </a:endParaRPr>
+                    </a:p>
+                  </a:txBody>
+                  <a:tcPr marL="30308" marR="30308" marT="0" marB="0"/>
+                </a:tc>
+                <a:tc>
+                  <a:txBody>
+                    <a:bodyPr/>
+                    <a:lstStyle/>
+                    <a:p>
+                      <a:pPr marL="0" marR="0" indent="0" algn="just">
+                        <a:lnSpc>
+                          <a:spcPct val="150000"/>
+                        </a:lnSpc>
+                        <a:spcBef>
+                          <a:spcPts val="0"/>
+                        </a:spcBef>
+                        <a:spcAft>
+                          <a:spcPts val="0"/>
+                        </a:spcAft>
+                      </a:pPr>
+                      <a:r>
+                        <a:rPr lang="ru-RU" sz="1100">
+                          <a:effectLst/>
+                        </a:rPr>
+                        <a:t>Полярная ночь</a:t>
+                      </a:r>
+                      <a:endParaRPr lang="en-US" sz="1100">
+                        <a:effectLst/>
+                        <a:latin typeface="Times New Roman"/>
+                        <a:ea typeface="Times New Roman"/>
+                      </a:endParaRPr>
+                    </a:p>
+                  </a:txBody>
+                  <a:tcPr marL="30308" marR="30308" marT="0" marB="0"/>
+                </a:tc>
+                <a:tc>
+                  <a:txBody>
+                    <a:bodyPr/>
+                    <a:lstStyle/>
+                    <a:p>
+                      <a:pPr marL="0" marR="0" indent="0" algn="ctr">
+                        <a:lnSpc>
+                          <a:spcPct val="150000"/>
+                        </a:lnSpc>
+                        <a:spcBef>
+                          <a:spcPts val="0"/>
+                        </a:spcBef>
+                        <a:spcAft>
+                          <a:spcPts val="0"/>
+                        </a:spcAft>
+                      </a:pPr>
+                      <a:r>
+                        <a:rPr lang="ru-RU" sz="1300">
+                          <a:effectLst/>
+                        </a:rPr>
+                        <a:t>+</a:t>
+                      </a:r>
+                      <a:endParaRPr lang="en-US" sz="1300">
+                        <a:effectLst/>
+                        <a:latin typeface="Times New Roman"/>
+                        <a:ea typeface="Times New Roman"/>
+                      </a:endParaRPr>
+                    </a:p>
+                  </a:txBody>
+                  <a:tcPr marL="30308" marR="30308" marT="0" marB="0"/>
+                </a:tc>
+              </a:tr>
+              <a:tr h="278741">
+                <a:tc vMerge="1">
+                  <a:txBody>
+                    <a:bodyPr/>
+                    <a:lstStyle/>
+                    <a:p>
+                      <a:endParaRPr lang="en-US"/>
+                    </a:p>
+                  </a:txBody>
+                  <a:tcPr/>
+                </a:tc>
+                <a:tc>
+                  <a:txBody>
+                    <a:bodyPr/>
+                    <a:lstStyle/>
+                    <a:p>
+                      <a:pPr marL="0" marR="0" indent="0" algn="just">
+                        <a:lnSpc>
+                          <a:spcPct val="150000"/>
+                        </a:lnSpc>
+                        <a:spcBef>
+                          <a:spcPts val="0"/>
+                        </a:spcBef>
+                        <a:spcAft>
+                          <a:spcPts val="0"/>
+                        </a:spcAft>
+                      </a:pPr>
+                      <a:r>
+                        <a:rPr lang="ru-RU" sz="1100" dirty="0">
+                          <a:effectLst/>
+                        </a:rPr>
+                        <a:t>Метель</a:t>
+                      </a:r>
+                      <a:endParaRPr lang="en-US" sz="1100" dirty="0">
+                        <a:effectLst/>
+                        <a:latin typeface="Times New Roman"/>
+                        <a:ea typeface="Times New Roman"/>
+                      </a:endParaRPr>
+                    </a:p>
+                  </a:txBody>
+                  <a:tcPr marL="30308" marR="30308" marT="0" marB="0"/>
+                </a:tc>
+                <a:tc>
+                  <a:txBody>
+                    <a:bodyPr/>
+                    <a:lstStyle/>
+                    <a:p>
+                      <a:pPr marL="0" marR="0" indent="0" algn="ctr">
+                        <a:lnSpc>
+                          <a:spcPct val="150000"/>
+                        </a:lnSpc>
+                        <a:spcBef>
+                          <a:spcPts val="0"/>
+                        </a:spcBef>
+                        <a:spcAft>
+                          <a:spcPts val="0"/>
+                        </a:spcAft>
+                      </a:pPr>
+                      <a:r>
+                        <a:rPr lang="ru-RU" sz="1300">
+                          <a:effectLst/>
+                        </a:rPr>
+                        <a:t>-</a:t>
+                      </a:r>
+                      <a:endParaRPr lang="en-US" sz="1300">
+                        <a:effectLst/>
+                        <a:latin typeface="Times New Roman"/>
+                        <a:ea typeface="Times New Roman"/>
+                      </a:endParaRPr>
+                    </a:p>
+                  </a:txBody>
+                  <a:tcPr marL="30308" marR="30308" marT="0" marB="0"/>
+                </a:tc>
+              </a:tr>
+              <a:tr h="278741">
+                <a:tc vMerge="1">
+                  <a:txBody>
+                    <a:bodyPr/>
+                    <a:lstStyle/>
+                    <a:p>
+                      <a:endParaRPr lang="en-US"/>
+                    </a:p>
+                  </a:txBody>
+                  <a:tcPr/>
+                </a:tc>
+                <a:tc>
+                  <a:txBody>
+                    <a:bodyPr/>
+                    <a:lstStyle/>
+                    <a:p>
+                      <a:pPr marL="0" marR="0" indent="0" algn="just">
+                        <a:lnSpc>
+                          <a:spcPct val="150000"/>
+                        </a:lnSpc>
+                        <a:spcBef>
+                          <a:spcPts val="0"/>
+                        </a:spcBef>
+                        <a:spcAft>
+                          <a:spcPts val="0"/>
+                        </a:spcAft>
+                      </a:pPr>
+                      <a:r>
+                        <a:rPr lang="ru-RU" sz="1100">
+                          <a:effectLst/>
+                        </a:rPr>
+                        <a:t>Сильный ветер</a:t>
+                      </a:r>
+                      <a:endParaRPr lang="en-US" sz="1100">
+                        <a:effectLst/>
+                        <a:latin typeface="Times New Roman"/>
+                        <a:ea typeface="Times New Roman"/>
+                      </a:endParaRPr>
+                    </a:p>
+                  </a:txBody>
+                  <a:tcPr marL="30308" marR="30308" marT="0" marB="0"/>
+                </a:tc>
+                <a:tc>
+                  <a:txBody>
+                    <a:bodyPr/>
+                    <a:lstStyle/>
+                    <a:p>
+                      <a:pPr marL="0" marR="0" indent="0" algn="ctr">
+                        <a:lnSpc>
+                          <a:spcPct val="150000"/>
+                        </a:lnSpc>
+                        <a:spcBef>
+                          <a:spcPts val="0"/>
+                        </a:spcBef>
+                        <a:spcAft>
+                          <a:spcPts val="0"/>
+                        </a:spcAft>
+                      </a:pPr>
+                      <a:r>
+                        <a:rPr lang="ru-RU" sz="1300">
+                          <a:effectLst/>
+                        </a:rPr>
+                        <a:t>-</a:t>
+                      </a:r>
+                      <a:endParaRPr lang="en-US" sz="1300">
+                        <a:effectLst/>
+                        <a:latin typeface="Times New Roman"/>
+                        <a:ea typeface="Times New Roman"/>
+                      </a:endParaRPr>
+                    </a:p>
+                  </a:txBody>
+                  <a:tcPr marL="30308" marR="30308" marT="0" marB="0"/>
+                </a:tc>
+              </a:tr>
+              <a:tr h="278741">
+                <a:tc vMerge="1">
+                  <a:txBody>
+                    <a:bodyPr/>
+                    <a:lstStyle/>
+                    <a:p>
+                      <a:endParaRPr lang="en-US"/>
+                    </a:p>
+                  </a:txBody>
+                  <a:tcPr/>
+                </a:tc>
+                <a:tc>
+                  <a:txBody>
+                    <a:bodyPr/>
+                    <a:lstStyle/>
+                    <a:p>
+                      <a:pPr marL="0" marR="0" indent="0" algn="just">
+                        <a:lnSpc>
+                          <a:spcPct val="150000"/>
+                        </a:lnSpc>
+                        <a:spcBef>
+                          <a:spcPts val="0"/>
+                        </a:spcBef>
+                        <a:spcAft>
+                          <a:spcPts val="0"/>
+                        </a:spcAft>
+                      </a:pPr>
+                      <a:r>
+                        <a:rPr lang="ru-RU" sz="1100">
+                          <a:effectLst/>
+                        </a:rPr>
+                        <a:t>Качка</a:t>
+                      </a:r>
+                      <a:endParaRPr lang="en-US" sz="1100">
+                        <a:effectLst/>
+                        <a:latin typeface="Times New Roman"/>
+                        <a:ea typeface="Times New Roman"/>
+                      </a:endParaRPr>
+                    </a:p>
+                  </a:txBody>
+                  <a:tcPr marL="30308" marR="30308" marT="0" marB="0"/>
+                </a:tc>
+                <a:tc>
+                  <a:txBody>
+                    <a:bodyPr/>
+                    <a:lstStyle/>
+                    <a:p>
+                      <a:pPr marL="0" marR="0" indent="0" algn="ctr">
+                        <a:lnSpc>
+                          <a:spcPct val="150000"/>
+                        </a:lnSpc>
+                        <a:spcBef>
+                          <a:spcPts val="0"/>
+                        </a:spcBef>
+                        <a:spcAft>
+                          <a:spcPts val="0"/>
+                        </a:spcAft>
+                      </a:pPr>
+                      <a:r>
+                        <a:rPr lang="ru-RU" sz="1300">
+                          <a:effectLst/>
+                        </a:rPr>
+                        <a:t>+</a:t>
+                      </a:r>
+                      <a:endParaRPr lang="en-US" sz="1300">
+                        <a:effectLst/>
+                        <a:latin typeface="Times New Roman"/>
+                        <a:ea typeface="Times New Roman"/>
+                      </a:endParaRPr>
+                    </a:p>
+                  </a:txBody>
+                  <a:tcPr marL="30308" marR="30308" marT="0" marB="0"/>
+                </a:tc>
+              </a:tr>
+              <a:tr h="278741">
+                <a:tc rowSpan="4">
+                  <a:txBody>
+                    <a:bodyPr/>
+                    <a:lstStyle/>
+                    <a:p>
+                      <a:pPr marL="0" marR="0" indent="0" algn="just">
+                        <a:lnSpc>
+                          <a:spcPct val="150000"/>
+                        </a:lnSpc>
+                        <a:spcBef>
+                          <a:spcPts val="0"/>
+                        </a:spcBef>
+                        <a:spcAft>
+                          <a:spcPts val="0"/>
+                        </a:spcAft>
+                      </a:pPr>
+                      <a:r>
+                        <a:rPr lang="ru-RU" sz="1300">
+                          <a:effectLst/>
+                        </a:rPr>
+                        <a:t>Лазерный дальномер</a:t>
+                      </a:r>
+                      <a:endParaRPr lang="en-US" sz="1300">
+                        <a:effectLst/>
+                        <a:latin typeface="Times New Roman"/>
+                        <a:ea typeface="Times New Roman"/>
+                      </a:endParaRPr>
+                    </a:p>
+                  </a:txBody>
+                  <a:tcPr marL="30308" marR="30308" marT="0" marB="0"/>
+                </a:tc>
+                <a:tc>
+                  <a:txBody>
+                    <a:bodyPr/>
+                    <a:lstStyle/>
+                    <a:p>
+                      <a:pPr marL="0" marR="0" indent="0" algn="just">
+                        <a:lnSpc>
+                          <a:spcPct val="150000"/>
+                        </a:lnSpc>
+                        <a:spcBef>
+                          <a:spcPts val="0"/>
+                        </a:spcBef>
+                        <a:spcAft>
+                          <a:spcPts val="0"/>
+                        </a:spcAft>
+                      </a:pPr>
+                      <a:r>
+                        <a:rPr lang="ru-RU" sz="1100">
+                          <a:effectLst/>
+                        </a:rPr>
+                        <a:t>Полярная ночь</a:t>
+                      </a:r>
+                      <a:endParaRPr lang="en-US" sz="1100">
+                        <a:effectLst/>
+                        <a:latin typeface="Times New Roman"/>
+                        <a:ea typeface="Times New Roman"/>
+                      </a:endParaRPr>
+                    </a:p>
+                  </a:txBody>
+                  <a:tcPr marL="30308" marR="30308" marT="0" marB="0"/>
+                </a:tc>
+                <a:tc>
+                  <a:txBody>
+                    <a:bodyPr/>
+                    <a:lstStyle/>
+                    <a:p>
+                      <a:pPr marL="0" marR="0" indent="0" algn="ctr">
+                        <a:lnSpc>
+                          <a:spcPct val="150000"/>
+                        </a:lnSpc>
+                        <a:spcBef>
+                          <a:spcPts val="0"/>
+                        </a:spcBef>
+                        <a:spcAft>
+                          <a:spcPts val="0"/>
+                        </a:spcAft>
+                      </a:pPr>
+                      <a:r>
+                        <a:rPr lang="ru-RU" sz="1300">
+                          <a:effectLst/>
+                        </a:rPr>
+                        <a:t>+</a:t>
+                      </a:r>
+                      <a:endParaRPr lang="en-US" sz="1300">
+                        <a:effectLst/>
+                        <a:latin typeface="Times New Roman"/>
+                        <a:ea typeface="Times New Roman"/>
+                      </a:endParaRPr>
+                    </a:p>
+                  </a:txBody>
+                  <a:tcPr marL="30308" marR="30308" marT="0" marB="0"/>
+                </a:tc>
+              </a:tr>
+              <a:tr h="278741">
+                <a:tc vMerge="1">
+                  <a:txBody>
+                    <a:bodyPr/>
+                    <a:lstStyle/>
+                    <a:p>
+                      <a:endParaRPr lang="en-US"/>
+                    </a:p>
+                  </a:txBody>
+                  <a:tcPr/>
+                </a:tc>
+                <a:tc>
+                  <a:txBody>
+                    <a:bodyPr/>
+                    <a:lstStyle/>
+                    <a:p>
+                      <a:pPr marL="0" marR="0" indent="0" algn="just">
+                        <a:lnSpc>
+                          <a:spcPct val="150000"/>
+                        </a:lnSpc>
+                        <a:spcBef>
+                          <a:spcPts val="0"/>
+                        </a:spcBef>
+                        <a:spcAft>
+                          <a:spcPts val="0"/>
+                        </a:spcAft>
+                      </a:pPr>
+                      <a:r>
+                        <a:rPr lang="ru-RU" sz="1100">
+                          <a:effectLst/>
+                        </a:rPr>
+                        <a:t>Метель</a:t>
+                      </a:r>
+                      <a:endParaRPr lang="en-US" sz="1100">
+                        <a:effectLst/>
+                        <a:latin typeface="Times New Roman"/>
+                        <a:ea typeface="Times New Roman"/>
+                      </a:endParaRPr>
+                    </a:p>
+                  </a:txBody>
+                  <a:tcPr marL="30308" marR="30308" marT="0" marB="0"/>
+                </a:tc>
+                <a:tc>
+                  <a:txBody>
+                    <a:bodyPr/>
+                    <a:lstStyle/>
+                    <a:p>
+                      <a:pPr marL="0" marR="0" indent="0" algn="ctr">
+                        <a:lnSpc>
+                          <a:spcPct val="150000"/>
+                        </a:lnSpc>
+                        <a:spcBef>
+                          <a:spcPts val="0"/>
+                        </a:spcBef>
+                        <a:spcAft>
+                          <a:spcPts val="0"/>
+                        </a:spcAft>
+                      </a:pPr>
+                      <a:r>
+                        <a:rPr lang="ru-RU" sz="1300">
+                          <a:effectLst/>
+                        </a:rPr>
+                        <a:t>-</a:t>
+                      </a:r>
+                      <a:endParaRPr lang="en-US" sz="1300">
+                        <a:effectLst/>
+                        <a:latin typeface="Times New Roman"/>
+                        <a:ea typeface="Times New Roman"/>
+                      </a:endParaRPr>
+                    </a:p>
+                  </a:txBody>
+                  <a:tcPr marL="30308" marR="30308" marT="0" marB="0"/>
+                </a:tc>
+              </a:tr>
+              <a:tr h="278741">
+                <a:tc vMerge="1">
+                  <a:txBody>
+                    <a:bodyPr/>
+                    <a:lstStyle/>
+                    <a:p>
+                      <a:endParaRPr lang="en-US"/>
+                    </a:p>
+                  </a:txBody>
+                  <a:tcPr/>
+                </a:tc>
+                <a:tc>
+                  <a:txBody>
+                    <a:bodyPr/>
+                    <a:lstStyle/>
+                    <a:p>
+                      <a:pPr marL="0" marR="0" indent="0" algn="just">
+                        <a:lnSpc>
+                          <a:spcPct val="150000"/>
+                        </a:lnSpc>
+                        <a:spcBef>
+                          <a:spcPts val="0"/>
+                        </a:spcBef>
+                        <a:spcAft>
+                          <a:spcPts val="0"/>
+                        </a:spcAft>
+                      </a:pPr>
+                      <a:r>
+                        <a:rPr lang="ru-RU" sz="1100">
+                          <a:effectLst/>
+                        </a:rPr>
+                        <a:t>Сильный ветер</a:t>
+                      </a:r>
+                      <a:endParaRPr lang="en-US" sz="1100">
+                        <a:effectLst/>
+                        <a:latin typeface="Times New Roman"/>
+                        <a:ea typeface="Times New Roman"/>
+                      </a:endParaRPr>
+                    </a:p>
+                  </a:txBody>
+                  <a:tcPr marL="30308" marR="30308" marT="0" marB="0"/>
+                </a:tc>
+                <a:tc>
+                  <a:txBody>
+                    <a:bodyPr/>
+                    <a:lstStyle/>
+                    <a:p>
+                      <a:pPr marL="0" marR="0" indent="0" algn="ctr">
+                        <a:lnSpc>
+                          <a:spcPct val="150000"/>
+                        </a:lnSpc>
+                        <a:spcBef>
+                          <a:spcPts val="0"/>
+                        </a:spcBef>
+                        <a:spcAft>
+                          <a:spcPts val="0"/>
+                        </a:spcAft>
+                      </a:pPr>
+                      <a:r>
+                        <a:rPr lang="ru-RU" sz="1300">
+                          <a:effectLst/>
+                        </a:rPr>
+                        <a:t>+</a:t>
+                      </a:r>
+                      <a:endParaRPr lang="en-US" sz="1300">
+                        <a:effectLst/>
+                        <a:latin typeface="Times New Roman"/>
+                        <a:ea typeface="Times New Roman"/>
+                      </a:endParaRPr>
+                    </a:p>
+                  </a:txBody>
+                  <a:tcPr marL="30308" marR="30308" marT="0" marB="0"/>
+                </a:tc>
+              </a:tr>
+              <a:tr h="278741">
+                <a:tc vMerge="1">
+                  <a:txBody>
+                    <a:bodyPr/>
+                    <a:lstStyle/>
+                    <a:p>
+                      <a:endParaRPr lang="en-US"/>
+                    </a:p>
+                  </a:txBody>
+                  <a:tcPr/>
+                </a:tc>
+                <a:tc>
+                  <a:txBody>
+                    <a:bodyPr/>
+                    <a:lstStyle/>
+                    <a:p>
+                      <a:pPr marL="0" marR="0" indent="0" algn="just">
+                        <a:lnSpc>
+                          <a:spcPct val="150000"/>
+                        </a:lnSpc>
+                        <a:spcBef>
+                          <a:spcPts val="0"/>
+                        </a:spcBef>
+                        <a:spcAft>
+                          <a:spcPts val="0"/>
+                        </a:spcAft>
+                      </a:pPr>
+                      <a:r>
+                        <a:rPr lang="ru-RU" sz="1100" dirty="0">
+                          <a:effectLst/>
+                        </a:rPr>
+                        <a:t>Качка</a:t>
+                      </a:r>
+                      <a:endParaRPr lang="en-US" sz="1100" dirty="0">
+                        <a:effectLst/>
+                        <a:latin typeface="Times New Roman"/>
+                        <a:ea typeface="Times New Roman"/>
+                      </a:endParaRPr>
+                    </a:p>
+                  </a:txBody>
+                  <a:tcPr marL="30308" marR="30308" marT="0" marB="0"/>
+                </a:tc>
+                <a:tc>
+                  <a:txBody>
+                    <a:bodyPr/>
+                    <a:lstStyle/>
+                    <a:p>
+                      <a:pPr marL="0" marR="0" indent="0" algn="ctr">
+                        <a:lnSpc>
+                          <a:spcPct val="150000"/>
+                        </a:lnSpc>
+                        <a:spcBef>
+                          <a:spcPts val="0"/>
+                        </a:spcBef>
+                        <a:spcAft>
+                          <a:spcPts val="0"/>
+                        </a:spcAft>
+                      </a:pPr>
+                      <a:r>
+                        <a:rPr lang="ru-RU" sz="1300">
+                          <a:effectLst/>
+                        </a:rPr>
+                        <a:t>+</a:t>
+                      </a:r>
+                      <a:endParaRPr lang="en-US" sz="1300">
+                        <a:effectLst/>
+                        <a:latin typeface="Times New Roman"/>
+                        <a:ea typeface="Times New Roman"/>
+                      </a:endParaRPr>
+                    </a:p>
+                  </a:txBody>
+                  <a:tcPr marL="30308" marR="30308" marT="0" marB="0"/>
+                </a:tc>
+              </a:tr>
+              <a:tr h="278741">
+                <a:tc rowSpan="4">
+                  <a:txBody>
+                    <a:bodyPr/>
+                    <a:lstStyle/>
+                    <a:p>
+                      <a:pPr marL="0" marR="0" indent="0" algn="just">
+                        <a:lnSpc>
+                          <a:spcPct val="150000"/>
+                        </a:lnSpc>
+                        <a:spcBef>
+                          <a:spcPts val="0"/>
+                        </a:spcBef>
+                        <a:spcAft>
+                          <a:spcPts val="0"/>
+                        </a:spcAft>
+                      </a:pPr>
+                      <a:r>
+                        <a:rPr lang="ru-RU" sz="1300">
+                          <a:effectLst/>
+                        </a:rPr>
+                        <a:t>Глобальная система навигации</a:t>
+                      </a:r>
+                      <a:endParaRPr lang="en-US" sz="1300">
+                        <a:effectLst/>
+                        <a:latin typeface="Times New Roman"/>
+                        <a:ea typeface="Times New Roman"/>
+                      </a:endParaRPr>
+                    </a:p>
+                  </a:txBody>
+                  <a:tcPr marL="30308" marR="30308" marT="0" marB="0"/>
+                </a:tc>
+                <a:tc>
+                  <a:txBody>
+                    <a:bodyPr/>
+                    <a:lstStyle/>
+                    <a:p>
+                      <a:pPr marL="0" marR="0" indent="0" algn="just">
+                        <a:lnSpc>
+                          <a:spcPct val="150000"/>
+                        </a:lnSpc>
+                        <a:spcBef>
+                          <a:spcPts val="0"/>
+                        </a:spcBef>
+                        <a:spcAft>
+                          <a:spcPts val="0"/>
+                        </a:spcAft>
+                      </a:pPr>
+                      <a:r>
+                        <a:rPr lang="ru-RU" sz="1100">
+                          <a:effectLst/>
+                        </a:rPr>
+                        <a:t>Полярная ночь</a:t>
+                      </a:r>
+                      <a:endParaRPr lang="en-US" sz="1100">
+                        <a:effectLst/>
+                        <a:latin typeface="Times New Roman"/>
+                        <a:ea typeface="Times New Roman"/>
+                      </a:endParaRPr>
+                    </a:p>
+                  </a:txBody>
+                  <a:tcPr marL="30308" marR="30308" marT="0" marB="0"/>
+                </a:tc>
+                <a:tc>
+                  <a:txBody>
+                    <a:bodyPr/>
+                    <a:lstStyle/>
+                    <a:p>
+                      <a:pPr marL="0" marR="0" indent="0" algn="ctr">
+                        <a:lnSpc>
+                          <a:spcPct val="150000"/>
+                        </a:lnSpc>
+                        <a:spcBef>
+                          <a:spcPts val="0"/>
+                        </a:spcBef>
+                        <a:spcAft>
+                          <a:spcPts val="0"/>
+                        </a:spcAft>
+                      </a:pPr>
+                      <a:r>
+                        <a:rPr lang="ru-RU" sz="1300">
+                          <a:effectLst/>
+                        </a:rPr>
+                        <a:t>+</a:t>
+                      </a:r>
+                      <a:endParaRPr lang="en-US" sz="1300">
+                        <a:effectLst/>
+                        <a:latin typeface="Times New Roman"/>
+                        <a:ea typeface="Times New Roman"/>
+                      </a:endParaRPr>
+                    </a:p>
+                  </a:txBody>
+                  <a:tcPr marL="30308" marR="30308" marT="0" marB="0"/>
+                </a:tc>
+              </a:tr>
+              <a:tr h="278741">
+                <a:tc vMerge="1">
+                  <a:txBody>
+                    <a:bodyPr/>
+                    <a:lstStyle/>
+                    <a:p>
+                      <a:endParaRPr lang="en-US"/>
+                    </a:p>
+                  </a:txBody>
+                  <a:tcPr/>
+                </a:tc>
+                <a:tc>
+                  <a:txBody>
+                    <a:bodyPr/>
+                    <a:lstStyle/>
+                    <a:p>
+                      <a:pPr marL="0" marR="0" indent="0" algn="just">
+                        <a:lnSpc>
+                          <a:spcPct val="150000"/>
+                        </a:lnSpc>
+                        <a:spcBef>
+                          <a:spcPts val="0"/>
+                        </a:spcBef>
+                        <a:spcAft>
+                          <a:spcPts val="0"/>
+                        </a:spcAft>
+                      </a:pPr>
+                      <a:r>
+                        <a:rPr lang="ru-RU" sz="1100">
+                          <a:effectLst/>
+                        </a:rPr>
+                        <a:t>Метель</a:t>
+                      </a:r>
+                      <a:endParaRPr lang="en-US" sz="1100">
+                        <a:effectLst/>
+                        <a:latin typeface="Times New Roman"/>
+                        <a:ea typeface="Times New Roman"/>
+                      </a:endParaRPr>
+                    </a:p>
+                  </a:txBody>
+                  <a:tcPr marL="30308" marR="30308" marT="0" marB="0"/>
+                </a:tc>
+                <a:tc>
+                  <a:txBody>
+                    <a:bodyPr/>
+                    <a:lstStyle/>
+                    <a:p>
+                      <a:pPr marL="0" marR="0" indent="0" algn="ctr">
+                        <a:lnSpc>
+                          <a:spcPct val="150000"/>
+                        </a:lnSpc>
+                        <a:spcBef>
+                          <a:spcPts val="0"/>
+                        </a:spcBef>
+                        <a:spcAft>
+                          <a:spcPts val="0"/>
+                        </a:spcAft>
+                      </a:pPr>
+                      <a:r>
+                        <a:rPr lang="ru-RU" sz="1300">
+                          <a:effectLst/>
+                        </a:rPr>
+                        <a:t>+</a:t>
+                      </a:r>
+                      <a:endParaRPr lang="en-US" sz="1300">
+                        <a:effectLst/>
+                        <a:latin typeface="Times New Roman"/>
+                        <a:ea typeface="Times New Roman"/>
+                      </a:endParaRPr>
+                    </a:p>
+                  </a:txBody>
+                  <a:tcPr marL="30308" marR="30308" marT="0" marB="0"/>
+                </a:tc>
+              </a:tr>
+              <a:tr h="278741">
+                <a:tc vMerge="1">
+                  <a:txBody>
+                    <a:bodyPr/>
+                    <a:lstStyle/>
+                    <a:p>
+                      <a:endParaRPr lang="en-US"/>
+                    </a:p>
+                  </a:txBody>
+                  <a:tcPr/>
+                </a:tc>
+                <a:tc>
+                  <a:txBody>
+                    <a:bodyPr/>
+                    <a:lstStyle/>
+                    <a:p>
+                      <a:pPr marL="0" marR="0" indent="0" algn="just">
+                        <a:lnSpc>
+                          <a:spcPct val="150000"/>
+                        </a:lnSpc>
+                        <a:spcBef>
+                          <a:spcPts val="0"/>
+                        </a:spcBef>
+                        <a:spcAft>
+                          <a:spcPts val="0"/>
+                        </a:spcAft>
+                      </a:pPr>
+                      <a:r>
+                        <a:rPr lang="ru-RU" sz="1100">
+                          <a:effectLst/>
+                        </a:rPr>
+                        <a:t>Сильный ветер</a:t>
+                      </a:r>
+                      <a:endParaRPr lang="en-US" sz="1100">
+                        <a:effectLst/>
+                        <a:latin typeface="Times New Roman"/>
+                        <a:ea typeface="Times New Roman"/>
+                      </a:endParaRPr>
+                    </a:p>
+                  </a:txBody>
+                  <a:tcPr marL="30308" marR="30308" marT="0" marB="0"/>
+                </a:tc>
+                <a:tc>
+                  <a:txBody>
+                    <a:bodyPr/>
+                    <a:lstStyle/>
+                    <a:p>
+                      <a:pPr marL="0" marR="0" indent="0" algn="ctr">
+                        <a:lnSpc>
+                          <a:spcPct val="150000"/>
+                        </a:lnSpc>
+                        <a:spcBef>
+                          <a:spcPts val="0"/>
+                        </a:spcBef>
+                        <a:spcAft>
+                          <a:spcPts val="0"/>
+                        </a:spcAft>
+                      </a:pPr>
+                      <a:r>
+                        <a:rPr lang="ru-RU" sz="1300">
+                          <a:effectLst/>
+                        </a:rPr>
+                        <a:t>+</a:t>
+                      </a:r>
+                      <a:endParaRPr lang="en-US" sz="1300">
+                        <a:effectLst/>
+                        <a:latin typeface="Times New Roman"/>
+                        <a:ea typeface="Times New Roman"/>
+                      </a:endParaRPr>
+                    </a:p>
+                  </a:txBody>
+                  <a:tcPr marL="30308" marR="30308" marT="0" marB="0"/>
+                </a:tc>
+              </a:tr>
+              <a:tr h="278741">
+                <a:tc vMerge="1">
+                  <a:txBody>
+                    <a:bodyPr/>
+                    <a:lstStyle/>
+                    <a:p>
+                      <a:endParaRPr lang="en-US"/>
+                    </a:p>
+                  </a:txBody>
+                  <a:tcPr/>
+                </a:tc>
+                <a:tc>
+                  <a:txBody>
+                    <a:bodyPr/>
+                    <a:lstStyle/>
+                    <a:p>
+                      <a:pPr marL="0" marR="0" indent="0" algn="just">
+                        <a:lnSpc>
+                          <a:spcPct val="150000"/>
+                        </a:lnSpc>
+                        <a:spcBef>
+                          <a:spcPts val="0"/>
+                        </a:spcBef>
+                        <a:spcAft>
+                          <a:spcPts val="0"/>
+                        </a:spcAft>
+                      </a:pPr>
+                      <a:r>
+                        <a:rPr lang="ru-RU" sz="1100">
+                          <a:effectLst/>
+                        </a:rPr>
+                        <a:t>Качка</a:t>
+                      </a:r>
+                      <a:endParaRPr lang="en-US" sz="1100">
+                        <a:effectLst/>
+                        <a:latin typeface="Times New Roman"/>
+                        <a:ea typeface="Times New Roman"/>
+                      </a:endParaRPr>
+                    </a:p>
+                  </a:txBody>
+                  <a:tcPr marL="30308" marR="30308" marT="0" marB="0"/>
+                </a:tc>
+                <a:tc>
+                  <a:txBody>
+                    <a:bodyPr/>
+                    <a:lstStyle/>
+                    <a:p>
+                      <a:pPr marL="0" marR="0" indent="0" algn="ctr">
+                        <a:lnSpc>
+                          <a:spcPct val="150000"/>
+                        </a:lnSpc>
+                        <a:spcBef>
+                          <a:spcPts val="0"/>
+                        </a:spcBef>
+                        <a:spcAft>
+                          <a:spcPts val="0"/>
+                        </a:spcAft>
+                      </a:pPr>
+                      <a:r>
+                        <a:rPr lang="ru-RU" sz="1300">
+                          <a:effectLst/>
+                        </a:rPr>
+                        <a:t>+</a:t>
+                      </a:r>
+                      <a:endParaRPr lang="en-US" sz="1300">
+                        <a:effectLst/>
+                        <a:latin typeface="Times New Roman"/>
+                        <a:ea typeface="Times New Roman"/>
+                      </a:endParaRPr>
+                    </a:p>
+                  </a:txBody>
+                  <a:tcPr marL="30308" marR="30308" marT="0" marB="0"/>
+                </a:tc>
+              </a:tr>
+              <a:tr h="278741">
+                <a:tc rowSpan="4">
+                  <a:txBody>
+                    <a:bodyPr/>
+                    <a:lstStyle/>
+                    <a:p>
+                      <a:pPr marL="0" marR="0" indent="0" algn="just">
+                        <a:lnSpc>
+                          <a:spcPct val="150000"/>
+                        </a:lnSpc>
+                        <a:spcBef>
+                          <a:spcPts val="0"/>
+                        </a:spcBef>
+                        <a:spcAft>
+                          <a:spcPts val="0"/>
+                        </a:spcAft>
+                      </a:pPr>
+                      <a:r>
+                        <a:rPr lang="ru-RU" sz="1300" dirty="0">
+                          <a:effectLst/>
+                        </a:rPr>
+                        <a:t>Инерциальная навигационная система</a:t>
+                      </a:r>
+                      <a:endParaRPr lang="en-US" sz="1300" dirty="0">
+                        <a:effectLst/>
+                        <a:latin typeface="Times New Roman"/>
+                        <a:ea typeface="Times New Roman"/>
+                      </a:endParaRPr>
+                    </a:p>
+                  </a:txBody>
+                  <a:tcPr marL="30308" marR="30308" marT="0" marB="0"/>
+                </a:tc>
+                <a:tc>
+                  <a:txBody>
+                    <a:bodyPr/>
+                    <a:lstStyle/>
+                    <a:p>
+                      <a:pPr marL="0" marR="0" indent="0" algn="just">
+                        <a:lnSpc>
+                          <a:spcPct val="150000"/>
+                        </a:lnSpc>
+                        <a:spcBef>
+                          <a:spcPts val="0"/>
+                        </a:spcBef>
+                        <a:spcAft>
+                          <a:spcPts val="0"/>
+                        </a:spcAft>
+                      </a:pPr>
+                      <a:r>
+                        <a:rPr lang="ru-RU" sz="1100">
+                          <a:effectLst/>
+                        </a:rPr>
+                        <a:t>Полярная ночь</a:t>
+                      </a:r>
+                      <a:endParaRPr lang="en-US" sz="1100">
+                        <a:effectLst/>
+                        <a:latin typeface="Times New Roman"/>
+                        <a:ea typeface="Times New Roman"/>
+                      </a:endParaRPr>
+                    </a:p>
+                  </a:txBody>
+                  <a:tcPr marL="30308" marR="30308" marT="0" marB="0"/>
+                </a:tc>
+                <a:tc>
+                  <a:txBody>
+                    <a:bodyPr/>
+                    <a:lstStyle/>
+                    <a:p>
+                      <a:pPr marL="0" marR="0" indent="0" algn="ctr">
+                        <a:lnSpc>
+                          <a:spcPct val="150000"/>
+                        </a:lnSpc>
+                        <a:spcBef>
+                          <a:spcPts val="0"/>
+                        </a:spcBef>
+                        <a:spcAft>
+                          <a:spcPts val="0"/>
+                        </a:spcAft>
+                      </a:pPr>
+                      <a:r>
+                        <a:rPr lang="ru-RU" sz="1300">
+                          <a:effectLst/>
+                        </a:rPr>
+                        <a:t>+</a:t>
+                      </a:r>
+                      <a:endParaRPr lang="en-US" sz="1300">
+                        <a:effectLst/>
+                        <a:latin typeface="Times New Roman"/>
+                        <a:ea typeface="Times New Roman"/>
+                      </a:endParaRPr>
+                    </a:p>
+                  </a:txBody>
+                  <a:tcPr marL="30308" marR="30308" marT="0" marB="0"/>
+                </a:tc>
+              </a:tr>
+              <a:tr h="278741">
+                <a:tc vMerge="1">
+                  <a:txBody>
+                    <a:bodyPr/>
+                    <a:lstStyle/>
+                    <a:p>
+                      <a:endParaRPr lang="en-US"/>
+                    </a:p>
+                  </a:txBody>
+                  <a:tcPr/>
+                </a:tc>
+                <a:tc>
+                  <a:txBody>
+                    <a:bodyPr/>
+                    <a:lstStyle/>
+                    <a:p>
+                      <a:pPr marL="0" marR="0" indent="0" algn="just">
+                        <a:lnSpc>
+                          <a:spcPct val="150000"/>
+                        </a:lnSpc>
+                        <a:spcBef>
+                          <a:spcPts val="0"/>
+                        </a:spcBef>
+                        <a:spcAft>
+                          <a:spcPts val="0"/>
+                        </a:spcAft>
+                      </a:pPr>
+                      <a:r>
+                        <a:rPr lang="ru-RU" sz="1100">
+                          <a:effectLst/>
+                        </a:rPr>
+                        <a:t>Метель</a:t>
+                      </a:r>
+                      <a:endParaRPr lang="en-US" sz="1100">
+                        <a:effectLst/>
+                        <a:latin typeface="Times New Roman"/>
+                        <a:ea typeface="Times New Roman"/>
+                      </a:endParaRPr>
+                    </a:p>
+                  </a:txBody>
+                  <a:tcPr marL="30308" marR="30308" marT="0" marB="0"/>
+                </a:tc>
+                <a:tc>
+                  <a:txBody>
+                    <a:bodyPr/>
+                    <a:lstStyle/>
+                    <a:p>
+                      <a:pPr marL="0" marR="0" indent="0" algn="ctr">
+                        <a:lnSpc>
+                          <a:spcPct val="150000"/>
+                        </a:lnSpc>
+                        <a:spcBef>
+                          <a:spcPts val="0"/>
+                        </a:spcBef>
+                        <a:spcAft>
+                          <a:spcPts val="0"/>
+                        </a:spcAft>
+                      </a:pPr>
+                      <a:r>
+                        <a:rPr lang="ru-RU" sz="1300">
+                          <a:effectLst/>
+                        </a:rPr>
+                        <a:t>+</a:t>
+                      </a:r>
+                      <a:endParaRPr lang="en-US" sz="1300">
+                        <a:effectLst/>
+                        <a:latin typeface="Times New Roman"/>
+                        <a:ea typeface="Times New Roman"/>
+                      </a:endParaRPr>
+                    </a:p>
+                  </a:txBody>
+                  <a:tcPr marL="30308" marR="30308" marT="0" marB="0"/>
+                </a:tc>
+              </a:tr>
+              <a:tr h="278741">
+                <a:tc vMerge="1">
+                  <a:txBody>
+                    <a:bodyPr/>
+                    <a:lstStyle/>
+                    <a:p>
+                      <a:endParaRPr lang="en-US"/>
+                    </a:p>
+                  </a:txBody>
+                  <a:tcPr/>
+                </a:tc>
+                <a:tc>
+                  <a:txBody>
+                    <a:bodyPr/>
+                    <a:lstStyle/>
+                    <a:p>
+                      <a:pPr marL="0" marR="0" indent="0" algn="just">
+                        <a:lnSpc>
+                          <a:spcPct val="150000"/>
+                        </a:lnSpc>
+                        <a:spcBef>
+                          <a:spcPts val="0"/>
+                        </a:spcBef>
+                        <a:spcAft>
+                          <a:spcPts val="0"/>
+                        </a:spcAft>
+                      </a:pPr>
+                      <a:r>
+                        <a:rPr lang="ru-RU" sz="1100">
+                          <a:effectLst/>
+                        </a:rPr>
+                        <a:t>Сильный ветер</a:t>
+                      </a:r>
+                      <a:endParaRPr lang="en-US" sz="1100">
+                        <a:effectLst/>
+                        <a:latin typeface="Times New Roman"/>
+                        <a:ea typeface="Times New Roman"/>
+                      </a:endParaRPr>
+                    </a:p>
+                  </a:txBody>
+                  <a:tcPr marL="30308" marR="30308" marT="0" marB="0"/>
+                </a:tc>
+                <a:tc>
+                  <a:txBody>
+                    <a:bodyPr/>
+                    <a:lstStyle/>
+                    <a:p>
+                      <a:pPr marL="0" marR="0" indent="0" algn="ctr">
+                        <a:lnSpc>
+                          <a:spcPct val="150000"/>
+                        </a:lnSpc>
+                        <a:spcBef>
+                          <a:spcPts val="0"/>
+                        </a:spcBef>
+                        <a:spcAft>
+                          <a:spcPts val="0"/>
+                        </a:spcAft>
+                      </a:pPr>
+                      <a:r>
+                        <a:rPr lang="ru-RU" sz="1300">
+                          <a:effectLst/>
+                        </a:rPr>
+                        <a:t>+</a:t>
+                      </a:r>
+                      <a:endParaRPr lang="en-US" sz="1300">
+                        <a:effectLst/>
+                        <a:latin typeface="Times New Roman"/>
+                        <a:ea typeface="Times New Roman"/>
+                      </a:endParaRPr>
+                    </a:p>
+                  </a:txBody>
+                  <a:tcPr marL="30308" marR="30308" marT="0" marB="0"/>
+                </a:tc>
+              </a:tr>
+              <a:tr h="278741">
+                <a:tc vMerge="1">
+                  <a:txBody>
+                    <a:bodyPr/>
+                    <a:lstStyle/>
+                    <a:p>
+                      <a:endParaRPr lang="en-US"/>
+                    </a:p>
+                  </a:txBody>
+                  <a:tcPr/>
+                </a:tc>
+                <a:tc>
+                  <a:txBody>
+                    <a:bodyPr/>
+                    <a:lstStyle/>
+                    <a:p>
+                      <a:pPr marL="0" marR="0" indent="0" algn="just">
+                        <a:lnSpc>
+                          <a:spcPct val="150000"/>
+                        </a:lnSpc>
+                        <a:spcBef>
+                          <a:spcPts val="0"/>
+                        </a:spcBef>
+                        <a:spcAft>
+                          <a:spcPts val="0"/>
+                        </a:spcAft>
+                      </a:pPr>
+                      <a:r>
+                        <a:rPr lang="ru-RU" sz="1100" dirty="0">
+                          <a:effectLst/>
+                        </a:rPr>
+                        <a:t>Качка</a:t>
+                      </a:r>
+                      <a:endParaRPr lang="en-US" sz="1100" dirty="0">
+                        <a:effectLst/>
+                        <a:latin typeface="Times New Roman"/>
+                        <a:ea typeface="Times New Roman"/>
+                      </a:endParaRPr>
+                    </a:p>
+                  </a:txBody>
+                  <a:tcPr marL="30308" marR="30308" marT="0" marB="0"/>
+                </a:tc>
+                <a:tc>
+                  <a:txBody>
+                    <a:bodyPr/>
+                    <a:lstStyle/>
+                    <a:p>
+                      <a:pPr marL="0" marR="0" indent="0" algn="ctr">
+                        <a:lnSpc>
+                          <a:spcPct val="150000"/>
+                        </a:lnSpc>
+                        <a:spcBef>
+                          <a:spcPts val="0"/>
+                        </a:spcBef>
+                        <a:spcAft>
+                          <a:spcPts val="0"/>
+                        </a:spcAft>
+                      </a:pPr>
+                      <a:r>
+                        <a:rPr lang="ru-RU" sz="1300" dirty="0">
+                          <a:effectLst/>
+                        </a:rPr>
+                        <a:t>-</a:t>
+                      </a:r>
+                      <a:endParaRPr lang="en-US" sz="1300" dirty="0">
+                        <a:effectLst/>
+                        <a:latin typeface="Times New Roman"/>
+                        <a:ea typeface="Times New Roman"/>
+                      </a:endParaRPr>
+                    </a:p>
+                  </a:txBody>
+                  <a:tcPr marL="30308" marR="30308" marT="0" marB="0"/>
+                </a:tc>
+              </a:tr>
+            </a:tbl>
+          </a:graphicData>
+        </a:graphic>
+      </p:graphicFrame>
       <p:sp>
         <p:nvSpPr>
-          <p:cNvPr id="3" name="TextBox 2"/>
+          <p:cNvPr id="11" name="TextBox 10"/>
           <p:cNvSpPr txBox="1"/>
           <p:nvPr/>
         </p:nvSpPr>
         <p:spPr>
           <a:xfrm>
-            <a:off x="266700" y="927100"/>
-            <a:ext cx="8623300" cy="5355312"/>
+            <a:off x="5797550" y="1014499"/>
+            <a:ext cx="3276600" cy="1877437"/>
           </a:xfrm>
           <a:prstGeom prst="rect">
             <a:avLst/>
@@ -4506,151 +6219,84 @@
           </a:bodyPr>
           <a:lstStyle/>
           <a:p>
-            <a:pPr marL="285750" indent="-285750" algn="just">
-              <a:buFontTx/>
-              <a:buChar char="-"/>
+            <a:pPr marL="800100" lvl="1" indent="-342900">
+              <a:buFont typeface="Arial" panose="020B0604020202020204" pitchFamily="34" charset="0"/>
+              <a:buChar char="•"/>
             </a:pPr>
             <a:r>
-              <a:rPr lang="ru-RU" sz="1800" dirty="0" smtClean="0"/>
-              <a:t>разработать набор сенсоров обеспечивающих непрерывную работоспособность комплекса датчиков; </a:t>
-            </a:r>
-          </a:p>
-          <a:p>
-            <a:pPr marL="285750" indent="-285750" algn="just">
-              <a:buFontTx/>
-              <a:buChar char="-"/>
+              <a:rPr lang="ru-RU" sz="1600" dirty="0"/>
+              <a:t>сильный ветер </a:t>
+            </a:r>
+          </a:p>
+          <a:p>
+            <a:pPr marL="800100" lvl="1" indent="-342900">
+              <a:buFont typeface="Arial" panose="020B0604020202020204" pitchFamily="34" charset="0"/>
+              <a:buChar char="•"/>
             </a:pPr>
-            <a:endParaRPr lang="ru-RU" sz="1800" dirty="0" smtClean="0"/>
-          </a:p>
-          <a:p>
-            <a:pPr marL="285750" indent="-285750" algn="just">
-              <a:buFontTx/>
-              <a:buChar char="-"/>
+            <a:r>
+              <a:rPr lang="ru-RU" sz="1600" dirty="0"/>
+              <a:t>низкие </a:t>
+            </a:r>
+            <a:r>
+              <a:rPr lang="ru-RU" sz="1600" dirty="0" smtClean="0"/>
+              <a:t>температуры</a:t>
+            </a:r>
+          </a:p>
+          <a:p>
+            <a:pPr marL="800100" lvl="1" indent="-342900">
+              <a:buFont typeface="Arial" panose="020B0604020202020204" pitchFamily="34" charset="0"/>
+              <a:buChar char="•"/>
             </a:pPr>
             <a:r>
-              <a:rPr lang="ru-RU" sz="1800" dirty="0" smtClean="0"/>
-              <a:t>разработать алгоритмы комплексирования данных сенсоров;</a:t>
-            </a:r>
-          </a:p>
-          <a:p>
-            <a:pPr marL="285750" indent="-285750" algn="just">
-              <a:buFontTx/>
-              <a:buChar char="-"/>
+              <a:rPr lang="ru-RU" sz="1600" dirty="0"/>
+              <a:t>метели </a:t>
+            </a:r>
+          </a:p>
+          <a:p>
+            <a:pPr marL="800100" lvl="1" indent="-342900">
+              <a:buFont typeface="Arial" panose="020B0604020202020204" pitchFamily="34" charset="0"/>
+              <a:buChar char="•"/>
             </a:pPr>
-            <a:endParaRPr lang="ru-RU" sz="1800" dirty="0" smtClean="0"/>
-          </a:p>
-          <a:p>
-            <a:pPr marL="285750" indent="-285750" algn="just">
-              <a:buFontTx/>
-              <a:buChar char="-"/>
+            <a:r>
+              <a:rPr lang="ru-RU" sz="1600" dirty="0"/>
+              <a:t>ледяные и снежные торосы</a:t>
+            </a:r>
+          </a:p>
+          <a:p>
+            <a:pPr marL="800100" lvl="1" indent="-342900">
+              <a:buFont typeface="Arial" panose="020B0604020202020204" pitchFamily="34" charset="0"/>
+              <a:buChar char="•"/>
             </a:pPr>
             <a:r>
-              <a:rPr lang="ru-RU" sz="1800" dirty="0"/>
-              <a:t>р</a:t>
-            </a:r>
-            <a:r>
-              <a:rPr lang="ru-RU" sz="1800" dirty="0" smtClean="0"/>
-              <a:t>азработать принципы обеспечения надежности системы на основе взаимозаменяемости датчиков;</a:t>
-            </a:r>
-          </a:p>
-          <a:p>
-            <a:pPr marL="285750" indent="-285750" algn="just">
-              <a:buFontTx/>
-              <a:buChar char="-"/>
-            </a:pPr>
-            <a:endParaRPr lang="ru-RU" sz="1800" dirty="0" smtClean="0"/>
-          </a:p>
-          <a:p>
-            <a:pPr marL="285750" indent="-285750" algn="just">
-              <a:buFontTx/>
-              <a:buChar char="-"/>
-            </a:pPr>
-            <a:r>
-              <a:rPr lang="ru-RU" sz="1800" dirty="0" smtClean="0"/>
-              <a:t>разработка критериев качества решения задачи навигации в сложных климатических условиях;</a:t>
-            </a:r>
-          </a:p>
-          <a:p>
-            <a:pPr marL="285750" indent="-285750" algn="just">
-              <a:buFontTx/>
-              <a:buChar char="-"/>
-            </a:pPr>
-            <a:endParaRPr lang="ru-RU" sz="1800" dirty="0" smtClean="0"/>
-          </a:p>
-          <a:p>
-            <a:pPr marL="285750" indent="-285750" algn="just">
-              <a:buFontTx/>
-              <a:buChar char="-"/>
-            </a:pPr>
-            <a:r>
-              <a:rPr lang="ru-RU" sz="1800" dirty="0"/>
-              <a:t>п</a:t>
-            </a:r>
-            <a:r>
-              <a:rPr lang="ru-RU" sz="1800" dirty="0" smtClean="0"/>
-              <a:t>роверить в вычислительных экспериментах разработанные алгоритмы комплексирования;</a:t>
-            </a:r>
-          </a:p>
-          <a:p>
-            <a:pPr marL="285750" indent="-285750" algn="just">
-              <a:buFontTx/>
-              <a:buChar char="-"/>
-            </a:pPr>
-            <a:endParaRPr lang="ru-RU" sz="1800" dirty="0" smtClean="0"/>
-          </a:p>
-          <a:p>
-            <a:pPr marL="285750" indent="-285750" algn="just">
-              <a:buFontTx/>
-              <a:buChar char="-"/>
-            </a:pPr>
-            <a:r>
-              <a:rPr lang="ru-RU" sz="1800" dirty="0"/>
-              <a:t>п</a:t>
-            </a:r>
-            <a:r>
-              <a:rPr lang="ru-RU" sz="1800" dirty="0" smtClean="0"/>
-              <a:t>роверить в вычислительных экспериментах разработанные алгоритмы навигации мобильного робота с учетом сложных климатических условий;</a:t>
-            </a:r>
-          </a:p>
-          <a:p>
-            <a:pPr marL="285750" indent="-285750" algn="just">
-              <a:buFontTx/>
-              <a:buChar char="-"/>
-            </a:pPr>
-            <a:endParaRPr lang="ru-RU" sz="1800" dirty="0" smtClean="0"/>
-          </a:p>
-          <a:p>
-            <a:pPr marL="285750" indent="-285750" algn="just">
-              <a:buFontTx/>
-              <a:buChar char="-"/>
-            </a:pPr>
-            <a:r>
-              <a:rPr lang="ru-RU" sz="1800" dirty="0"/>
-              <a:t>р</a:t>
-            </a:r>
-            <a:r>
-              <a:rPr lang="ru-RU" sz="1800" dirty="0" smtClean="0"/>
-              <a:t>азработать алгоритмы учета влияния климатических условий на работоспособность датчиков робота.</a:t>
-            </a:r>
-            <a:endParaRPr lang="ru-RU" sz="1800" dirty="0"/>
+              <a:rPr lang="ru-RU" sz="1600" dirty="0"/>
+              <a:t>полярная </a:t>
+            </a:r>
+            <a:r>
+              <a:rPr lang="ru-RU" sz="1600" dirty="0" smtClean="0"/>
+              <a:t>ночь</a:t>
+            </a:r>
+            <a:endParaRPr lang="ru-RU" sz="1600" dirty="0"/>
+          </a:p>
+          <a:p>
+            <a:endParaRPr lang="en-US" dirty="0"/>
           </a:p>
         </p:txBody>
       </p:sp>
     </p:spTree>
     <p:extLst>
       <p:ext uri="{BB962C8B-B14F-4D97-AF65-F5344CB8AC3E}">
-        <p14:creationId xmlns:p14="http://schemas.microsoft.com/office/powerpoint/2010/main" val="1430426045"/>
+        <p14:creationId xmlns:p14="http://schemas.microsoft.com/office/powerpoint/2010/main" val="2536239404"/>
       </p:ext>
     </p:extLst>
   </p:cSld>
   <p:clrMapOvr>
     <a:masterClrMapping/>
   </p:clrMapOvr>
-  <mc:AlternateContent xmlns:mc="http://schemas.openxmlformats.org/markup-compatibility/2006" xmlns:p14="http://schemas.microsoft.com/office/powerpoint/2010/main">
-    <mc:Choice Requires="p14">
-      <p:transition p14:dur="0"/>
+  <mc:AlternateContent xmlns:mc="http://schemas.openxmlformats.org/markup-compatibility/2006">
+    <mc:Choice xmlns:p14="http://schemas.microsoft.com/office/powerpoint/2010/main" Requires="p14">
+      <p:transition p14:dur="10"/>
     </mc:Choice>
-    <mc:Fallback xmlns="">
+    <mc:Fallback>
       <p:transition/>
     </mc:Fallback>
   </mc:AlternateContent>
@@ -4699,1735 +6345,22 @@
             <a:pPr algn="ctr"/>
             <a:r>
               <a:rPr lang="ru-RU" dirty="0" smtClean="0"/>
-              <a:t>Сложные климатические условия</a:t>
+              <a:t>Преимущества группового управления</a:t>
             </a:r>
             <a:endParaRPr lang="ru-RU" dirty="0"/>
           </a:p>
         </p:txBody>
       </p:sp>
-      <p:graphicFrame>
-        <p:nvGraphicFramePr>
-          <p:cNvPr id="9" name="Таблица 8"/>
-          <p:cNvGraphicFramePr>
-            <a:graphicFrameLocks noGrp="1"/>
-          </p:cNvGraphicFramePr>
-          <p:nvPr>
-            <p:extLst>
-              <p:ext uri="{D42A27DB-BD31-4B8C-83A1-F6EECF244321}">
-                <p14:modId xmlns:p14="http://schemas.microsoft.com/office/powerpoint/2010/main" val="3533023341"/>
-              </p:ext>
-            </p:extLst>
-          </p:nvPr>
-        </p:nvGraphicFramePr>
-        <p:xfrm>
-          <a:off x="152401" y="902844"/>
-          <a:ext cx="6083805" cy="6240780"/>
-        </p:xfrm>
-        <a:graphic>
-          <a:graphicData uri="http://schemas.openxmlformats.org/drawingml/2006/table">
-            <a:tbl>
-              <a:tblPr firstRow="1" firstCol="1" bandRow="1">
-                <a:tableStyleId>{5C22544A-7EE6-4342-B048-85BDC9FD1C3A}</a:tableStyleId>
-              </a:tblPr>
-              <a:tblGrid>
-                <a:gridCol w="3037496"/>
-                <a:gridCol w="1477619"/>
-                <a:gridCol w="1568690"/>
-              </a:tblGrid>
-              <a:tr h="283579">
-                <a:tc>
-                  <a:txBody>
-                    <a:bodyPr/>
-                    <a:lstStyle/>
-                    <a:p>
-                      <a:pPr marL="0" marR="0" indent="0" algn="just">
-                        <a:lnSpc>
-                          <a:spcPct val="150000"/>
-                        </a:lnSpc>
-                        <a:spcBef>
-                          <a:spcPts val="0"/>
-                        </a:spcBef>
-                        <a:spcAft>
-                          <a:spcPts val="0"/>
-                        </a:spcAft>
-                      </a:pPr>
-                      <a:r>
-                        <a:rPr lang="ru-RU" sz="1300" dirty="0">
-                          <a:effectLst/>
-                        </a:rPr>
-                        <a:t>Датчик</a:t>
-                      </a:r>
-                      <a:endParaRPr lang="en-US" sz="1300" dirty="0">
-                        <a:effectLst/>
-                        <a:latin typeface="Times New Roman"/>
-                        <a:ea typeface="Times New Roman"/>
-                      </a:endParaRPr>
-                    </a:p>
-                  </a:txBody>
-                  <a:tcPr marL="30308" marR="30308" marT="0" marB="0"/>
-                </a:tc>
-                <a:tc>
-                  <a:txBody>
-                    <a:bodyPr/>
-                    <a:lstStyle/>
-                    <a:p>
-                      <a:pPr marL="0" marR="0" indent="0" algn="just">
-                        <a:lnSpc>
-                          <a:spcPct val="150000"/>
-                        </a:lnSpc>
-                        <a:spcBef>
-                          <a:spcPts val="0"/>
-                        </a:spcBef>
-                        <a:spcAft>
-                          <a:spcPts val="0"/>
-                        </a:spcAft>
-                      </a:pPr>
-                      <a:r>
-                        <a:rPr lang="ru-RU" sz="1300" dirty="0">
-                          <a:effectLst/>
-                        </a:rPr>
-                        <a:t>Погодные условия</a:t>
-                      </a:r>
-                      <a:endParaRPr lang="en-US" sz="1300" dirty="0">
-                        <a:effectLst/>
-                        <a:latin typeface="Times New Roman"/>
-                        <a:ea typeface="Times New Roman"/>
-                      </a:endParaRPr>
-                    </a:p>
-                  </a:txBody>
-                  <a:tcPr marL="30308" marR="30308" marT="0" marB="0"/>
-                </a:tc>
-                <a:tc>
-                  <a:txBody>
-                    <a:bodyPr/>
-                    <a:lstStyle/>
-                    <a:p>
-                      <a:pPr marL="0" marR="0" indent="0" algn="just">
-                        <a:lnSpc>
-                          <a:spcPct val="150000"/>
-                        </a:lnSpc>
-                        <a:spcBef>
-                          <a:spcPts val="0"/>
-                        </a:spcBef>
-                        <a:spcAft>
-                          <a:spcPts val="0"/>
-                        </a:spcAft>
-                      </a:pPr>
-                      <a:r>
-                        <a:rPr lang="ru-RU" sz="1300">
-                          <a:effectLst/>
-                        </a:rPr>
-                        <a:t>Применимость</a:t>
-                      </a:r>
-                      <a:endParaRPr lang="en-US" sz="1300">
-                        <a:effectLst/>
-                        <a:latin typeface="Times New Roman"/>
-                        <a:ea typeface="Times New Roman"/>
-                      </a:endParaRPr>
-                    </a:p>
-                  </a:txBody>
-                  <a:tcPr marL="30308" marR="30308" marT="0" marB="0"/>
-                </a:tc>
-              </a:tr>
-              <a:tr h="283579">
-                <a:tc rowSpan="4">
-                  <a:txBody>
-                    <a:bodyPr/>
-                    <a:lstStyle/>
-                    <a:p>
-                      <a:pPr marL="0" marR="0" indent="0" algn="just">
-                        <a:lnSpc>
-                          <a:spcPct val="150000"/>
-                        </a:lnSpc>
-                        <a:spcBef>
-                          <a:spcPts val="0"/>
-                        </a:spcBef>
-                        <a:spcAft>
-                          <a:spcPts val="0"/>
-                        </a:spcAft>
-                      </a:pPr>
-                      <a:r>
-                        <a:rPr lang="ru-RU" sz="1300" dirty="0">
-                          <a:effectLst/>
-                        </a:rPr>
-                        <a:t>Видеокамеры</a:t>
-                      </a:r>
-                      <a:endParaRPr lang="en-US" sz="1300" dirty="0">
-                        <a:effectLst/>
-                        <a:latin typeface="Times New Roman"/>
-                        <a:ea typeface="Times New Roman"/>
-                      </a:endParaRPr>
-                    </a:p>
-                  </a:txBody>
-                  <a:tcPr marL="30308" marR="30308" marT="0" marB="0"/>
-                </a:tc>
-                <a:tc>
-                  <a:txBody>
-                    <a:bodyPr/>
-                    <a:lstStyle/>
-                    <a:p>
-                      <a:pPr marL="0" marR="0" indent="0" algn="just">
-                        <a:lnSpc>
-                          <a:spcPct val="150000"/>
-                        </a:lnSpc>
-                        <a:spcBef>
-                          <a:spcPts val="0"/>
-                        </a:spcBef>
-                        <a:spcAft>
-                          <a:spcPts val="0"/>
-                        </a:spcAft>
-                      </a:pPr>
-                      <a:r>
-                        <a:rPr lang="ru-RU" sz="1300">
-                          <a:effectLst/>
-                        </a:rPr>
-                        <a:t>Полярная ночь</a:t>
-                      </a:r>
-                      <a:endParaRPr lang="en-US" sz="1300">
-                        <a:effectLst/>
-                        <a:latin typeface="Times New Roman"/>
-                        <a:ea typeface="Times New Roman"/>
-                      </a:endParaRPr>
-                    </a:p>
-                  </a:txBody>
-                  <a:tcPr marL="30308" marR="30308" marT="0" marB="0"/>
-                </a:tc>
-                <a:tc>
-                  <a:txBody>
-                    <a:bodyPr/>
-                    <a:lstStyle/>
-                    <a:p>
-                      <a:pPr marL="0" marR="0" indent="0" algn="ctr">
-                        <a:lnSpc>
-                          <a:spcPct val="150000"/>
-                        </a:lnSpc>
-                        <a:spcBef>
-                          <a:spcPts val="0"/>
-                        </a:spcBef>
-                        <a:spcAft>
-                          <a:spcPts val="0"/>
-                        </a:spcAft>
-                      </a:pPr>
-                      <a:r>
-                        <a:rPr lang="ru-RU" sz="1300">
-                          <a:effectLst/>
-                        </a:rPr>
-                        <a:t>-</a:t>
-                      </a:r>
-                      <a:endParaRPr lang="en-US" sz="1300">
-                        <a:effectLst/>
-                        <a:latin typeface="Times New Roman"/>
-                        <a:ea typeface="Times New Roman"/>
-                      </a:endParaRPr>
-                    </a:p>
-                  </a:txBody>
-                  <a:tcPr marL="30308" marR="30308" marT="0" marB="0"/>
-                </a:tc>
-              </a:tr>
-              <a:tr h="283579">
-                <a:tc vMerge="1">
-                  <a:txBody>
-                    <a:bodyPr/>
-                    <a:lstStyle/>
-                    <a:p>
-                      <a:endParaRPr lang="en-US"/>
-                    </a:p>
-                  </a:txBody>
-                  <a:tcPr/>
-                </a:tc>
-                <a:tc>
-                  <a:txBody>
-                    <a:bodyPr/>
-                    <a:lstStyle/>
-                    <a:p>
-                      <a:pPr marL="0" marR="0" indent="0" algn="just">
-                        <a:lnSpc>
-                          <a:spcPct val="150000"/>
-                        </a:lnSpc>
-                        <a:spcBef>
-                          <a:spcPts val="0"/>
-                        </a:spcBef>
-                        <a:spcAft>
-                          <a:spcPts val="0"/>
-                        </a:spcAft>
-                      </a:pPr>
-                      <a:r>
-                        <a:rPr lang="ru-RU" sz="1300">
-                          <a:effectLst/>
-                        </a:rPr>
-                        <a:t>Метель</a:t>
-                      </a:r>
-                      <a:endParaRPr lang="en-US" sz="1300">
-                        <a:effectLst/>
-                        <a:latin typeface="Times New Roman"/>
-                        <a:ea typeface="Times New Roman"/>
-                      </a:endParaRPr>
-                    </a:p>
-                  </a:txBody>
-                  <a:tcPr marL="30308" marR="30308" marT="0" marB="0"/>
-                </a:tc>
-                <a:tc>
-                  <a:txBody>
-                    <a:bodyPr/>
-                    <a:lstStyle/>
-                    <a:p>
-                      <a:pPr marL="0" marR="0" indent="0" algn="ctr">
-                        <a:lnSpc>
-                          <a:spcPct val="150000"/>
-                        </a:lnSpc>
-                        <a:spcBef>
-                          <a:spcPts val="0"/>
-                        </a:spcBef>
-                        <a:spcAft>
-                          <a:spcPts val="0"/>
-                        </a:spcAft>
-                      </a:pPr>
-                      <a:r>
-                        <a:rPr lang="ru-RU" sz="1300">
-                          <a:effectLst/>
-                        </a:rPr>
-                        <a:t>-</a:t>
-                      </a:r>
-                      <a:endParaRPr lang="en-US" sz="1300">
-                        <a:effectLst/>
-                        <a:latin typeface="Times New Roman"/>
-                        <a:ea typeface="Times New Roman"/>
-                      </a:endParaRPr>
-                    </a:p>
-                  </a:txBody>
-                  <a:tcPr marL="30308" marR="30308" marT="0" marB="0"/>
-                </a:tc>
-              </a:tr>
-              <a:tr h="283579">
-                <a:tc vMerge="1">
-                  <a:txBody>
-                    <a:bodyPr/>
-                    <a:lstStyle/>
-                    <a:p>
-                      <a:endParaRPr lang="en-US"/>
-                    </a:p>
-                  </a:txBody>
-                  <a:tcPr/>
-                </a:tc>
-                <a:tc>
-                  <a:txBody>
-                    <a:bodyPr/>
-                    <a:lstStyle/>
-                    <a:p>
-                      <a:pPr marL="0" marR="0" indent="0" algn="just">
-                        <a:lnSpc>
-                          <a:spcPct val="150000"/>
-                        </a:lnSpc>
-                        <a:spcBef>
-                          <a:spcPts val="0"/>
-                        </a:spcBef>
-                        <a:spcAft>
-                          <a:spcPts val="0"/>
-                        </a:spcAft>
-                      </a:pPr>
-                      <a:r>
-                        <a:rPr lang="ru-RU" sz="1300">
-                          <a:effectLst/>
-                        </a:rPr>
-                        <a:t>Сильный ветер</a:t>
-                      </a:r>
-                      <a:endParaRPr lang="en-US" sz="1300">
-                        <a:effectLst/>
-                        <a:latin typeface="Times New Roman"/>
-                        <a:ea typeface="Times New Roman"/>
-                      </a:endParaRPr>
-                    </a:p>
-                  </a:txBody>
-                  <a:tcPr marL="30308" marR="30308" marT="0" marB="0"/>
-                </a:tc>
-                <a:tc>
-                  <a:txBody>
-                    <a:bodyPr/>
-                    <a:lstStyle/>
-                    <a:p>
-                      <a:pPr marL="0" marR="0" indent="0" algn="ctr">
-                        <a:lnSpc>
-                          <a:spcPct val="150000"/>
-                        </a:lnSpc>
-                        <a:spcBef>
-                          <a:spcPts val="0"/>
-                        </a:spcBef>
-                        <a:spcAft>
-                          <a:spcPts val="0"/>
-                        </a:spcAft>
-                      </a:pPr>
-                      <a:r>
-                        <a:rPr lang="ru-RU" sz="1300">
-                          <a:effectLst/>
-                        </a:rPr>
-                        <a:t>+</a:t>
-                      </a:r>
-                      <a:endParaRPr lang="en-US" sz="1300">
-                        <a:effectLst/>
-                        <a:latin typeface="Times New Roman"/>
-                        <a:ea typeface="Times New Roman"/>
-                      </a:endParaRPr>
-                    </a:p>
-                  </a:txBody>
-                  <a:tcPr marL="30308" marR="30308" marT="0" marB="0"/>
-                </a:tc>
-              </a:tr>
-              <a:tr h="283579">
-                <a:tc vMerge="1">
-                  <a:txBody>
-                    <a:bodyPr/>
-                    <a:lstStyle/>
-                    <a:p>
-                      <a:endParaRPr lang="en-US"/>
-                    </a:p>
-                  </a:txBody>
-                  <a:tcPr/>
-                </a:tc>
-                <a:tc>
-                  <a:txBody>
-                    <a:bodyPr/>
-                    <a:lstStyle/>
-                    <a:p>
-                      <a:pPr marL="0" marR="0" indent="0" algn="just">
-                        <a:lnSpc>
-                          <a:spcPct val="150000"/>
-                        </a:lnSpc>
-                        <a:spcBef>
-                          <a:spcPts val="0"/>
-                        </a:spcBef>
-                        <a:spcAft>
-                          <a:spcPts val="0"/>
-                        </a:spcAft>
-                      </a:pPr>
-                      <a:r>
-                        <a:rPr lang="ru-RU" sz="1300">
-                          <a:effectLst/>
-                        </a:rPr>
-                        <a:t>Качка</a:t>
-                      </a:r>
-                      <a:endParaRPr lang="en-US" sz="1300">
-                        <a:effectLst/>
-                        <a:latin typeface="Times New Roman"/>
-                        <a:ea typeface="Times New Roman"/>
-                      </a:endParaRPr>
-                    </a:p>
-                  </a:txBody>
-                  <a:tcPr marL="30308" marR="30308" marT="0" marB="0"/>
-                </a:tc>
-                <a:tc>
-                  <a:txBody>
-                    <a:bodyPr/>
-                    <a:lstStyle/>
-                    <a:p>
-                      <a:pPr marL="0" marR="0" indent="0" algn="ctr">
-                        <a:lnSpc>
-                          <a:spcPct val="150000"/>
-                        </a:lnSpc>
-                        <a:spcBef>
-                          <a:spcPts val="0"/>
-                        </a:spcBef>
-                        <a:spcAft>
-                          <a:spcPts val="0"/>
-                        </a:spcAft>
-                      </a:pPr>
-                      <a:r>
-                        <a:rPr lang="ru-RU" sz="1300">
-                          <a:effectLst/>
-                        </a:rPr>
-                        <a:t>+</a:t>
-                      </a:r>
-                      <a:endParaRPr lang="en-US" sz="1300">
-                        <a:effectLst/>
-                        <a:latin typeface="Times New Roman"/>
-                        <a:ea typeface="Times New Roman"/>
-                      </a:endParaRPr>
-                    </a:p>
-                  </a:txBody>
-                  <a:tcPr marL="30308" marR="30308" marT="0" marB="0"/>
-                </a:tc>
-              </a:tr>
-              <a:tr h="283579">
-                <a:tc rowSpan="4">
-                  <a:txBody>
-                    <a:bodyPr/>
-                    <a:lstStyle/>
-                    <a:p>
-                      <a:pPr marL="0" marR="0" indent="0" algn="just">
-                        <a:lnSpc>
-                          <a:spcPct val="150000"/>
-                        </a:lnSpc>
-                        <a:spcBef>
-                          <a:spcPts val="0"/>
-                        </a:spcBef>
-                        <a:spcAft>
-                          <a:spcPts val="0"/>
-                        </a:spcAft>
-                      </a:pPr>
-                      <a:r>
-                        <a:rPr lang="ru-RU" sz="1300" dirty="0">
-                          <a:effectLst/>
-                        </a:rPr>
-                        <a:t>Ультразвуковой дальномер </a:t>
-                      </a:r>
-                      <a:endParaRPr lang="en-US" sz="1300" dirty="0">
-                        <a:effectLst/>
-                        <a:latin typeface="Times New Roman"/>
-                        <a:ea typeface="Times New Roman"/>
-                      </a:endParaRPr>
-                    </a:p>
-                  </a:txBody>
-                  <a:tcPr marL="30308" marR="30308" marT="0" marB="0"/>
-                </a:tc>
-                <a:tc>
-                  <a:txBody>
-                    <a:bodyPr/>
-                    <a:lstStyle/>
-                    <a:p>
-                      <a:pPr marL="0" marR="0" indent="0" algn="just">
-                        <a:lnSpc>
-                          <a:spcPct val="150000"/>
-                        </a:lnSpc>
-                        <a:spcBef>
-                          <a:spcPts val="0"/>
-                        </a:spcBef>
-                        <a:spcAft>
-                          <a:spcPts val="0"/>
-                        </a:spcAft>
-                      </a:pPr>
-                      <a:r>
-                        <a:rPr lang="ru-RU" sz="1300">
-                          <a:effectLst/>
-                        </a:rPr>
-                        <a:t>Полярная ночь</a:t>
-                      </a:r>
-                      <a:endParaRPr lang="en-US" sz="1300">
-                        <a:effectLst/>
-                        <a:latin typeface="Times New Roman"/>
-                        <a:ea typeface="Times New Roman"/>
-                      </a:endParaRPr>
-                    </a:p>
-                  </a:txBody>
-                  <a:tcPr marL="30308" marR="30308" marT="0" marB="0"/>
-                </a:tc>
-                <a:tc>
-                  <a:txBody>
-                    <a:bodyPr/>
-                    <a:lstStyle/>
-                    <a:p>
-                      <a:pPr marL="0" marR="0" indent="0" algn="ctr">
-                        <a:lnSpc>
-                          <a:spcPct val="150000"/>
-                        </a:lnSpc>
-                        <a:spcBef>
-                          <a:spcPts val="0"/>
-                        </a:spcBef>
-                        <a:spcAft>
-                          <a:spcPts val="0"/>
-                        </a:spcAft>
-                      </a:pPr>
-                      <a:r>
-                        <a:rPr lang="ru-RU" sz="1300">
-                          <a:effectLst/>
-                        </a:rPr>
-                        <a:t>+</a:t>
-                      </a:r>
-                      <a:endParaRPr lang="en-US" sz="1300">
-                        <a:effectLst/>
-                        <a:latin typeface="Times New Roman"/>
-                        <a:ea typeface="Times New Roman"/>
-                      </a:endParaRPr>
-                    </a:p>
-                  </a:txBody>
-                  <a:tcPr marL="30308" marR="30308" marT="0" marB="0"/>
-                </a:tc>
-              </a:tr>
-              <a:tr h="283579">
-                <a:tc vMerge="1">
-                  <a:txBody>
-                    <a:bodyPr/>
-                    <a:lstStyle/>
-                    <a:p>
-                      <a:endParaRPr lang="en-US"/>
-                    </a:p>
-                  </a:txBody>
-                  <a:tcPr/>
-                </a:tc>
-                <a:tc>
-                  <a:txBody>
-                    <a:bodyPr/>
-                    <a:lstStyle/>
-                    <a:p>
-                      <a:pPr marL="0" marR="0" indent="0" algn="just">
-                        <a:lnSpc>
-                          <a:spcPct val="150000"/>
-                        </a:lnSpc>
-                        <a:spcBef>
-                          <a:spcPts val="0"/>
-                        </a:spcBef>
-                        <a:spcAft>
-                          <a:spcPts val="0"/>
-                        </a:spcAft>
-                      </a:pPr>
-                      <a:r>
-                        <a:rPr lang="ru-RU" sz="1300" dirty="0">
-                          <a:effectLst/>
-                        </a:rPr>
-                        <a:t>Метель</a:t>
-                      </a:r>
-                      <a:endParaRPr lang="en-US" sz="1300" dirty="0">
-                        <a:effectLst/>
-                        <a:latin typeface="Times New Roman"/>
-                        <a:ea typeface="Times New Roman"/>
-                      </a:endParaRPr>
-                    </a:p>
-                  </a:txBody>
-                  <a:tcPr marL="30308" marR="30308" marT="0" marB="0"/>
-                </a:tc>
-                <a:tc>
-                  <a:txBody>
-                    <a:bodyPr/>
-                    <a:lstStyle/>
-                    <a:p>
-                      <a:pPr marL="0" marR="0" indent="0" algn="ctr">
-                        <a:lnSpc>
-                          <a:spcPct val="150000"/>
-                        </a:lnSpc>
-                        <a:spcBef>
-                          <a:spcPts val="0"/>
-                        </a:spcBef>
-                        <a:spcAft>
-                          <a:spcPts val="0"/>
-                        </a:spcAft>
-                      </a:pPr>
-                      <a:r>
-                        <a:rPr lang="ru-RU" sz="1300">
-                          <a:effectLst/>
-                        </a:rPr>
-                        <a:t>-</a:t>
-                      </a:r>
-                      <a:endParaRPr lang="en-US" sz="1300">
-                        <a:effectLst/>
-                        <a:latin typeface="Times New Roman"/>
-                        <a:ea typeface="Times New Roman"/>
-                      </a:endParaRPr>
-                    </a:p>
-                  </a:txBody>
-                  <a:tcPr marL="30308" marR="30308" marT="0" marB="0"/>
-                </a:tc>
-              </a:tr>
-              <a:tr h="283579">
-                <a:tc vMerge="1">
-                  <a:txBody>
-                    <a:bodyPr/>
-                    <a:lstStyle/>
-                    <a:p>
-                      <a:endParaRPr lang="en-US"/>
-                    </a:p>
-                  </a:txBody>
-                  <a:tcPr/>
-                </a:tc>
-                <a:tc>
-                  <a:txBody>
-                    <a:bodyPr/>
-                    <a:lstStyle/>
-                    <a:p>
-                      <a:pPr marL="0" marR="0" indent="0" algn="just">
-                        <a:lnSpc>
-                          <a:spcPct val="150000"/>
-                        </a:lnSpc>
-                        <a:spcBef>
-                          <a:spcPts val="0"/>
-                        </a:spcBef>
-                        <a:spcAft>
-                          <a:spcPts val="0"/>
-                        </a:spcAft>
-                      </a:pPr>
-                      <a:r>
-                        <a:rPr lang="ru-RU" sz="1300">
-                          <a:effectLst/>
-                        </a:rPr>
-                        <a:t>Сильный ветер</a:t>
-                      </a:r>
-                      <a:endParaRPr lang="en-US" sz="1300">
-                        <a:effectLst/>
-                        <a:latin typeface="Times New Roman"/>
-                        <a:ea typeface="Times New Roman"/>
-                      </a:endParaRPr>
-                    </a:p>
-                  </a:txBody>
-                  <a:tcPr marL="30308" marR="30308" marT="0" marB="0"/>
-                </a:tc>
-                <a:tc>
-                  <a:txBody>
-                    <a:bodyPr/>
-                    <a:lstStyle/>
-                    <a:p>
-                      <a:pPr marL="0" marR="0" indent="0" algn="ctr">
-                        <a:lnSpc>
-                          <a:spcPct val="150000"/>
-                        </a:lnSpc>
-                        <a:spcBef>
-                          <a:spcPts val="0"/>
-                        </a:spcBef>
-                        <a:spcAft>
-                          <a:spcPts val="0"/>
-                        </a:spcAft>
-                      </a:pPr>
-                      <a:r>
-                        <a:rPr lang="ru-RU" sz="1300">
-                          <a:effectLst/>
-                        </a:rPr>
-                        <a:t>-</a:t>
-                      </a:r>
-                      <a:endParaRPr lang="en-US" sz="1300">
-                        <a:effectLst/>
-                        <a:latin typeface="Times New Roman"/>
-                        <a:ea typeface="Times New Roman"/>
-                      </a:endParaRPr>
-                    </a:p>
-                  </a:txBody>
-                  <a:tcPr marL="30308" marR="30308" marT="0" marB="0"/>
-                </a:tc>
-              </a:tr>
-              <a:tr h="283579">
-                <a:tc vMerge="1">
-                  <a:txBody>
-                    <a:bodyPr/>
-                    <a:lstStyle/>
-                    <a:p>
-                      <a:endParaRPr lang="en-US"/>
-                    </a:p>
-                  </a:txBody>
-                  <a:tcPr/>
-                </a:tc>
-                <a:tc>
-                  <a:txBody>
-                    <a:bodyPr/>
-                    <a:lstStyle/>
-                    <a:p>
-                      <a:pPr marL="0" marR="0" indent="0" algn="just">
-                        <a:lnSpc>
-                          <a:spcPct val="150000"/>
-                        </a:lnSpc>
-                        <a:spcBef>
-                          <a:spcPts val="0"/>
-                        </a:spcBef>
-                        <a:spcAft>
-                          <a:spcPts val="0"/>
-                        </a:spcAft>
-                      </a:pPr>
-                      <a:r>
-                        <a:rPr lang="ru-RU" sz="1300">
-                          <a:effectLst/>
-                        </a:rPr>
-                        <a:t>Качка</a:t>
-                      </a:r>
-                      <a:endParaRPr lang="en-US" sz="1300">
-                        <a:effectLst/>
-                        <a:latin typeface="Times New Roman"/>
-                        <a:ea typeface="Times New Roman"/>
-                      </a:endParaRPr>
-                    </a:p>
-                  </a:txBody>
-                  <a:tcPr marL="30308" marR="30308" marT="0" marB="0"/>
-                </a:tc>
-                <a:tc>
-                  <a:txBody>
-                    <a:bodyPr/>
-                    <a:lstStyle/>
-                    <a:p>
-                      <a:pPr marL="0" marR="0" indent="0" algn="ctr">
-                        <a:lnSpc>
-                          <a:spcPct val="150000"/>
-                        </a:lnSpc>
-                        <a:spcBef>
-                          <a:spcPts val="0"/>
-                        </a:spcBef>
-                        <a:spcAft>
-                          <a:spcPts val="0"/>
-                        </a:spcAft>
-                      </a:pPr>
-                      <a:r>
-                        <a:rPr lang="ru-RU" sz="1300">
-                          <a:effectLst/>
-                        </a:rPr>
-                        <a:t>+</a:t>
-                      </a:r>
-                      <a:endParaRPr lang="en-US" sz="1300">
-                        <a:effectLst/>
-                        <a:latin typeface="Times New Roman"/>
-                        <a:ea typeface="Times New Roman"/>
-                      </a:endParaRPr>
-                    </a:p>
-                  </a:txBody>
-                  <a:tcPr marL="30308" marR="30308" marT="0" marB="0"/>
-                </a:tc>
-              </a:tr>
-              <a:tr h="283579">
-                <a:tc rowSpan="4">
-                  <a:txBody>
-                    <a:bodyPr/>
-                    <a:lstStyle/>
-                    <a:p>
-                      <a:pPr marL="0" marR="0" indent="0" algn="just">
-                        <a:lnSpc>
-                          <a:spcPct val="150000"/>
-                        </a:lnSpc>
-                        <a:spcBef>
-                          <a:spcPts val="0"/>
-                        </a:spcBef>
-                        <a:spcAft>
-                          <a:spcPts val="0"/>
-                        </a:spcAft>
-                      </a:pPr>
-                      <a:r>
-                        <a:rPr lang="ru-RU" sz="1300">
-                          <a:effectLst/>
-                        </a:rPr>
-                        <a:t>Лазерный дальномер</a:t>
-                      </a:r>
-                      <a:endParaRPr lang="en-US" sz="1300">
-                        <a:effectLst/>
-                        <a:latin typeface="Times New Roman"/>
-                        <a:ea typeface="Times New Roman"/>
-                      </a:endParaRPr>
-                    </a:p>
-                  </a:txBody>
-                  <a:tcPr marL="30308" marR="30308" marT="0" marB="0"/>
-                </a:tc>
-                <a:tc>
-                  <a:txBody>
-                    <a:bodyPr/>
-                    <a:lstStyle/>
-                    <a:p>
-                      <a:pPr marL="0" marR="0" indent="0" algn="just">
-                        <a:lnSpc>
-                          <a:spcPct val="150000"/>
-                        </a:lnSpc>
-                        <a:spcBef>
-                          <a:spcPts val="0"/>
-                        </a:spcBef>
-                        <a:spcAft>
-                          <a:spcPts val="0"/>
-                        </a:spcAft>
-                      </a:pPr>
-                      <a:r>
-                        <a:rPr lang="ru-RU" sz="1300">
-                          <a:effectLst/>
-                        </a:rPr>
-                        <a:t>Полярная ночь</a:t>
-                      </a:r>
-                      <a:endParaRPr lang="en-US" sz="1300">
-                        <a:effectLst/>
-                        <a:latin typeface="Times New Roman"/>
-                        <a:ea typeface="Times New Roman"/>
-                      </a:endParaRPr>
-                    </a:p>
-                  </a:txBody>
-                  <a:tcPr marL="30308" marR="30308" marT="0" marB="0"/>
-                </a:tc>
-                <a:tc>
-                  <a:txBody>
-                    <a:bodyPr/>
-                    <a:lstStyle/>
-                    <a:p>
-                      <a:pPr marL="0" marR="0" indent="0" algn="ctr">
-                        <a:lnSpc>
-                          <a:spcPct val="150000"/>
-                        </a:lnSpc>
-                        <a:spcBef>
-                          <a:spcPts val="0"/>
-                        </a:spcBef>
-                        <a:spcAft>
-                          <a:spcPts val="0"/>
-                        </a:spcAft>
-                      </a:pPr>
-                      <a:r>
-                        <a:rPr lang="ru-RU" sz="1300">
-                          <a:effectLst/>
-                        </a:rPr>
-                        <a:t>+</a:t>
-                      </a:r>
-                      <a:endParaRPr lang="en-US" sz="1300">
-                        <a:effectLst/>
-                        <a:latin typeface="Times New Roman"/>
-                        <a:ea typeface="Times New Roman"/>
-                      </a:endParaRPr>
-                    </a:p>
-                  </a:txBody>
-                  <a:tcPr marL="30308" marR="30308" marT="0" marB="0"/>
-                </a:tc>
-              </a:tr>
-              <a:tr h="283579">
-                <a:tc vMerge="1">
-                  <a:txBody>
-                    <a:bodyPr/>
-                    <a:lstStyle/>
-                    <a:p>
-                      <a:endParaRPr lang="en-US"/>
-                    </a:p>
-                  </a:txBody>
-                  <a:tcPr/>
-                </a:tc>
-                <a:tc>
-                  <a:txBody>
-                    <a:bodyPr/>
-                    <a:lstStyle/>
-                    <a:p>
-                      <a:pPr marL="0" marR="0" indent="0" algn="just">
-                        <a:lnSpc>
-                          <a:spcPct val="150000"/>
-                        </a:lnSpc>
-                        <a:spcBef>
-                          <a:spcPts val="0"/>
-                        </a:spcBef>
-                        <a:spcAft>
-                          <a:spcPts val="0"/>
-                        </a:spcAft>
-                      </a:pPr>
-                      <a:r>
-                        <a:rPr lang="ru-RU" sz="1300">
-                          <a:effectLst/>
-                        </a:rPr>
-                        <a:t>Метель</a:t>
-                      </a:r>
-                      <a:endParaRPr lang="en-US" sz="1300">
-                        <a:effectLst/>
-                        <a:latin typeface="Times New Roman"/>
-                        <a:ea typeface="Times New Roman"/>
-                      </a:endParaRPr>
-                    </a:p>
-                  </a:txBody>
-                  <a:tcPr marL="30308" marR="30308" marT="0" marB="0"/>
-                </a:tc>
-                <a:tc>
-                  <a:txBody>
-                    <a:bodyPr/>
-                    <a:lstStyle/>
-                    <a:p>
-                      <a:pPr marL="0" marR="0" indent="0" algn="ctr">
-                        <a:lnSpc>
-                          <a:spcPct val="150000"/>
-                        </a:lnSpc>
-                        <a:spcBef>
-                          <a:spcPts val="0"/>
-                        </a:spcBef>
-                        <a:spcAft>
-                          <a:spcPts val="0"/>
-                        </a:spcAft>
-                      </a:pPr>
-                      <a:r>
-                        <a:rPr lang="ru-RU" sz="1300">
-                          <a:effectLst/>
-                        </a:rPr>
-                        <a:t>-</a:t>
-                      </a:r>
-                      <a:endParaRPr lang="en-US" sz="1300">
-                        <a:effectLst/>
-                        <a:latin typeface="Times New Roman"/>
-                        <a:ea typeface="Times New Roman"/>
-                      </a:endParaRPr>
-                    </a:p>
-                  </a:txBody>
-                  <a:tcPr marL="30308" marR="30308" marT="0" marB="0"/>
-                </a:tc>
-              </a:tr>
-              <a:tr h="283579">
-                <a:tc vMerge="1">
-                  <a:txBody>
-                    <a:bodyPr/>
-                    <a:lstStyle/>
-                    <a:p>
-                      <a:endParaRPr lang="en-US"/>
-                    </a:p>
-                  </a:txBody>
-                  <a:tcPr/>
-                </a:tc>
-                <a:tc>
-                  <a:txBody>
-                    <a:bodyPr/>
-                    <a:lstStyle/>
-                    <a:p>
-                      <a:pPr marL="0" marR="0" indent="0" algn="just">
-                        <a:lnSpc>
-                          <a:spcPct val="150000"/>
-                        </a:lnSpc>
-                        <a:spcBef>
-                          <a:spcPts val="0"/>
-                        </a:spcBef>
-                        <a:spcAft>
-                          <a:spcPts val="0"/>
-                        </a:spcAft>
-                      </a:pPr>
-                      <a:r>
-                        <a:rPr lang="ru-RU" sz="1300">
-                          <a:effectLst/>
-                        </a:rPr>
-                        <a:t>Сильный ветер</a:t>
-                      </a:r>
-                      <a:endParaRPr lang="en-US" sz="1300">
-                        <a:effectLst/>
-                        <a:latin typeface="Times New Roman"/>
-                        <a:ea typeface="Times New Roman"/>
-                      </a:endParaRPr>
-                    </a:p>
-                  </a:txBody>
-                  <a:tcPr marL="30308" marR="30308" marT="0" marB="0"/>
-                </a:tc>
-                <a:tc>
-                  <a:txBody>
-                    <a:bodyPr/>
-                    <a:lstStyle/>
-                    <a:p>
-                      <a:pPr marL="0" marR="0" indent="0" algn="ctr">
-                        <a:lnSpc>
-                          <a:spcPct val="150000"/>
-                        </a:lnSpc>
-                        <a:spcBef>
-                          <a:spcPts val="0"/>
-                        </a:spcBef>
-                        <a:spcAft>
-                          <a:spcPts val="0"/>
-                        </a:spcAft>
-                      </a:pPr>
-                      <a:r>
-                        <a:rPr lang="ru-RU" sz="1300">
-                          <a:effectLst/>
-                        </a:rPr>
-                        <a:t>+</a:t>
-                      </a:r>
-                      <a:endParaRPr lang="en-US" sz="1300">
-                        <a:effectLst/>
-                        <a:latin typeface="Times New Roman"/>
-                        <a:ea typeface="Times New Roman"/>
-                      </a:endParaRPr>
-                    </a:p>
-                  </a:txBody>
-                  <a:tcPr marL="30308" marR="30308" marT="0" marB="0"/>
-                </a:tc>
-              </a:tr>
-              <a:tr h="283579">
-                <a:tc vMerge="1">
-                  <a:txBody>
-                    <a:bodyPr/>
-                    <a:lstStyle/>
-                    <a:p>
-                      <a:endParaRPr lang="en-US"/>
-                    </a:p>
-                  </a:txBody>
-                  <a:tcPr/>
-                </a:tc>
-                <a:tc>
-                  <a:txBody>
-                    <a:bodyPr/>
-                    <a:lstStyle/>
-                    <a:p>
-                      <a:pPr marL="0" marR="0" indent="0" algn="just">
-                        <a:lnSpc>
-                          <a:spcPct val="150000"/>
-                        </a:lnSpc>
-                        <a:spcBef>
-                          <a:spcPts val="0"/>
-                        </a:spcBef>
-                        <a:spcAft>
-                          <a:spcPts val="0"/>
-                        </a:spcAft>
-                      </a:pPr>
-                      <a:r>
-                        <a:rPr lang="ru-RU" sz="1300" dirty="0">
-                          <a:effectLst/>
-                        </a:rPr>
-                        <a:t>Качка</a:t>
-                      </a:r>
-                      <a:endParaRPr lang="en-US" sz="1300" dirty="0">
-                        <a:effectLst/>
-                        <a:latin typeface="Times New Roman"/>
-                        <a:ea typeface="Times New Roman"/>
-                      </a:endParaRPr>
-                    </a:p>
-                  </a:txBody>
-                  <a:tcPr marL="30308" marR="30308" marT="0" marB="0"/>
-                </a:tc>
-                <a:tc>
-                  <a:txBody>
-                    <a:bodyPr/>
-                    <a:lstStyle/>
-                    <a:p>
-                      <a:pPr marL="0" marR="0" indent="0" algn="ctr">
-                        <a:lnSpc>
-                          <a:spcPct val="150000"/>
-                        </a:lnSpc>
-                        <a:spcBef>
-                          <a:spcPts val="0"/>
-                        </a:spcBef>
-                        <a:spcAft>
-                          <a:spcPts val="0"/>
-                        </a:spcAft>
-                      </a:pPr>
-                      <a:r>
-                        <a:rPr lang="ru-RU" sz="1300">
-                          <a:effectLst/>
-                        </a:rPr>
-                        <a:t>+</a:t>
-                      </a:r>
-                      <a:endParaRPr lang="en-US" sz="1300">
-                        <a:effectLst/>
-                        <a:latin typeface="Times New Roman"/>
-                        <a:ea typeface="Times New Roman"/>
-                      </a:endParaRPr>
-                    </a:p>
-                  </a:txBody>
-                  <a:tcPr marL="30308" marR="30308" marT="0" marB="0"/>
-                </a:tc>
-              </a:tr>
-              <a:tr h="283579">
-                <a:tc rowSpan="4">
-                  <a:txBody>
-                    <a:bodyPr/>
-                    <a:lstStyle/>
-                    <a:p>
-                      <a:pPr marL="0" marR="0" indent="0" algn="just">
-                        <a:lnSpc>
-                          <a:spcPct val="150000"/>
-                        </a:lnSpc>
-                        <a:spcBef>
-                          <a:spcPts val="0"/>
-                        </a:spcBef>
-                        <a:spcAft>
-                          <a:spcPts val="0"/>
-                        </a:spcAft>
-                      </a:pPr>
-                      <a:r>
-                        <a:rPr lang="ru-RU" sz="1300">
-                          <a:effectLst/>
-                        </a:rPr>
-                        <a:t>Глобальная система навигации</a:t>
-                      </a:r>
-                      <a:endParaRPr lang="en-US" sz="1300">
-                        <a:effectLst/>
-                        <a:latin typeface="Times New Roman"/>
-                        <a:ea typeface="Times New Roman"/>
-                      </a:endParaRPr>
-                    </a:p>
-                  </a:txBody>
-                  <a:tcPr marL="30308" marR="30308" marT="0" marB="0"/>
-                </a:tc>
-                <a:tc>
-                  <a:txBody>
-                    <a:bodyPr/>
-                    <a:lstStyle/>
-                    <a:p>
-                      <a:pPr marL="0" marR="0" indent="0" algn="just">
-                        <a:lnSpc>
-                          <a:spcPct val="150000"/>
-                        </a:lnSpc>
-                        <a:spcBef>
-                          <a:spcPts val="0"/>
-                        </a:spcBef>
-                        <a:spcAft>
-                          <a:spcPts val="0"/>
-                        </a:spcAft>
-                      </a:pPr>
-                      <a:r>
-                        <a:rPr lang="ru-RU" sz="1300">
-                          <a:effectLst/>
-                        </a:rPr>
-                        <a:t>Полярная ночь</a:t>
-                      </a:r>
-                      <a:endParaRPr lang="en-US" sz="1300">
-                        <a:effectLst/>
-                        <a:latin typeface="Times New Roman"/>
-                        <a:ea typeface="Times New Roman"/>
-                      </a:endParaRPr>
-                    </a:p>
-                  </a:txBody>
-                  <a:tcPr marL="30308" marR="30308" marT="0" marB="0"/>
-                </a:tc>
-                <a:tc>
-                  <a:txBody>
-                    <a:bodyPr/>
-                    <a:lstStyle/>
-                    <a:p>
-                      <a:pPr marL="0" marR="0" indent="0" algn="ctr">
-                        <a:lnSpc>
-                          <a:spcPct val="150000"/>
-                        </a:lnSpc>
-                        <a:spcBef>
-                          <a:spcPts val="0"/>
-                        </a:spcBef>
-                        <a:spcAft>
-                          <a:spcPts val="0"/>
-                        </a:spcAft>
-                      </a:pPr>
-                      <a:r>
-                        <a:rPr lang="ru-RU" sz="1300">
-                          <a:effectLst/>
-                        </a:rPr>
-                        <a:t>+</a:t>
-                      </a:r>
-                      <a:endParaRPr lang="en-US" sz="1300">
-                        <a:effectLst/>
-                        <a:latin typeface="Times New Roman"/>
-                        <a:ea typeface="Times New Roman"/>
-                      </a:endParaRPr>
-                    </a:p>
-                  </a:txBody>
-                  <a:tcPr marL="30308" marR="30308" marT="0" marB="0"/>
-                </a:tc>
-              </a:tr>
-              <a:tr h="283579">
-                <a:tc vMerge="1">
-                  <a:txBody>
-                    <a:bodyPr/>
-                    <a:lstStyle/>
-                    <a:p>
-                      <a:endParaRPr lang="en-US"/>
-                    </a:p>
-                  </a:txBody>
-                  <a:tcPr/>
-                </a:tc>
-                <a:tc>
-                  <a:txBody>
-                    <a:bodyPr/>
-                    <a:lstStyle/>
-                    <a:p>
-                      <a:pPr marL="0" marR="0" indent="0" algn="just">
-                        <a:lnSpc>
-                          <a:spcPct val="150000"/>
-                        </a:lnSpc>
-                        <a:spcBef>
-                          <a:spcPts val="0"/>
-                        </a:spcBef>
-                        <a:spcAft>
-                          <a:spcPts val="0"/>
-                        </a:spcAft>
-                      </a:pPr>
-                      <a:r>
-                        <a:rPr lang="ru-RU" sz="1300">
-                          <a:effectLst/>
-                        </a:rPr>
-                        <a:t>Метель</a:t>
-                      </a:r>
-                      <a:endParaRPr lang="en-US" sz="1300">
-                        <a:effectLst/>
-                        <a:latin typeface="Times New Roman"/>
-                        <a:ea typeface="Times New Roman"/>
-                      </a:endParaRPr>
-                    </a:p>
-                  </a:txBody>
-                  <a:tcPr marL="30308" marR="30308" marT="0" marB="0"/>
-                </a:tc>
-                <a:tc>
-                  <a:txBody>
-                    <a:bodyPr/>
-                    <a:lstStyle/>
-                    <a:p>
-                      <a:pPr marL="0" marR="0" indent="0" algn="ctr">
-                        <a:lnSpc>
-                          <a:spcPct val="150000"/>
-                        </a:lnSpc>
-                        <a:spcBef>
-                          <a:spcPts val="0"/>
-                        </a:spcBef>
-                        <a:spcAft>
-                          <a:spcPts val="0"/>
-                        </a:spcAft>
-                      </a:pPr>
-                      <a:r>
-                        <a:rPr lang="ru-RU" sz="1300">
-                          <a:effectLst/>
-                        </a:rPr>
-                        <a:t>+</a:t>
-                      </a:r>
-                      <a:endParaRPr lang="en-US" sz="1300">
-                        <a:effectLst/>
-                        <a:latin typeface="Times New Roman"/>
-                        <a:ea typeface="Times New Roman"/>
-                      </a:endParaRPr>
-                    </a:p>
-                  </a:txBody>
-                  <a:tcPr marL="30308" marR="30308" marT="0" marB="0"/>
-                </a:tc>
-              </a:tr>
-              <a:tr h="283579">
-                <a:tc vMerge="1">
-                  <a:txBody>
-                    <a:bodyPr/>
-                    <a:lstStyle/>
-                    <a:p>
-                      <a:endParaRPr lang="en-US"/>
-                    </a:p>
-                  </a:txBody>
-                  <a:tcPr/>
-                </a:tc>
-                <a:tc>
-                  <a:txBody>
-                    <a:bodyPr/>
-                    <a:lstStyle/>
-                    <a:p>
-                      <a:pPr marL="0" marR="0" indent="0" algn="just">
-                        <a:lnSpc>
-                          <a:spcPct val="150000"/>
-                        </a:lnSpc>
-                        <a:spcBef>
-                          <a:spcPts val="0"/>
-                        </a:spcBef>
-                        <a:spcAft>
-                          <a:spcPts val="0"/>
-                        </a:spcAft>
-                      </a:pPr>
-                      <a:r>
-                        <a:rPr lang="ru-RU" sz="1300">
-                          <a:effectLst/>
-                        </a:rPr>
-                        <a:t>Сильный ветер</a:t>
-                      </a:r>
-                      <a:endParaRPr lang="en-US" sz="1300">
-                        <a:effectLst/>
-                        <a:latin typeface="Times New Roman"/>
-                        <a:ea typeface="Times New Roman"/>
-                      </a:endParaRPr>
-                    </a:p>
-                  </a:txBody>
-                  <a:tcPr marL="30308" marR="30308" marT="0" marB="0"/>
-                </a:tc>
-                <a:tc>
-                  <a:txBody>
-                    <a:bodyPr/>
-                    <a:lstStyle/>
-                    <a:p>
-                      <a:pPr marL="0" marR="0" indent="0" algn="ctr">
-                        <a:lnSpc>
-                          <a:spcPct val="150000"/>
-                        </a:lnSpc>
-                        <a:spcBef>
-                          <a:spcPts val="0"/>
-                        </a:spcBef>
-                        <a:spcAft>
-                          <a:spcPts val="0"/>
-                        </a:spcAft>
-                      </a:pPr>
-                      <a:r>
-                        <a:rPr lang="ru-RU" sz="1300">
-                          <a:effectLst/>
-                        </a:rPr>
-                        <a:t>+</a:t>
-                      </a:r>
-                      <a:endParaRPr lang="en-US" sz="1300">
-                        <a:effectLst/>
-                        <a:latin typeface="Times New Roman"/>
-                        <a:ea typeface="Times New Roman"/>
-                      </a:endParaRPr>
-                    </a:p>
-                  </a:txBody>
-                  <a:tcPr marL="30308" marR="30308" marT="0" marB="0"/>
-                </a:tc>
-              </a:tr>
-              <a:tr h="283579">
-                <a:tc vMerge="1">
-                  <a:txBody>
-                    <a:bodyPr/>
-                    <a:lstStyle/>
-                    <a:p>
-                      <a:endParaRPr lang="en-US"/>
-                    </a:p>
-                  </a:txBody>
-                  <a:tcPr/>
-                </a:tc>
-                <a:tc>
-                  <a:txBody>
-                    <a:bodyPr/>
-                    <a:lstStyle/>
-                    <a:p>
-                      <a:pPr marL="0" marR="0" indent="0" algn="just">
-                        <a:lnSpc>
-                          <a:spcPct val="150000"/>
-                        </a:lnSpc>
-                        <a:spcBef>
-                          <a:spcPts val="0"/>
-                        </a:spcBef>
-                        <a:spcAft>
-                          <a:spcPts val="0"/>
-                        </a:spcAft>
-                      </a:pPr>
-                      <a:r>
-                        <a:rPr lang="ru-RU" sz="1300">
-                          <a:effectLst/>
-                        </a:rPr>
-                        <a:t>Качка</a:t>
-                      </a:r>
-                      <a:endParaRPr lang="en-US" sz="1300">
-                        <a:effectLst/>
-                        <a:latin typeface="Times New Roman"/>
-                        <a:ea typeface="Times New Roman"/>
-                      </a:endParaRPr>
-                    </a:p>
-                  </a:txBody>
-                  <a:tcPr marL="30308" marR="30308" marT="0" marB="0"/>
-                </a:tc>
-                <a:tc>
-                  <a:txBody>
-                    <a:bodyPr/>
-                    <a:lstStyle/>
-                    <a:p>
-                      <a:pPr marL="0" marR="0" indent="0" algn="ctr">
-                        <a:lnSpc>
-                          <a:spcPct val="150000"/>
-                        </a:lnSpc>
-                        <a:spcBef>
-                          <a:spcPts val="0"/>
-                        </a:spcBef>
-                        <a:spcAft>
-                          <a:spcPts val="0"/>
-                        </a:spcAft>
-                      </a:pPr>
-                      <a:r>
-                        <a:rPr lang="ru-RU" sz="1300">
-                          <a:effectLst/>
-                        </a:rPr>
-                        <a:t>+</a:t>
-                      </a:r>
-                      <a:endParaRPr lang="en-US" sz="1300">
-                        <a:effectLst/>
-                        <a:latin typeface="Times New Roman"/>
-                        <a:ea typeface="Times New Roman"/>
-                      </a:endParaRPr>
-                    </a:p>
-                  </a:txBody>
-                  <a:tcPr marL="30308" marR="30308" marT="0" marB="0"/>
-                </a:tc>
-              </a:tr>
-              <a:tr h="283579">
-                <a:tc rowSpan="4">
-                  <a:txBody>
-                    <a:bodyPr/>
-                    <a:lstStyle/>
-                    <a:p>
-                      <a:pPr marL="0" marR="0" indent="0" algn="just">
-                        <a:lnSpc>
-                          <a:spcPct val="150000"/>
-                        </a:lnSpc>
-                        <a:spcBef>
-                          <a:spcPts val="0"/>
-                        </a:spcBef>
-                        <a:spcAft>
-                          <a:spcPts val="0"/>
-                        </a:spcAft>
-                      </a:pPr>
-                      <a:r>
-                        <a:rPr lang="ru-RU" sz="1300">
-                          <a:effectLst/>
-                        </a:rPr>
-                        <a:t>Инерциальная навигационная система</a:t>
-                      </a:r>
-                      <a:endParaRPr lang="en-US" sz="1300">
-                        <a:effectLst/>
-                        <a:latin typeface="Times New Roman"/>
-                        <a:ea typeface="Times New Roman"/>
-                      </a:endParaRPr>
-                    </a:p>
-                  </a:txBody>
-                  <a:tcPr marL="30308" marR="30308" marT="0" marB="0"/>
-                </a:tc>
-                <a:tc>
-                  <a:txBody>
-                    <a:bodyPr/>
-                    <a:lstStyle/>
-                    <a:p>
-                      <a:pPr marL="0" marR="0" indent="0" algn="just">
-                        <a:lnSpc>
-                          <a:spcPct val="150000"/>
-                        </a:lnSpc>
-                        <a:spcBef>
-                          <a:spcPts val="0"/>
-                        </a:spcBef>
-                        <a:spcAft>
-                          <a:spcPts val="0"/>
-                        </a:spcAft>
-                      </a:pPr>
-                      <a:r>
-                        <a:rPr lang="ru-RU" sz="1300">
-                          <a:effectLst/>
-                        </a:rPr>
-                        <a:t>Полярная ночь</a:t>
-                      </a:r>
-                      <a:endParaRPr lang="en-US" sz="1300">
-                        <a:effectLst/>
-                        <a:latin typeface="Times New Roman"/>
-                        <a:ea typeface="Times New Roman"/>
-                      </a:endParaRPr>
-                    </a:p>
-                  </a:txBody>
-                  <a:tcPr marL="30308" marR="30308" marT="0" marB="0"/>
-                </a:tc>
-                <a:tc>
-                  <a:txBody>
-                    <a:bodyPr/>
-                    <a:lstStyle/>
-                    <a:p>
-                      <a:pPr marL="0" marR="0" indent="0" algn="ctr">
-                        <a:lnSpc>
-                          <a:spcPct val="150000"/>
-                        </a:lnSpc>
-                        <a:spcBef>
-                          <a:spcPts val="0"/>
-                        </a:spcBef>
-                        <a:spcAft>
-                          <a:spcPts val="0"/>
-                        </a:spcAft>
-                      </a:pPr>
-                      <a:r>
-                        <a:rPr lang="ru-RU" sz="1300">
-                          <a:effectLst/>
-                        </a:rPr>
-                        <a:t>+</a:t>
-                      </a:r>
-                      <a:endParaRPr lang="en-US" sz="1300">
-                        <a:effectLst/>
-                        <a:latin typeface="Times New Roman"/>
-                        <a:ea typeface="Times New Roman"/>
-                      </a:endParaRPr>
-                    </a:p>
-                  </a:txBody>
-                  <a:tcPr marL="30308" marR="30308" marT="0" marB="0"/>
-                </a:tc>
-              </a:tr>
-              <a:tr h="283579">
-                <a:tc vMerge="1">
-                  <a:txBody>
-                    <a:bodyPr/>
-                    <a:lstStyle/>
-                    <a:p>
-                      <a:endParaRPr lang="en-US"/>
-                    </a:p>
-                  </a:txBody>
-                  <a:tcPr/>
-                </a:tc>
-                <a:tc>
-                  <a:txBody>
-                    <a:bodyPr/>
-                    <a:lstStyle/>
-                    <a:p>
-                      <a:pPr marL="0" marR="0" indent="0" algn="just">
-                        <a:lnSpc>
-                          <a:spcPct val="150000"/>
-                        </a:lnSpc>
-                        <a:spcBef>
-                          <a:spcPts val="0"/>
-                        </a:spcBef>
-                        <a:spcAft>
-                          <a:spcPts val="0"/>
-                        </a:spcAft>
-                      </a:pPr>
-                      <a:r>
-                        <a:rPr lang="ru-RU" sz="1300">
-                          <a:effectLst/>
-                        </a:rPr>
-                        <a:t>Метель</a:t>
-                      </a:r>
-                      <a:endParaRPr lang="en-US" sz="1300">
-                        <a:effectLst/>
-                        <a:latin typeface="Times New Roman"/>
-                        <a:ea typeface="Times New Roman"/>
-                      </a:endParaRPr>
-                    </a:p>
-                  </a:txBody>
-                  <a:tcPr marL="30308" marR="30308" marT="0" marB="0"/>
-                </a:tc>
-                <a:tc>
-                  <a:txBody>
-                    <a:bodyPr/>
-                    <a:lstStyle/>
-                    <a:p>
-                      <a:pPr marL="0" marR="0" indent="0" algn="ctr">
-                        <a:lnSpc>
-                          <a:spcPct val="150000"/>
-                        </a:lnSpc>
-                        <a:spcBef>
-                          <a:spcPts val="0"/>
-                        </a:spcBef>
-                        <a:spcAft>
-                          <a:spcPts val="0"/>
-                        </a:spcAft>
-                      </a:pPr>
-                      <a:r>
-                        <a:rPr lang="ru-RU" sz="1300">
-                          <a:effectLst/>
-                        </a:rPr>
-                        <a:t>+</a:t>
-                      </a:r>
-                      <a:endParaRPr lang="en-US" sz="1300">
-                        <a:effectLst/>
-                        <a:latin typeface="Times New Roman"/>
-                        <a:ea typeface="Times New Roman"/>
-                      </a:endParaRPr>
-                    </a:p>
-                  </a:txBody>
-                  <a:tcPr marL="30308" marR="30308" marT="0" marB="0"/>
-                </a:tc>
-              </a:tr>
-              <a:tr h="283579">
-                <a:tc vMerge="1">
-                  <a:txBody>
-                    <a:bodyPr/>
-                    <a:lstStyle/>
-                    <a:p>
-                      <a:endParaRPr lang="en-US"/>
-                    </a:p>
-                  </a:txBody>
-                  <a:tcPr/>
-                </a:tc>
-                <a:tc>
-                  <a:txBody>
-                    <a:bodyPr/>
-                    <a:lstStyle/>
-                    <a:p>
-                      <a:pPr marL="0" marR="0" indent="0" algn="just">
-                        <a:lnSpc>
-                          <a:spcPct val="150000"/>
-                        </a:lnSpc>
-                        <a:spcBef>
-                          <a:spcPts val="0"/>
-                        </a:spcBef>
-                        <a:spcAft>
-                          <a:spcPts val="0"/>
-                        </a:spcAft>
-                      </a:pPr>
-                      <a:r>
-                        <a:rPr lang="ru-RU" sz="1300">
-                          <a:effectLst/>
-                        </a:rPr>
-                        <a:t>Сильный ветер</a:t>
-                      </a:r>
-                      <a:endParaRPr lang="en-US" sz="1300">
-                        <a:effectLst/>
-                        <a:latin typeface="Times New Roman"/>
-                        <a:ea typeface="Times New Roman"/>
-                      </a:endParaRPr>
-                    </a:p>
-                  </a:txBody>
-                  <a:tcPr marL="30308" marR="30308" marT="0" marB="0"/>
-                </a:tc>
-                <a:tc>
-                  <a:txBody>
-                    <a:bodyPr/>
-                    <a:lstStyle/>
-                    <a:p>
-                      <a:pPr marL="0" marR="0" indent="0" algn="ctr">
-                        <a:lnSpc>
-                          <a:spcPct val="150000"/>
-                        </a:lnSpc>
-                        <a:spcBef>
-                          <a:spcPts val="0"/>
-                        </a:spcBef>
-                        <a:spcAft>
-                          <a:spcPts val="0"/>
-                        </a:spcAft>
-                      </a:pPr>
-                      <a:r>
-                        <a:rPr lang="ru-RU" sz="1300">
-                          <a:effectLst/>
-                        </a:rPr>
-                        <a:t>+</a:t>
-                      </a:r>
-                      <a:endParaRPr lang="en-US" sz="1300">
-                        <a:effectLst/>
-                        <a:latin typeface="Times New Roman"/>
-                        <a:ea typeface="Times New Roman"/>
-                      </a:endParaRPr>
-                    </a:p>
-                  </a:txBody>
-                  <a:tcPr marL="30308" marR="30308" marT="0" marB="0"/>
-                </a:tc>
-              </a:tr>
-              <a:tr h="283579">
-                <a:tc vMerge="1">
-                  <a:txBody>
-                    <a:bodyPr/>
-                    <a:lstStyle/>
-                    <a:p>
-                      <a:endParaRPr lang="en-US"/>
-                    </a:p>
-                  </a:txBody>
-                  <a:tcPr/>
-                </a:tc>
-                <a:tc>
-                  <a:txBody>
-                    <a:bodyPr/>
-                    <a:lstStyle/>
-                    <a:p>
-                      <a:pPr marL="0" marR="0" indent="0" algn="just">
-                        <a:lnSpc>
-                          <a:spcPct val="150000"/>
-                        </a:lnSpc>
-                        <a:spcBef>
-                          <a:spcPts val="0"/>
-                        </a:spcBef>
-                        <a:spcAft>
-                          <a:spcPts val="0"/>
-                        </a:spcAft>
-                      </a:pPr>
-                      <a:r>
-                        <a:rPr lang="ru-RU" sz="1300">
-                          <a:effectLst/>
-                        </a:rPr>
-                        <a:t>Качка</a:t>
-                      </a:r>
-                      <a:endParaRPr lang="en-US" sz="1300">
-                        <a:effectLst/>
-                        <a:latin typeface="Times New Roman"/>
-                        <a:ea typeface="Times New Roman"/>
-                      </a:endParaRPr>
-                    </a:p>
-                  </a:txBody>
-                  <a:tcPr marL="30308" marR="30308" marT="0" marB="0"/>
-                </a:tc>
-                <a:tc>
-                  <a:txBody>
-                    <a:bodyPr/>
-                    <a:lstStyle/>
-                    <a:p>
-                      <a:pPr marL="0" marR="0" indent="0" algn="ctr">
-                        <a:lnSpc>
-                          <a:spcPct val="150000"/>
-                        </a:lnSpc>
-                        <a:spcBef>
-                          <a:spcPts val="0"/>
-                        </a:spcBef>
-                        <a:spcAft>
-                          <a:spcPts val="0"/>
-                        </a:spcAft>
-                      </a:pPr>
-                      <a:r>
-                        <a:rPr lang="ru-RU" sz="1300" dirty="0">
-                          <a:effectLst/>
-                        </a:rPr>
-                        <a:t>-</a:t>
-                      </a:r>
-                      <a:endParaRPr lang="en-US" sz="1300" dirty="0">
-                        <a:effectLst/>
-                        <a:latin typeface="Times New Roman"/>
-                        <a:ea typeface="Times New Roman"/>
-                      </a:endParaRPr>
-                    </a:p>
-                  </a:txBody>
-                  <a:tcPr marL="30308" marR="30308" marT="0" marB="0"/>
-                </a:tc>
-              </a:tr>
-            </a:tbl>
-          </a:graphicData>
-        </a:graphic>
-      </p:graphicFrame>
       <p:sp>
         <p:nvSpPr>
-          <p:cNvPr id="11" name="TextBox 10"/>
+          <p:cNvPr id="3" name="TextBox 2"/>
           <p:cNvSpPr txBox="1"/>
           <p:nvPr/>
         </p:nvSpPr>
         <p:spPr>
           <a:xfrm>
-            <a:off x="5797550" y="1014499"/>
-            <a:ext cx="3276600" cy="1877437"/>
+            <a:off x="266700" y="927100"/>
+            <a:ext cx="8623300" cy="3970318"/>
           </a:xfrm>
           <a:prstGeom prst="rect">
             <a:avLst/>
@@ -6440,73 +6373,128 @@
           </a:bodyPr>
           <a:lstStyle/>
           <a:p>
-            <a:pPr marL="800100" lvl="1" indent="-342900">
-              <a:buFont typeface="Arial" panose="020B0604020202020204" pitchFamily="34" charset="0"/>
-              <a:buChar char="•"/>
+            <a:pPr marL="285750" indent="-285750" algn="just">
+              <a:buFontTx/>
+              <a:buChar char="-"/>
             </a:pPr>
             <a:r>
-              <a:rPr lang="ru-RU" sz="1600" dirty="0"/>
-              <a:t>сильный ветер </a:t>
-            </a:r>
-          </a:p>
-          <a:p>
-            <a:pPr marL="800100" lvl="1" indent="-342900">
-              <a:buFont typeface="Arial" panose="020B0604020202020204" pitchFamily="34" charset="0"/>
-              <a:buChar char="•"/>
+              <a:rPr lang="ru-RU" sz="1800" dirty="0" smtClean="0"/>
+              <a:t>больший </a:t>
+            </a:r>
+            <a:r>
+              <a:rPr lang="ru-RU" sz="1800" dirty="0"/>
+              <a:t>радиус действия, достигаемый за счет рассредоточения роботов по всей рабочей </a:t>
+            </a:r>
+            <a:r>
+              <a:rPr lang="ru-RU" sz="1800" dirty="0" smtClean="0"/>
+              <a:t>зоне;</a:t>
+            </a:r>
+          </a:p>
+          <a:p>
+            <a:pPr marL="285750" indent="-285750" algn="just">
+              <a:buFontTx/>
+              <a:buChar char="-"/>
             </a:pPr>
-            <a:r>
-              <a:rPr lang="ru-RU" sz="1600" dirty="0"/>
-              <a:t>низкие </a:t>
-            </a:r>
-            <a:r>
-              <a:rPr lang="ru-RU" sz="1600" dirty="0" smtClean="0"/>
-              <a:t>температуры</a:t>
-            </a:r>
-          </a:p>
-          <a:p>
-            <a:pPr marL="800100" lvl="1" indent="-342900">
-              <a:buFont typeface="Arial" panose="020B0604020202020204" pitchFamily="34" charset="0"/>
-              <a:buChar char="•"/>
+            <a:endParaRPr lang="ru-RU" sz="1800" dirty="0" smtClean="0"/>
+          </a:p>
+          <a:p>
+            <a:pPr marL="285750" indent="-285750" algn="just">
+              <a:buFontTx/>
+              <a:buChar char="-"/>
             </a:pPr>
             <a:r>
-              <a:rPr lang="ru-RU" sz="1600" dirty="0"/>
-              <a:t>метели </a:t>
-            </a:r>
-          </a:p>
-          <a:p>
-            <a:pPr marL="800100" lvl="1" indent="-342900">
-              <a:buFont typeface="Arial" panose="020B0604020202020204" pitchFamily="34" charset="0"/>
-              <a:buChar char="•"/>
+              <a:rPr lang="ru-RU" sz="1800" dirty="0"/>
+              <a:t>более высокая вероятность выполнения задания, достигаемая за счет возможности перераспределения целей между </a:t>
+            </a:r>
+            <a:r>
+              <a:rPr lang="ru-RU" sz="1800" dirty="0" smtClean="0"/>
+              <a:t>роботами</a:t>
+            </a:r>
+            <a:r>
+              <a:rPr lang="ru-RU" sz="1800" dirty="0" smtClean="0"/>
+              <a:t>;</a:t>
+            </a:r>
+            <a:endParaRPr lang="ru-RU" sz="1800" dirty="0" smtClean="0"/>
+          </a:p>
+          <a:p>
+            <a:pPr marL="285750" indent="-285750" algn="just">
+              <a:buFontTx/>
+              <a:buChar char="-"/>
             </a:pPr>
-            <a:r>
-              <a:rPr lang="ru-RU" sz="1600" dirty="0"/>
-              <a:t>ледяные и снежные торосы</a:t>
-            </a:r>
-          </a:p>
-          <a:p>
-            <a:pPr marL="800100" lvl="1" indent="-342900">
-              <a:buFont typeface="Arial" panose="020B0604020202020204" pitchFamily="34" charset="0"/>
-              <a:buChar char="•"/>
+            <a:endParaRPr lang="ru-RU" sz="1800" dirty="0" smtClean="0"/>
+          </a:p>
+          <a:p>
+            <a:pPr marL="285750" indent="-285750" algn="just">
+              <a:buFontTx/>
+              <a:buChar char="-"/>
             </a:pPr>
             <a:r>
-              <a:rPr lang="ru-RU" sz="1600" dirty="0"/>
-              <a:t>полярная </a:t>
-            </a:r>
-            <a:r>
-              <a:rPr lang="ru-RU" sz="1600" dirty="0" smtClean="0"/>
-              <a:t>ночь</a:t>
-            </a:r>
-            <a:endParaRPr lang="ru-RU" sz="1600" dirty="0"/>
-          </a:p>
-          <a:p>
-            <a:endParaRPr lang="en-US" dirty="0"/>
+              <a:rPr lang="ru-RU" sz="1800" dirty="0"/>
+              <a:t>б</a:t>
+            </a:r>
+            <a:r>
+              <a:rPr lang="ru-RU" sz="1800" dirty="0" smtClean="0"/>
+              <a:t>олее высокая скорость выполнения задания за счет выделения подцелей и распределения их между роботами</a:t>
+            </a:r>
+            <a:r>
+              <a:rPr lang="ru-RU" sz="1800" dirty="0" smtClean="0"/>
+              <a:t>;</a:t>
+            </a:r>
+            <a:endParaRPr lang="ru-RU" sz="1800" dirty="0" smtClean="0"/>
+          </a:p>
+          <a:p>
+            <a:pPr marL="285750" indent="-285750" algn="just">
+              <a:buFontTx/>
+              <a:buChar char="-"/>
+            </a:pPr>
+            <a:endParaRPr lang="ru-RU" sz="1800" dirty="0" smtClean="0"/>
+          </a:p>
+          <a:p>
+            <a:pPr marL="285750" indent="-285750" algn="just">
+              <a:buFontTx/>
+              <a:buChar char="-"/>
+            </a:pPr>
+            <a:r>
+              <a:rPr lang="ru-RU" sz="1800" dirty="0" smtClean="0"/>
+              <a:t>устойчивость к динамически меняющимся условиям окружающей среды, за счет избыточности;</a:t>
+            </a:r>
+            <a:endParaRPr lang="ru-RU" sz="1800" dirty="0" smtClean="0"/>
+          </a:p>
+          <a:p>
+            <a:pPr marL="285750" indent="-285750" algn="just">
+              <a:buFontTx/>
+              <a:buChar char="-"/>
+            </a:pPr>
+            <a:endParaRPr lang="ru-RU" sz="1800" dirty="0" smtClean="0"/>
+          </a:p>
+          <a:p>
+            <a:pPr marL="285750" indent="-285750" algn="just">
+              <a:buFontTx/>
+              <a:buChar char="-"/>
+            </a:pPr>
+            <a:r>
+              <a:rPr lang="ru-RU" sz="1800" dirty="0" smtClean="0"/>
+              <a:t>гораздо более широкий спектр выполняемых задач</a:t>
+            </a:r>
+            <a:r>
+              <a:rPr lang="ru-RU" sz="1800" dirty="0"/>
+              <a:t>;</a:t>
+            </a:r>
+            <a:endParaRPr lang="ru-RU" sz="1800" dirty="0" smtClean="0"/>
+          </a:p>
+          <a:p>
+            <a:pPr marL="285750" indent="-285750" algn="just">
+              <a:buFontTx/>
+              <a:buChar char="-"/>
+            </a:pPr>
+            <a:endParaRPr lang="ru-RU" sz="1800" dirty="0" smtClean="0"/>
           </a:p>
         </p:txBody>
       </p:sp>
     </p:spTree>
     <p:extLst>
       <p:ext uri="{BB962C8B-B14F-4D97-AF65-F5344CB8AC3E}">
-        <p14:creationId xmlns:p14="http://schemas.microsoft.com/office/powerpoint/2010/main" val="2536239404"/>
+        <p14:creationId xmlns:p14="http://schemas.microsoft.com/office/powerpoint/2010/main" val="1430426045"/>
       </p:ext>
     </p:extLst>
   </p:cSld>
@@ -6563,11 +6551,12 @@
           <a:bodyPr/>
           <a:lstStyle/>
           <a:p>
-            <a:pPr algn="ctr"/>
+            <a:pPr lvl="0" algn="ctr"/>
             <a:r>
               <a:rPr lang="ru-RU" dirty="0" smtClean="0"/>
-              <a:t>Актуальность темы диссертации</a:t>
-            </a:r>
+              <a:t>Группы операций</a:t>
+            </a:r>
+            <a:endParaRPr lang="ru-RU" dirty="0"/>
           </a:p>
         </p:txBody>
       </p:sp>
@@ -6580,7 +6569,7 @@
         <p:spPr>
           <a:xfrm>
             <a:off x="558800" y="1498600"/>
-            <a:ext cx="7924800" cy="2554545"/>
+            <a:ext cx="7924800" cy="4093428"/>
           </a:xfrm>
           <a:prstGeom prst="rect">
             <a:avLst/>
@@ -6593,51 +6582,122 @@
           </a:bodyPr>
           <a:lstStyle/>
           <a:p>
+            <a:pPr marL="342900" lvl="0" indent="-342900">
+              <a:buFont typeface="Arial" pitchFamily="34" charset="0"/>
+              <a:buChar char="•"/>
+            </a:pPr>
+            <a:r>
+              <a:rPr lang="ru-RU" dirty="0"/>
+              <a:t>мониторинг; </a:t>
+            </a:r>
+            <a:endParaRPr lang="ru-RU" dirty="0" smtClean="0"/>
+          </a:p>
+          <a:p>
+            <a:pPr marL="342900" lvl="0" indent="-342900">
+              <a:buFont typeface="Arial" pitchFamily="34" charset="0"/>
+              <a:buChar char="•"/>
+            </a:pPr>
+            <a:endParaRPr lang="ru-RU" dirty="0"/>
+          </a:p>
+          <a:p>
+            <a:pPr marL="342900" lvl="0" indent="-342900">
+              <a:buFont typeface="Arial" pitchFamily="34" charset="0"/>
+              <a:buChar char="•"/>
+            </a:pPr>
+            <a:r>
+              <a:rPr lang="ru-RU" dirty="0"/>
+              <a:t>приведения группировки в боевую готовность</a:t>
+            </a:r>
+            <a:r>
+              <a:rPr lang="ru-RU" dirty="0" smtClean="0"/>
+              <a:t>;</a:t>
+            </a:r>
+          </a:p>
+          <a:p>
+            <a:pPr marL="342900" lvl="0" indent="-342900">
+              <a:buFont typeface="Arial" pitchFamily="34" charset="0"/>
+              <a:buChar char="•"/>
+            </a:pPr>
+            <a:endParaRPr lang="ru-RU" dirty="0"/>
+          </a:p>
+          <a:p>
+            <a:pPr marL="342900" lvl="0" indent="-342900">
+              <a:buFont typeface="Arial" pitchFamily="34" charset="0"/>
+              <a:buChar char="•"/>
+            </a:pPr>
+            <a:r>
+              <a:rPr lang="ru-RU" dirty="0"/>
+              <a:t>оптимально распределение роботов на объекте</a:t>
+            </a:r>
+            <a:r>
+              <a:rPr lang="ru-RU" dirty="0" smtClean="0"/>
+              <a:t>;</a:t>
+            </a:r>
+          </a:p>
+          <a:p>
+            <a:pPr marL="342900" lvl="0" indent="-342900">
+              <a:buFont typeface="Arial" pitchFamily="34" charset="0"/>
+              <a:buChar char="•"/>
+            </a:pPr>
+            <a:endParaRPr lang="ru-RU" dirty="0"/>
+          </a:p>
+          <a:p>
+            <a:pPr marL="342900" lvl="0" indent="-342900">
+              <a:buFont typeface="Arial" pitchFamily="34" charset="0"/>
+              <a:buChar char="•"/>
+            </a:pPr>
+            <a:r>
+              <a:rPr lang="ru-RU" dirty="0"/>
+              <a:t>определение мест, где находятся спасаемые люди</a:t>
+            </a:r>
+            <a:r>
+              <a:rPr lang="ru-RU" dirty="0" smtClean="0"/>
+              <a:t>;</a:t>
+            </a:r>
+          </a:p>
+          <a:p>
+            <a:pPr marL="342900" lvl="0" indent="-342900">
+              <a:buFont typeface="Arial" pitchFamily="34" charset="0"/>
+              <a:buChar char="•"/>
+            </a:pPr>
+            <a:endParaRPr lang="ru-RU" dirty="0"/>
+          </a:p>
+          <a:p>
+            <a:pPr marL="342900" lvl="0" indent="-342900">
+              <a:buFont typeface="Arial" pitchFamily="34" charset="0"/>
+              <a:buChar char="•"/>
+            </a:pPr>
+            <a:r>
+              <a:rPr lang="ru-RU" smtClean="0"/>
+              <a:t>спасение</a:t>
+            </a:r>
+            <a:r>
+              <a:rPr lang="ru-RU" dirty="0" smtClean="0"/>
+              <a:t>;</a:t>
+            </a:r>
+          </a:p>
+          <a:p>
+            <a:pPr marL="342900" lvl="0" indent="-342900">
+              <a:buFont typeface="Arial" pitchFamily="34" charset="0"/>
+              <a:buChar char="•"/>
+            </a:pPr>
+            <a:endParaRPr lang="ru-RU" dirty="0"/>
+          </a:p>
+          <a:p>
+            <a:pPr marL="342900" lvl="0" indent="-342900">
+              <a:buFont typeface="Arial" pitchFamily="34" charset="0"/>
+              <a:buChar char="•"/>
+            </a:pPr>
+            <a:r>
+              <a:rPr lang="ru-RU" dirty="0"/>
+              <a:t>быстрый уход роботов (со спасаемыми людьми) на безопасное расстояние.</a:t>
+            </a:r>
+          </a:p>
+          <a:p>
             <a:pPr marL="342900" indent="-342900">
               <a:buFont typeface="Arial" panose="020B0604020202020204" pitchFamily="34" charset="0"/>
               <a:buChar char="•"/>
             </a:pPr>
-            <a:r>
-              <a:rPr lang="ru-RU" dirty="0"/>
-              <a:t>Данная задача имеет практическую ценность, ее решение позволит производить управление наземными роботами в сложных климатических условиях полярного круга</a:t>
-            </a:r>
-            <a:r>
-              <a:rPr lang="ru-RU" dirty="0" smtClean="0"/>
-              <a:t>.</a:t>
-            </a:r>
-          </a:p>
-          <a:p>
-            <a:pPr marL="342900" indent="-342900">
-              <a:buFont typeface="Arial" panose="020B0604020202020204" pitchFamily="34" charset="0"/>
-              <a:buChar char="•"/>
-            </a:pPr>
-            <a:endParaRPr lang="ru-RU" dirty="0"/>
-          </a:p>
-          <a:p>
-            <a:pPr marL="342900" indent="-342900">
-              <a:buFont typeface="Arial" panose="020B0604020202020204" pitchFamily="34" charset="0"/>
-              <a:buChar char="•"/>
-            </a:pPr>
-            <a:r>
-              <a:rPr lang="ru-RU" dirty="0"/>
-              <a:t>Решение задачи необходимо для создания робототехнических систем автоматического  спасения людей на </a:t>
-            </a:r>
-            <a:r>
-              <a:rPr lang="ru-RU" dirty="0" smtClean="0"/>
-              <a:t>нефтяной платформе (в разработке </a:t>
-            </a:r>
-            <a:r>
-              <a:rPr lang="ru-RU" dirty="0"/>
-              <a:t>данной системы </a:t>
-            </a:r>
-            <a:r>
-              <a:rPr lang="ru-RU" dirty="0" smtClean="0"/>
-              <a:t>принимает участие </a:t>
-            </a:r>
-            <a:r>
-              <a:rPr lang="ru-RU" dirty="0"/>
-              <a:t>ЦНИИ РТК).</a:t>
-            </a:r>
             <a:endParaRPr lang="en-US" dirty="0"/>
           </a:p>
         </p:txBody>

--- a/RescueRobotsForNN.pptx
+++ b/RescueRobotsForNN.pptx
@@ -5,7 +5,7 @@
     <p:sldMasterId id="2147483662" r:id="rId1"/>
   </p:sldMasterIdLst>
   <p:notesMasterIdLst>
-    <p:notesMasterId r:id="rId11"/>
+    <p:notesMasterId r:id="rId18"/>
   </p:notesMasterIdLst>
   <p:sldIdLst>
     <p:sldId id="648" r:id="rId2"/>
@@ -16,7 +16,14 @@
     <p:sldId id="662" r:id="rId7"/>
     <p:sldId id="663" r:id="rId8"/>
     <p:sldId id="664" r:id="rId9"/>
-    <p:sldId id="650" r:id="rId10"/>
+    <p:sldId id="665" r:id="rId10"/>
+    <p:sldId id="666" r:id="rId11"/>
+    <p:sldId id="667" r:id="rId12"/>
+    <p:sldId id="668" r:id="rId13"/>
+    <p:sldId id="669" r:id="rId14"/>
+    <p:sldId id="672" r:id="rId15"/>
+    <p:sldId id="671" r:id="rId16"/>
+    <p:sldId id="650" r:id="rId17"/>
   </p:sldIdLst>
   <p:sldSz cx="9144000" cy="6858000" type="screen4x3"/>
   <p:notesSz cx="6858000" cy="9144000"/>
@@ -750,6 +757,96 @@
     </a:lvl9pPr>
   </p:notesStyle>
 </p:notesMaster>
+</file>
+
+<file path=ppt/notesSlides/notesSlide1.xml><?xml version="1.0" encoding="utf-8"?>
+<p:notes xmlns:a="http://schemas.openxmlformats.org/drawingml/2006/main" xmlns:r="http://schemas.openxmlformats.org/officeDocument/2006/relationships" xmlns:p="http://schemas.openxmlformats.org/presentationml/2006/main">
+  <p:cSld>
+    <p:spTree>
+      <p:nvGrpSpPr>
+        <p:cNvPr id="1" name=""/>
+        <p:cNvGrpSpPr/>
+        <p:nvPr/>
+      </p:nvGrpSpPr>
+      <p:grpSpPr>
+        <a:xfrm>
+          <a:off x="0" y="0"/>
+          <a:ext cx="0" cy="0"/>
+          <a:chOff x="0" y="0"/>
+          <a:chExt cx="0" cy="0"/>
+        </a:xfrm>
+      </p:grpSpPr>
+      <p:sp>
+        <p:nvSpPr>
+          <p:cNvPr id="2" name="Образ слайда 1"/>
+          <p:cNvSpPr>
+            <a:spLocks noGrp="1" noRot="1" noChangeAspect="1"/>
+          </p:cNvSpPr>
+          <p:nvPr>
+            <p:ph type="sldImg"/>
+          </p:nvPr>
+        </p:nvSpPr>
+        <p:spPr/>
+      </p:sp>
+      <p:sp>
+        <p:nvSpPr>
+          <p:cNvPr id="3" name="Заметки 2"/>
+          <p:cNvSpPr>
+            <a:spLocks noGrp="1"/>
+          </p:cNvSpPr>
+          <p:nvPr>
+            <p:ph type="body" idx="1"/>
+          </p:nvPr>
+        </p:nvSpPr>
+        <p:spPr/>
+        <p:txBody>
+          <a:bodyPr/>
+          <a:lstStyle/>
+          <a:p>
+            <a:endParaRPr lang="en-US" dirty="0"/>
+          </a:p>
+        </p:txBody>
+      </p:sp>
+      <p:sp>
+        <p:nvSpPr>
+          <p:cNvPr id="4" name="Номер слайда 3"/>
+          <p:cNvSpPr>
+            <a:spLocks noGrp="1"/>
+          </p:cNvSpPr>
+          <p:nvPr>
+            <p:ph type="sldNum" sz="quarter" idx="10"/>
+          </p:nvPr>
+        </p:nvSpPr>
+        <p:spPr/>
+        <p:txBody>
+          <a:bodyPr/>
+          <a:lstStyle/>
+          <a:p>
+            <a:pPr>
+              <a:defRPr/>
+            </a:pPr>
+            <a:fld id="{7D48428B-435C-4224-88CC-D658E0EEA6D6}" type="slidenum">
+              <a:rPr lang="ru-RU" smtClean="0"/>
+              <a:pPr>
+                <a:defRPr/>
+              </a:pPr>
+              <a:t>14</a:t>
+            </a:fld>
+            <a:endParaRPr lang="ru-RU"/>
+          </a:p>
+        </p:txBody>
+      </p:sp>
+    </p:spTree>
+    <p:extLst>
+      <p:ext uri="{BB962C8B-B14F-4D97-AF65-F5344CB8AC3E}">
+        <p14:creationId xmlns:p14="http://schemas.microsoft.com/office/powerpoint/2010/main" val="3441665864"/>
+      </p:ext>
+    </p:extLst>
+  </p:cSld>
+  <p:clrMapOvr>
+    <a:masterClrMapping/>
+  </p:clrMapOvr>
+</p:notes>
 </file>
 
 <file path=ppt/slideLayouts/slideLayout1.xml><?xml version="1.0" encoding="utf-8"?>
@@ -4149,6 +4246,2265 @@
 </p:sld>
 </file>
 
+<file path=ppt/slides/slide10.xml><?xml version="1.0" encoding="utf-8"?>
+<p:sld xmlns:a="http://schemas.openxmlformats.org/drawingml/2006/main" xmlns:r="http://schemas.openxmlformats.org/officeDocument/2006/relationships" xmlns:p="http://schemas.openxmlformats.org/presentationml/2006/main">
+  <p:cSld>
+    <p:spTree>
+      <p:nvGrpSpPr>
+        <p:cNvPr id="1" name=""/>
+        <p:cNvGrpSpPr/>
+        <p:nvPr/>
+      </p:nvGrpSpPr>
+      <p:grpSpPr>
+        <a:xfrm>
+          <a:off x="0" y="0"/>
+          <a:ext cx="0" cy="0"/>
+          <a:chOff x="0" y="0"/>
+          <a:chExt cx="0" cy="0"/>
+        </a:xfrm>
+      </p:grpSpPr>
+      <p:sp>
+        <p:nvSpPr>
+          <p:cNvPr id="2" name="Заголовок 1"/>
+          <p:cNvSpPr>
+            <a:spLocks noGrp="1"/>
+          </p:cNvSpPr>
+          <p:nvPr>
+            <p:ph type="title"/>
+          </p:nvPr>
+        </p:nvSpPr>
+        <p:spPr/>
+        <p:txBody>
+          <a:bodyPr/>
+          <a:lstStyle/>
+          <a:p>
+            <a:pPr algn="ctr"/>
+            <a:r>
+              <a:rPr lang="ru-RU" dirty="0"/>
+              <a:t>Роботы рабочие</a:t>
+            </a:r>
+            <a:endParaRPr lang="ru-RU" dirty="0"/>
+          </a:p>
+        </p:txBody>
+      </p:sp>
+      <p:sp>
+        <p:nvSpPr>
+          <p:cNvPr id="5" name="TextBox 4"/>
+          <p:cNvSpPr txBox="1"/>
+          <p:nvPr/>
+        </p:nvSpPr>
+        <p:spPr>
+          <a:xfrm>
+            <a:off x="787400" y="1854200"/>
+            <a:ext cx="7747000" cy="3170099"/>
+          </a:xfrm>
+          <a:prstGeom prst="rect">
+            <a:avLst/>
+          </a:prstGeom>
+          <a:noFill/>
+        </p:spPr>
+        <p:txBody>
+          <a:bodyPr wrap="square" rtlCol="0">
+            <a:spAutoFit/>
+          </a:bodyPr>
+          <a:lstStyle/>
+          <a:p>
+            <a:r>
+              <a:rPr lang="ru-RU" dirty="0" smtClean="0"/>
+              <a:t>В </a:t>
+            </a:r>
+            <a:r>
+              <a:rPr lang="ru-RU" dirty="0"/>
+              <a:t>качестве оборудования роботов-рабочих необходимо предусмотреть:</a:t>
+            </a:r>
+            <a:endParaRPr lang="en-US" dirty="0"/>
+          </a:p>
+          <a:p>
+            <a:pPr marL="342900" lvl="0" indent="-342900">
+              <a:buFont typeface="Arial" panose="020B0604020202020204" pitchFamily="34" charset="0"/>
+              <a:buChar char="•"/>
+            </a:pPr>
+            <a:r>
+              <a:rPr lang="en-US" dirty="0" err="1" smtClean="0"/>
+              <a:t>мощные</a:t>
+            </a:r>
+            <a:r>
+              <a:rPr lang="en-US" dirty="0" smtClean="0"/>
+              <a:t> </a:t>
+            </a:r>
+            <a:r>
+              <a:rPr lang="en-US" dirty="0" err="1" smtClean="0"/>
+              <a:t>прожекторы</a:t>
+            </a:r>
+            <a:endParaRPr lang="en-US" dirty="0"/>
+          </a:p>
+          <a:p>
+            <a:pPr marL="342900" lvl="0" indent="-342900">
+              <a:buFont typeface="Arial" panose="020B0604020202020204" pitchFamily="34" charset="0"/>
+              <a:buChar char="•"/>
+            </a:pPr>
+            <a:r>
+              <a:rPr lang="ru-RU" dirty="0"/>
+              <a:t>средства </a:t>
+            </a:r>
+            <a:r>
+              <a:rPr lang="ru-RU" dirty="0" smtClean="0"/>
+              <a:t>пожаротушения</a:t>
+            </a:r>
+          </a:p>
+          <a:p>
+            <a:pPr marL="342900" lvl="0" indent="-342900">
+              <a:buFont typeface="Arial" panose="020B0604020202020204" pitchFamily="34" charset="0"/>
+              <a:buChar char="•"/>
+            </a:pPr>
+            <a:r>
+              <a:rPr lang="ru-RU" dirty="0" err="1" smtClean="0"/>
+              <a:t>пеногенераторы</a:t>
+            </a:r>
+            <a:r>
+              <a:rPr lang="ru-RU" dirty="0" smtClean="0"/>
+              <a:t> с запасом порошка</a:t>
+            </a:r>
+          </a:p>
+          <a:p>
+            <a:pPr marL="342900" lvl="0" indent="-342900">
+              <a:buFont typeface="Arial" panose="020B0604020202020204" pitchFamily="34" charset="0"/>
+              <a:buChar char="•"/>
+            </a:pPr>
+            <a:r>
+              <a:rPr lang="en-US" dirty="0" err="1" smtClean="0"/>
+              <a:t>мощны</a:t>
+            </a:r>
+            <a:r>
+              <a:rPr lang="ru-RU" dirty="0" smtClean="0"/>
+              <a:t>е</a:t>
+            </a:r>
+            <a:r>
+              <a:rPr lang="en-US" dirty="0" smtClean="0"/>
+              <a:t> </a:t>
+            </a:r>
+            <a:r>
+              <a:rPr lang="en-US" dirty="0" err="1" smtClean="0"/>
+              <a:t>водяны</a:t>
+            </a:r>
+            <a:r>
+              <a:rPr lang="ru-RU" dirty="0" smtClean="0"/>
+              <a:t>е</a:t>
+            </a:r>
+            <a:r>
+              <a:rPr lang="en-US" dirty="0" smtClean="0"/>
+              <a:t> </a:t>
+            </a:r>
+            <a:r>
+              <a:rPr lang="en-US" dirty="0" err="1" smtClean="0"/>
+              <a:t>пушк</a:t>
+            </a:r>
+            <a:r>
+              <a:rPr lang="ru-RU" dirty="0" smtClean="0"/>
+              <a:t>и</a:t>
+            </a:r>
+            <a:endParaRPr lang="en-US" dirty="0"/>
+          </a:p>
+          <a:p>
+            <a:pPr marL="342900" lvl="0" indent="-342900">
+              <a:buFont typeface="Arial" panose="020B0604020202020204" pitchFamily="34" charset="0"/>
+              <a:buChar char="•"/>
+            </a:pPr>
+            <a:r>
+              <a:rPr lang="ru-RU" dirty="0"/>
+              <a:t>средства резки </a:t>
+            </a:r>
+            <a:r>
+              <a:rPr lang="ru-RU" dirty="0" smtClean="0"/>
+              <a:t>металла</a:t>
+            </a:r>
+          </a:p>
+          <a:p>
+            <a:pPr marL="342900" lvl="0" indent="-342900">
+              <a:buFont typeface="Arial" panose="020B0604020202020204" pitchFamily="34" charset="0"/>
+              <a:buChar char="•"/>
+            </a:pPr>
+            <a:r>
+              <a:rPr lang="ru-RU" dirty="0"/>
+              <a:t>мощные </a:t>
+            </a:r>
+            <a:r>
+              <a:rPr lang="ru-RU" dirty="0" smtClean="0"/>
+              <a:t>гидравлические манипуляционные системы</a:t>
+            </a:r>
+          </a:p>
+          <a:p>
+            <a:pPr marL="342900" lvl="0" indent="-342900">
+              <a:buFont typeface="Arial" panose="020B0604020202020204" pitchFamily="34" charset="0"/>
+              <a:buChar char="•"/>
+            </a:pPr>
+            <a:r>
+              <a:rPr lang="ru-RU" dirty="0" smtClean="0"/>
+              <a:t>средства </a:t>
+            </a:r>
+            <a:r>
+              <a:rPr lang="ru-RU" dirty="0"/>
+              <a:t>нагрева воды для быстрого плавления и резки льда в завалах</a:t>
+            </a:r>
+            <a:endParaRPr lang="en-US" dirty="0"/>
+          </a:p>
+        </p:txBody>
+      </p:sp>
+    </p:spTree>
+    <p:extLst>
+      <p:ext uri="{BB962C8B-B14F-4D97-AF65-F5344CB8AC3E}">
+        <p14:creationId xmlns:p14="http://schemas.microsoft.com/office/powerpoint/2010/main" val="2469754664"/>
+      </p:ext>
+    </p:extLst>
+  </p:cSld>
+  <p:clrMapOvr>
+    <a:masterClrMapping/>
+  </p:clrMapOvr>
+  <mc:AlternateContent xmlns:mc="http://schemas.openxmlformats.org/markup-compatibility/2006" xmlns:p14="http://schemas.microsoft.com/office/powerpoint/2010/main">
+    <mc:Choice Requires="p14">
+      <p:transition p14:dur="0"/>
+    </mc:Choice>
+    <mc:Fallback xmlns="">
+      <p:transition/>
+    </mc:Fallback>
+  </mc:AlternateContent>
+  <p:timing>
+    <p:tnLst>
+      <p:par>
+        <p:cTn id="1" dur="indefinite" restart="never" nodeType="tmRoot"/>
+      </p:par>
+    </p:tnLst>
+  </p:timing>
+</p:sld>
+</file>
+
+<file path=ppt/slides/slide11.xml><?xml version="1.0" encoding="utf-8"?>
+<p:sld xmlns:a="http://schemas.openxmlformats.org/drawingml/2006/main" xmlns:r="http://schemas.openxmlformats.org/officeDocument/2006/relationships" xmlns:p="http://schemas.openxmlformats.org/presentationml/2006/main">
+  <p:cSld>
+    <p:spTree>
+      <p:nvGrpSpPr>
+        <p:cNvPr id="1" name=""/>
+        <p:cNvGrpSpPr/>
+        <p:nvPr/>
+      </p:nvGrpSpPr>
+      <p:grpSpPr>
+        <a:xfrm>
+          <a:off x="0" y="0"/>
+          <a:ext cx="0" cy="0"/>
+          <a:chOff x="0" y="0"/>
+          <a:chExt cx="0" cy="0"/>
+        </a:xfrm>
+      </p:grpSpPr>
+      <p:sp>
+        <p:nvSpPr>
+          <p:cNvPr id="2" name="Заголовок 1"/>
+          <p:cNvSpPr>
+            <a:spLocks noGrp="1"/>
+          </p:cNvSpPr>
+          <p:nvPr>
+            <p:ph type="title"/>
+          </p:nvPr>
+        </p:nvSpPr>
+        <p:spPr/>
+        <p:txBody>
+          <a:bodyPr/>
+          <a:lstStyle/>
+          <a:p>
+            <a:pPr algn="ctr"/>
+            <a:r>
+              <a:rPr lang="ru-RU" dirty="0" smtClean="0"/>
+              <a:t>Робот-рабочие</a:t>
+            </a:r>
+            <a:endParaRPr lang="ru-RU" dirty="0"/>
+          </a:p>
+        </p:txBody>
+      </p:sp>
+      <p:pic>
+        <p:nvPicPr>
+          <p:cNvPr id="4" name="Рисунок 3"/>
+          <p:cNvPicPr/>
+          <p:nvPr/>
+        </p:nvPicPr>
+        <p:blipFill>
+          <a:blip r:embed="rId2">
+            <a:extLst>
+              <a:ext uri="{28A0092B-C50C-407E-A947-70E740481C1C}">
+                <a14:useLocalDpi xmlns:a14="http://schemas.microsoft.com/office/drawing/2010/main" val="0"/>
+              </a:ext>
+            </a:extLst>
+          </a:blip>
+          <a:srcRect/>
+          <a:stretch>
+            <a:fillRect/>
+          </a:stretch>
+        </p:blipFill>
+        <p:spPr bwMode="auto">
+          <a:xfrm>
+            <a:off x="0" y="939801"/>
+            <a:ext cx="6823076" cy="4254499"/>
+          </a:xfrm>
+          <a:prstGeom prst="rect">
+            <a:avLst/>
+          </a:prstGeom>
+          <a:noFill/>
+          <a:ln>
+            <a:noFill/>
+          </a:ln>
+        </p:spPr>
+      </p:pic>
+      <p:sp>
+        <p:nvSpPr>
+          <p:cNvPr id="5" name="TextBox 4"/>
+          <p:cNvSpPr txBox="1"/>
+          <p:nvPr/>
+        </p:nvSpPr>
+        <p:spPr>
+          <a:xfrm>
+            <a:off x="5168900" y="4003556"/>
+            <a:ext cx="3975100" cy="2862322"/>
+          </a:xfrm>
+          <a:prstGeom prst="rect">
+            <a:avLst/>
+          </a:prstGeom>
+          <a:noFill/>
+        </p:spPr>
+        <p:txBody>
+          <a:bodyPr wrap="square" rtlCol="0">
+            <a:spAutoFit/>
+          </a:bodyPr>
+          <a:lstStyle/>
+          <a:p>
+            <a:pPr marL="342900" indent="-342900">
+              <a:buFont typeface="Arial" panose="020B0604020202020204" pitchFamily="34" charset="0"/>
+              <a:buChar char="•"/>
+            </a:pPr>
+            <a:r>
+              <a:rPr lang="ru-RU" dirty="0" smtClean="0"/>
+              <a:t>Занимают позиции</a:t>
+            </a:r>
+          </a:p>
+          <a:p>
+            <a:pPr marL="342900" indent="-342900">
+              <a:buFont typeface="Arial" panose="020B0604020202020204" pitchFamily="34" charset="0"/>
+              <a:buChar char="•"/>
+            </a:pPr>
+            <a:r>
+              <a:rPr lang="ru-RU" dirty="0" smtClean="0"/>
+              <a:t>Производят мониторинг</a:t>
+            </a:r>
+          </a:p>
+          <a:p>
+            <a:pPr marL="342900" indent="-342900">
+              <a:buFont typeface="Arial" panose="020B0604020202020204" pitchFamily="34" charset="0"/>
+              <a:buChar char="•"/>
+            </a:pPr>
+            <a:r>
+              <a:rPr lang="ru-RU" dirty="0" smtClean="0"/>
+              <a:t>Выдвигаются к препятствию</a:t>
+            </a:r>
+          </a:p>
+          <a:p>
+            <a:pPr marL="342900" indent="-342900">
+              <a:buFont typeface="Arial" panose="020B0604020202020204" pitchFamily="34" charset="0"/>
+              <a:buChar char="•"/>
+            </a:pPr>
+            <a:r>
+              <a:rPr lang="ru-RU" dirty="0" smtClean="0"/>
+              <a:t>Перераспределяются в зоне спасения</a:t>
+            </a:r>
+          </a:p>
+          <a:p>
+            <a:pPr marL="342900" indent="-342900">
+              <a:buFont typeface="Arial" panose="020B0604020202020204" pitchFamily="34" charset="0"/>
+              <a:buChar char="•"/>
+            </a:pPr>
+            <a:r>
+              <a:rPr lang="ru-RU" dirty="0" smtClean="0"/>
+              <a:t>Возвращается на пост</a:t>
+            </a:r>
+          </a:p>
+          <a:p>
+            <a:pPr marL="342900" indent="-342900">
+              <a:buFont typeface="Arial" panose="020B0604020202020204" pitchFamily="34" charset="0"/>
+              <a:buChar char="•"/>
+            </a:pPr>
+            <a:r>
+              <a:rPr lang="ru-RU" dirty="0" smtClean="0"/>
+              <a:t>Подключается к устранению препятствия</a:t>
+            </a:r>
+          </a:p>
+          <a:p>
+            <a:endParaRPr lang="en-US" dirty="0"/>
+          </a:p>
+        </p:txBody>
+      </p:sp>
+    </p:spTree>
+    <p:extLst>
+      <p:ext uri="{BB962C8B-B14F-4D97-AF65-F5344CB8AC3E}">
+        <p14:creationId xmlns:p14="http://schemas.microsoft.com/office/powerpoint/2010/main" val="3351802795"/>
+      </p:ext>
+    </p:extLst>
+  </p:cSld>
+  <p:clrMapOvr>
+    <a:masterClrMapping/>
+  </p:clrMapOvr>
+  <mc:AlternateContent xmlns:mc="http://schemas.openxmlformats.org/markup-compatibility/2006" xmlns:p14="http://schemas.microsoft.com/office/powerpoint/2010/main">
+    <mc:Choice Requires="p14">
+      <p:transition p14:dur="0"/>
+    </mc:Choice>
+    <mc:Fallback xmlns="">
+      <p:transition/>
+    </mc:Fallback>
+  </mc:AlternateContent>
+  <p:timing>
+    <p:tnLst>
+      <p:par>
+        <p:cTn id="1" dur="indefinite" restart="never" nodeType="tmRoot"/>
+      </p:par>
+    </p:tnLst>
+  </p:timing>
+</p:sld>
+</file>
+
+<file path=ppt/slides/slide12.xml><?xml version="1.0" encoding="utf-8"?>
+<p:sld xmlns:a="http://schemas.openxmlformats.org/drawingml/2006/main" xmlns:r="http://schemas.openxmlformats.org/officeDocument/2006/relationships" xmlns:p="http://schemas.openxmlformats.org/presentationml/2006/main">
+  <p:cSld>
+    <p:spTree>
+      <p:nvGrpSpPr>
+        <p:cNvPr id="1" name=""/>
+        <p:cNvGrpSpPr/>
+        <p:nvPr/>
+      </p:nvGrpSpPr>
+      <p:grpSpPr>
+        <a:xfrm>
+          <a:off x="0" y="0"/>
+          <a:ext cx="0" cy="0"/>
+          <a:chOff x="0" y="0"/>
+          <a:chExt cx="0" cy="0"/>
+        </a:xfrm>
+      </p:grpSpPr>
+      <p:sp>
+        <p:nvSpPr>
+          <p:cNvPr id="2" name="Заголовок 1"/>
+          <p:cNvSpPr>
+            <a:spLocks noGrp="1"/>
+          </p:cNvSpPr>
+          <p:nvPr>
+            <p:ph type="title"/>
+          </p:nvPr>
+        </p:nvSpPr>
+        <p:spPr/>
+        <p:txBody>
+          <a:bodyPr/>
+          <a:lstStyle/>
+          <a:p>
+            <a:pPr algn="ctr"/>
+            <a:r>
+              <a:rPr lang="ru-RU" dirty="0"/>
+              <a:t>Роботы-перегрузчики </a:t>
+            </a:r>
+            <a:endParaRPr lang="ru-RU" dirty="0"/>
+          </a:p>
+        </p:txBody>
+      </p:sp>
+      <p:sp>
+        <p:nvSpPr>
+          <p:cNvPr id="3" name="Прямоугольник 2"/>
+          <p:cNvSpPr/>
+          <p:nvPr/>
+        </p:nvSpPr>
+        <p:spPr>
+          <a:xfrm>
+            <a:off x="457200" y="1511300"/>
+            <a:ext cx="8343900" cy="3477875"/>
+          </a:xfrm>
+          <a:prstGeom prst="rect">
+            <a:avLst/>
+          </a:prstGeom>
+        </p:spPr>
+        <p:txBody>
+          <a:bodyPr wrap="square">
+            <a:spAutoFit/>
+          </a:bodyPr>
+          <a:lstStyle/>
+          <a:p>
+            <a:pPr marL="342900" lvl="0" indent="-342900">
+              <a:buFont typeface="Arial" panose="020B0604020202020204" pitchFamily="34" charset="0"/>
+              <a:buChar char="•"/>
+            </a:pPr>
+            <a:r>
+              <a:rPr lang="ru-RU" dirty="0"/>
+              <a:t>робот-мост. Представляет собой выдвижной трап на мобильной платформе, цель которого соединить место, на котором находится спасаемый с бортом транспортного робота</a:t>
+            </a:r>
+            <a:r>
+              <a:rPr lang="ru-RU" dirty="0" smtClean="0"/>
+              <a:t>;</a:t>
+            </a:r>
+          </a:p>
+          <a:p>
+            <a:pPr marL="342900" lvl="0" indent="-342900">
+              <a:buFont typeface="Arial" panose="020B0604020202020204" pitchFamily="34" charset="0"/>
+              <a:buChar char="•"/>
+            </a:pPr>
+            <a:endParaRPr lang="en-US" dirty="0"/>
+          </a:p>
+          <a:p>
+            <a:pPr marL="342900" lvl="0" indent="-342900">
+              <a:buFont typeface="Arial" panose="020B0604020202020204" pitchFamily="34" charset="0"/>
+              <a:buChar char="•"/>
+            </a:pPr>
+            <a:r>
+              <a:rPr lang="ru-RU" dirty="0"/>
+              <a:t>робот-подъемник представляет собой подъемник на мобильной платформе, люди переходят на подъемник и он снимает их с борта терпящей бедствие платформы</a:t>
+            </a:r>
+            <a:r>
+              <a:rPr lang="ru-RU" dirty="0" smtClean="0"/>
+              <a:t>;</a:t>
+            </a:r>
+          </a:p>
+          <a:p>
+            <a:pPr marL="342900" lvl="0" indent="-342900">
+              <a:buFont typeface="Arial" panose="020B0604020202020204" pitchFamily="34" charset="0"/>
+              <a:buChar char="•"/>
+            </a:pPr>
+            <a:endParaRPr lang="en-US" dirty="0"/>
+          </a:p>
+          <a:p>
+            <a:pPr marL="342900" lvl="0" indent="-342900">
+              <a:buFont typeface="Arial" panose="020B0604020202020204" pitchFamily="34" charset="0"/>
+              <a:buChar char="•"/>
+            </a:pPr>
+            <a:r>
+              <a:rPr lang="ru-RU" dirty="0"/>
+              <a:t>робот-транспортёр (робот-эвакуатор). Представляет собой транспортное средство для перемещения спасаемых, от места нахождения до транспортного робота.</a:t>
+            </a:r>
+            <a:endParaRPr lang="en-US" dirty="0"/>
+          </a:p>
+        </p:txBody>
+      </p:sp>
+    </p:spTree>
+    <p:extLst>
+      <p:ext uri="{BB962C8B-B14F-4D97-AF65-F5344CB8AC3E}">
+        <p14:creationId xmlns:p14="http://schemas.microsoft.com/office/powerpoint/2010/main" val="2469754664"/>
+      </p:ext>
+    </p:extLst>
+  </p:cSld>
+  <p:clrMapOvr>
+    <a:masterClrMapping/>
+  </p:clrMapOvr>
+  <mc:AlternateContent xmlns:mc="http://schemas.openxmlformats.org/markup-compatibility/2006" xmlns:p14="http://schemas.microsoft.com/office/powerpoint/2010/main">
+    <mc:Choice Requires="p14">
+      <p:transition p14:dur="0"/>
+    </mc:Choice>
+    <mc:Fallback xmlns="">
+      <p:transition/>
+    </mc:Fallback>
+  </mc:AlternateContent>
+  <p:timing>
+    <p:tnLst>
+      <p:par>
+        <p:cTn id="1" dur="indefinite" restart="never" nodeType="tmRoot"/>
+      </p:par>
+    </p:tnLst>
+  </p:timing>
+</p:sld>
+</file>
+
+<file path=ppt/slides/slide13.xml><?xml version="1.0" encoding="utf-8"?>
+<p:sld xmlns:a="http://schemas.openxmlformats.org/drawingml/2006/main" xmlns:r="http://schemas.openxmlformats.org/officeDocument/2006/relationships" xmlns:p="http://schemas.openxmlformats.org/presentationml/2006/main">
+  <p:cSld>
+    <p:spTree>
+      <p:nvGrpSpPr>
+        <p:cNvPr id="1" name=""/>
+        <p:cNvGrpSpPr/>
+        <p:nvPr/>
+      </p:nvGrpSpPr>
+      <p:grpSpPr>
+        <a:xfrm>
+          <a:off x="0" y="0"/>
+          <a:ext cx="0" cy="0"/>
+          <a:chOff x="0" y="0"/>
+          <a:chExt cx="0" cy="0"/>
+        </a:xfrm>
+      </p:grpSpPr>
+      <p:sp>
+        <p:nvSpPr>
+          <p:cNvPr id="2" name="Заголовок 1"/>
+          <p:cNvSpPr>
+            <a:spLocks noGrp="1"/>
+          </p:cNvSpPr>
+          <p:nvPr>
+            <p:ph type="title"/>
+          </p:nvPr>
+        </p:nvSpPr>
+        <p:spPr/>
+        <p:txBody>
+          <a:bodyPr/>
+          <a:lstStyle/>
+          <a:p>
+            <a:pPr algn="ctr"/>
+            <a:r>
+              <a:rPr lang="ru-RU" dirty="0"/>
+              <a:t>Роботы-перегрузчики </a:t>
+            </a:r>
+            <a:endParaRPr lang="ru-RU" dirty="0"/>
+          </a:p>
+        </p:txBody>
+      </p:sp>
+      <p:pic>
+        <p:nvPicPr>
+          <p:cNvPr id="4" name="Рисунок 3"/>
+          <p:cNvPicPr/>
+          <p:nvPr/>
+        </p:nvPicPr>
+        <p:blipFill>
+          <a:blip r:embed="rId2">
+            <a:extLst>
+              <a:ext uri="{28A0092B-C50C-407E-A947-70E740481C1C}">
+                <a14:useLocalDpi xmlns:a14="http://schemas.microsoft.com/office/drawing/2010/main" val="0"/>
+              </a:ext>
+            </a:extLst>
+          </a:blip>
+          <a:srcRect/>
+          <a:stretch>
+            <a:fillRect/>
+          </a:stretch>
+        </p:blipFill>
+        <p:spPr bwMode="auto">
+          <a:xfrm>
+            <a:off x="254000" y="895350"/>
+            <a:ext cx="3683000" cy="2965450"/>
+          </a:xfrm>
+          <a:prstGeom prst="rect">
+            <a:avLst/>
+          </a:prstGeom>
+          <a:noFill/>
+          <a:ln>
+            <a:noFill/>
+          </a:ln>
+        </p:spPr>
+      </p:pic>
+      <p:pic>
+        <p:nvPicPr>
+          <p:cNvPr id="1026" name="Picture 2"/>
+          <p:cNvPicPr>
+            <a:picLocks noChangeAspect="1" noChangeArrowheads="1"/>
+          </p:cNvPicPr>
+          <p:nvPr/>
+        </p:nvPicPr>
+        <p:blipFill>
+          <a:blip r:embed="rId3">
+            <a:extLst>
+              <a:ext uri="{28A0092B-C50C-407E-A947-70E740481C1C}">
+                <a14:useLocalDpi xmlns:a14="http://schemas.microsoft.com/office/drawing/2010/main" val="0"/>
+              </a:ext>
+            </a:extLst>
+          </a:blip>
+          <a:srcRect/>
+          <a:stretch>
+            <a:fillRect/>
+          </a:stretch>
+        </p:blipFill>
+        <p:spPr bwMode="auto">
+          <a:xfrm>
+            <a:off x="3937000" y="1279525"/>
+            <a:ext cx="4800600" cy="1866900"/>
+          </a:xfrm>
+          <a:prstGeom prst="rect">
+            <a:avLst/>
+          </a:prstGeom>
+          <a:noFill/>
+          <a:ln>
+            <a:noFill/>
+          </a:ln>
+          <a:extLst>
+            <a:ext uri="{909E8E84-426E-40DD-AFC4-6F175D3DCCD1}">
+              <a14:hiddenFill xmlns:a14="http://schemas.microsoft.com/office/drawing/2010/main">
+                <a:solidFill>
+                  <a:schemeClr val="accent1"/>
+                </a:solidFill>
+              </a14:hiddenFill>
+            </a:ext>
+            <a:ext uri="{91240B29-F687-4F45-9708-019B960494DF}">
+              <a14:hiddenLine xmlns:a14="http://schemas.microsoft.com/office/drawing/2010/main" w="9525">
+                <a:solidFill>
+                  <a:schemeClr val="tx1"/>
+                </a:solidFill>
+                <a:miter lim="800000"/>
+                <a:headEnd/>
+                <a:tailEnd/>
+              </a14:hiddenLine>
+            </a:ext>
+          </a:extLst>
+        </p:spPr>
+      </p:pic>
+      <p:sp>
+        <p:nvSpPr>
+          <p:cNvPr id="5" name="TextBox 4"/>
+          <p:cNvSpPr txBox="1"/>
+          <p:nvPr/>
+        </p:nvSpPr>
+        <p:spPr>
+          <a:xfrm>
+            <a:off x="1193800" y="4165600"/>
+            <a:ext cx="7670801" cy="1938992"/>
+          </a:xfrm>
+          <a:prstGeom prst="rect">
+            <a:avLst/>
+          </a:prstGeom>
+          <a:noFill/>
+        </p:spPr>
+        <p:txBody>
+          <a:bodyPr wrap="square" rtlCol="0">
+            <a:spAutoFit/>
+          </a:bodyPr>
+          <a:lstStyle/>
+          <a:p>
+            <a:pPr marL="342900" indent="-342900">
+              <a:buFont typeface="Arial" panose="020B0604020202020204" pitchFamily="34" charset="0"/>
+              <a:buChar char="•"/>
+            </a:pPr>
+            <a:r>
+              <a:rPr lang="ru-RU" dirty="0" smtClean="0"/>
+              <a:t>Занимает позицию возле путей эвакуации</a:t>
+            </a:r>
+          </a:p>
+          <a:p>
+            <a:pPr marL="342900" indent="-342900">
+              <a:buFont typeface="Arial" panose="020B0604020202020204" pitchFamily="34" charset="0"/>
+              <a:buChar char="•"/>
+            </a:pPr>
+            <a:r>
+              <a:rPr lang="ru-RU" dirty="0" smtClean="0"/>
+              <a:t>Занимает позицию возле скопления людей у борта</a:t>
+            </a:r>
+          </a:p>
+          <a:p>
+            <a:pPr marL="342900" indent="-342900">
+              <a:buFont typeface="Arial" panose="020B0604020202020204" pitchFamily="34" charset="0"/>
+              <a:buChar char="•"/>
+            </a:pPr>
+            <a:r>
+              <a:rPr lang="ru-RU" dirty="0" smtClean="0"/>
+              <a:t>Стремится оказаться у того маршрута к которому двигаются люди</a:t>
+            </a:r>
+          </a:p>
+          <a:p>
+            <a:pPr marL="342900" indent="-342900">
+              <a:buFont typeface="Arial" panose="020B0604020202020204" pitchFamily="34" charset="0"/>
+              <a:buChar char="•"/>
+            </a:pPr>
+            <a:r>
+              <a:rPr lang="ru-RU" dirty="0" smtClean="0"/>
+              <a:t>Подобрав на борт спасаемого двигается к транспортному роботу</a:t>
+            </a:r>
+            <a:endParaRPr lang="en-US" dirty="0"/>
+          </a:p>
+        </p:txBody>
+      </p:sp>
+    </p:spTree>
+    <p:extLst>
+      <p:ext uri="{BB962C8B-B14F-4D97-AF65-F5344CB8AC3E}">
+        <p14:creationId xmlns:p14="http://schemas.microsoft.com/office/powerpoint/2010/main" val="3351802795"/>
+      </p:ext>
+    </p:extLst>
+  </p:cSld>
+  <p:clrMapOvr>
+    <a:masterClrMapping/>
+  </p:clrMapOvr>
+  <mc:AlternateContent xmlns:mc="http://schemas.openxmlformats.org/markup-compatibility/2006" xmlns:p14="http://schemas.microsoft.com/office/powerpoint/2010/main">
+    <mc:Choice Requires="p14">
+      <p:transition p14:dur="0"/>
+    </mc:Choice>
+    <mc:Fallback xmlns="">
+      <p:transition/>
+    </mc:Fallback>
+  </mc:AlternateContent>
+  <p:timing>
+    <p:tnLst>
+      <p:par>
+        <p:cTn id="1" dur="indefinite" restart="never" nodeType="tmRoot"/>
+      </p:par>
+    </p:tnLst>
+  </p:timing>
+</p:sld>
+</file>
+
+<file path=ppt/slides/slide14.xml><?xml version="1.0" encoding="utf-8"?>
+<p:sld xmlns:a="http://schemas.openxmlformats.org/drawingml/2006/main" xmlns:r="http://schemas.openxmlformats.org/officeDocument/2006/relationships" xmlns:p="http://schemas.openxmlformats.org/presentationml/2006/main">
+  <p:cSld>
+    <p:spTree>
+      <p:nvGrpSpPr>
+        <p:cNvPr id="1" name=""/>
+        <p:cNvGrpSpPr/>
+        <p:nvPr/>
+      </p:nvGrpSpPr>
+      <p:grpSpPr>
+        <a:xfrm>
+          <a:off x="0" y="0"/>
+          <a:ext cx="0" cy="0"/>
+          <a:chOff x="0" y="0"/>
+          <a:chExt cx="0" cy="0"/>
+        </a:xfrm>
+      </p:grpSpPr>
+      <p:sp>
+        <p:nvSpPr>
+          <p:cNvPr id="2" name="Заголовок 1"/>
+          <p:cNvSpPr>
+            <a:spLocks noGrp="1"/>
+          </p:cNvSpPr>
+          <p:nvPr>
+            <p:ph type="title"/>
+          </p:nvPr>
+        </p:nvSpPr>
+        <p:spPr/>
+        <p:txBody>
+          <a:bodyPr/>
+          <a:lstStyle/>
+          <a:p>
+            <a:pPr algn="ctr"/>
+            <a:r>
+              <a:rPr lang="ru-RU" dirty="0" smtClean="0"/>
+              <a:t>Робот-информатор</a:t>
+            </a:r>
+            <a:endParaRPr lang="en-US" dirty="0"/>
+          </a:p>
+        </p:txBody>
+      </p:sp>
+      <p:sp>
+        <p:nvSpPr>
+          <p:cNvPr id="3" name="Прямоугольник 2"/>
+          <p:cNvSpPr/>
+          <p:nvPr/>
+        </p:nvSpPr>
+        <p:spPr>
+          <a:xfrm>
+            <a:off x="228600" y="1041400"/>
+            <a:ext cx="8763000" cy="5016758"/>
+          </a:xfrm>
+          <a:prstGeom prst="rect">
+            <a:avLst/>
+          </a:prstGeom>
+        </p:spPr>
+        <p:txBody>
+          <a:bodyPr wrap="square">
+            <a:spAutoFit/>
+          </a:bodyPr>
+          <a:lstStyle/>
+          <a:p>
+            <a:r>
+              <a:rPr lang="ru-RU" dirty="0"/>
+              <a:t>Робот-информатор представляет собой систему из звуковых устройств (громкоговорителей и динамиков), а также информационную систему, к которой можно подключиться с помощью радиосигнала</a:t>
+            </a:r>
+            <a:r>
+              <a:rPr lang="ru-RU" dirty="0" smtClean="0"/>
+              <a:t>.</a:t>
+            </a:r>
+          </a:p>
+          <a:p>
+            <a:endParaRPr lang="ru-RU" dirty="0"/>
+          </a:p>
+          <a:p>
+            <a:r>
+              <a:rPr lang="ru-RU" dirty="0" smtClean="0"/>
+              <a:t> </a:t>
+            </a:r>
+            <a:r>
+              <a:rPr lang="ru-RU" dirty="0"/>
+              <a:t>Основной задачей такой системы является информирование эвакуирующихся о состоянии платформы и маршрутах эвакуации. </a:t>
+            </a:r>
+          </a:p>
+          <a:p>
+            <a:endParaRPr lang="ru-RU" dirty="0" smtClean="0"/>
+          </a:p>
+          <a:p>
+            <a:r>
+              <a:rPr lang="ru-RU" dirty="0" smtClean="0"/>
+              <a:t>В </a:t>
+            </a:r>
+            <a:r>
+              <a:rPr lang="ru-RU" dirty="0"/>
+              <a:t>случае </a:t>
+            </a:r>
+            <a:r>
+              <a:rPr lang="ru-RU" dirty="0" smtClean="0"/>
+              <a:t>аварии:</a:t>
+            </a:r>
+          </a:p>
+          <a:p>
+            <a:pPr marL="342900" indent="-342900">
+              <a:buFont typeface="Arial" panose="020B0604020202020204" pitchFamily="34" charset="0"/>
+              <a:buChar char="•"/>
+            </a:pPr>
+            <a:r>
+              <a:rPr lang="ru-RU" dirty="0" smtClean="0"/>
+              <a:t>определит </a:t>
+            </a:r>
+            <a:r>
+              <a:rPr lang="ru-RU" dirty="0"/>
+              <a:t>местонахождение людей на </a:t>
+            </a:r>
+            <a:r>
+              <a:rPr lang="ru-RU" dirty="0" smtClean="0"/>
+              <a:t>платформе</a:t>
+            </a:r>
+          </a:p>
+          <a:p>
+            <a:pPr marL="342900" indent="-342900">
+              <a:buFont typeface="Arial" panose="020B0604020202020204" pitchFamily="34" charset="0"/>
+              <a:buChar char="•"/>
+            </a:pPr>
+            <a:r>
+              <a:rPr lang="ru-RU" dirty="0" smtClean="0"/>
+              <a:t>предупредит </a:t>
+            </a:r>
+            <a:r>
+              <a:rPr lang="ru-RU" dirty="0"/>
+              <a:t>их об опасности и проинформирует о состоянии станции звуковыми и визуальными </a:t>
+            </a:r>
+            <a:r>
+              <a:rPr lang="ru-RU" dirty="0" smtClean="0"/>
+              <a:t>средствами</a:t>
+            </a:r>
+          </a:p>
+          <a:p>
+            <a:pPr marL="342900" indent="-342900">
+              <a:buFont typeface="Arial" panose="020B0604020202020204" pitchFamily="34" charset="0"/>
+              <a:buChar char="•"/>
+            </a:pPr>
+            <a:r>
+              <a:rPr lang="ru-RU" dirty="0" smtClean="0"/>
+              <a:t>обеспечит  </a:t>
+            </a:r>
+            <a:r>
+              <a:rPr lang="ru-RU" dirty="0"/>
+              <a:t>правильный маршрут эвакуации </a:t>
+            </a:r>
+            <a:endParaRPr lang="ru-RU" dirty="0" smtClean="0"/>
+          </a:p>
+          <a:p>
+            <a:pPr marL="342900" indent="-342900">
+              <a:buFont typeface="Arial" panose="020B0604020202020204" pitchFamily="34" charset="0"/>
+              <a:buChar char="•"/>
+            </a:pPr>
+            <a:r>
+              <a:rPr lang="ru-RU" dirty="0" smtClean="0"/>
+              <a:t>обеспечит координацию </a:t>
+            </a:r>
+            <a:r>
+              <a:rPr lang="ru-RU" dirty="0"/>
+              <a:t>действий </a:t>
+            </a:r>
+            <a:r>
+              <a:rPr lang="ru-RU" dirty="0" smtClean="0"/>
+              <a:t>людей и роботов</a:t>
+            </a:r>
+          </a:p>
+          <a:p>
+            <a:pPr marL="342900" indent="-342900">
+              <a:buFont typeface="Arial" panose="020B0604020202020204" pitchFamily="34" charset="0"/>
+              <a:buChar char="•"/>
+            </a:pPr>
+            <a:r>
+              <a:rPr lang="ru-RU" dirty="0" smtClean="0"/>
+              <a:t>предупредит эвакуирующихся, </a:t>
+            </a:r>
+            <a:r>
+              <a:rPr lang="ru-RU" dirty="0"/>
+              <a:t>в случае если доступных путей эвакуации нет, направит в ту зону, где вероятнее всего робот-рабочий расчистит путь или прибудет робот-транспортер. </a:t>
+            </a:r>
+            <a:endParaRPr lang="en-US" dirty="0"/>
+          </a:p>
+        </p:txBody>
+      </p:sp>
+    </p:spTree>
+    <p:extLst>
+      <p:ext uri="{BB962C8B-B14F-4D97-AF65-F5344CB8AC3E}">
+        <p14:creationId xmlns:p14="http://schemas.microsoft.com/office/powerpoint/2010/main" val="3750091040"/>
+      </p:ext>
+    </p:extLst>
+  </p:cSld>
+  <p:clrMapOvr>
+    <a:masterClrMapping/>
+  </p:clrMapOvr>
+  <mc:AlternateContent xmlns:mc="http://schemas.openxmlformats.org/markup-compatibility/2006" xmlns:p14="http://schemas.microsoft.com/office/powerpoint/2010/main">
+    <mc:Choice Requires="p14">
+      <p:transition p14:dur="0"/>
+    </mc:Choice>
+    <mc:Fallback xmlns="">
+      <p:transition/>
+    </mc:Fallback>
+  </mc:AlternateContent>
+  <p:timing>
+    <p:tnLst>
+      <p:par>
+        <p:cTn id="1" dur="indefinite" restart="never" nodeType="tmRoot"/>
+      </p:par>
+    </p:tnLst>
+  </p:timing>
+</p:sld>
+</file>
+
+<file path=ppt/slides/slide15.xml><?xml version="1.0" encoding="utf-8"?>
+<p:sld xmlns:a="http://schemas.openxmlformats.org/drawingml/2006/main" xmlns:r="http://schemas.openxmlformats.org/officeDocument/2006/relationships" xmlns:p="http://schemas.openxmlformats.org/presentationml/2006/main">
+  <p:cSld>
+    <p:spTree>
+      <p:nvGrpSpPr>
+        <p:cNvPr id="1" name=""/>
+        <p:cNvGrpSpPr/>
+        <p:nvPr/>
+      </p:nvGrpSpPr>
+      <p:grpSpPr>
+        <a:xfrm>
+          <a:off x="0" y="0"/>
+          <a:ext cx="0" cy="0"/>
+          <a:chOff x="0" y="0"/>
+          <a:chExt cx="0" cy="0"/>
+        </a:xfrm>
+      </p:grpSpPr>
+      <p:sp>
+        <p:nvSpPr>
+          <p:cNvPr id="2" name="Заголовок 1"/>
+          <p:cNvSpPr>
+            <a:spLocks noGrp="1"/>
+          </p:cNvSpPr>
+          <p:nvPr>
+            <p:ph type="title"/>
+          </p:nvPr>
+        </p:nvSpPr>
+        <p:spPr/>
+        <p:txBody>
+          <a:bodyPr/>
+          <a:lstStyle/>
+          <a:p>
+            <a:pPr algn="ctr"/>
+            <a:r>
+              <a:rPr lang="ru-RU" dirty="0"/>
+              <a:t>Транспортные роботы</a:t>
+            </a:r>
+            <a:endParaRPr lang="ru-RU" dirty="0"/>
+          </a:p>
+        </p:txBody>
+      </p:sp>
+      <p:sp>
+        <p:nvSpPr>
+          <p:cNvPr id="4" name="Прямоугольник 3"/>
+          <p:cNvSpPr/>
+          <p:nvPr/>
+        </p:nvSpPr>
+        <p:spPr>
+          <a:xfrm>
+            <a:off x="352107" y="4189155"/>
+            <a:ext cx="8572500" cy="2554545"/>
+          </a:xfrm>
+          <a:prstGeom prst="rect">
+            <a:avLst/>
+          </a:prstGeom>
+        </p:spPr>
+        <p:txBody>
+          <a:bodyPr wrap="square">
+            <a:spAutoFit/>
+          </a:bodyPr>
+          <a:lstStyle/>
+          <a:p>
+            <a:endParaRPr lang="en-US" dirty="0"/>
+          </a:p>
+          <a:p>
+            <a:r>
+              <a:rPr lang="ru-RU" b="1" dirty="0" smtClean="0"/>
+              <a:t>Поведение </a:t>
+            </a:r>
+            <a:r>
+              <a:rPr lang="ru-RU" b="1" dirty="0"/>
+              <a:t>транспортных роботов</a:t>
+            </a:r>
+            <a:endParaRPr lang="en-US" b="1" dirty="0"/>
+          </a:p>
+          <a:p>
+            <a:pPr marL="342900" indent="-342900">
+              <a:buFont typeface="Arial" panose="020B0604020202020204" pitchFamily="34" charset="0"/>
+              <a:buChar char="•"/>
+            </a:pPr>
+            <a:r>
+              <a:rPr lang="ru-RU" dirty="0" smtClean="0"/>
+              <a:t>Робот </a:t>
+            </a:r>
+            <a:r>
+              <a:rPr lang="ru-RU" dirty="0"/>
+              <a:t>должен находиться на достаточно безопасном расстоянии </a:t>
+            </a:r>
+            <a:endParaRPr lang="ru-RU" dirty="0" smtClean="0"/>
+          </a:p>
+          <a:p>
+            <a:pPr marL="342900" indent="-342900">
+              <a:buFont typeface="Arial" panose="020B0604020202020204" pitchFamily="34" charset="0"/>
+              <a:buChar char="•"/>
+            </a:pPr>
+            <a:r>
+              <a:rPr lang="ru-RU" dirty="0" smtClean="0"/>
+              <a:t>Робот </a:t>
+            </a:r>
+            <a:r>
+              <a:rPr lang="ru-RU" dirty="0"/>
+              <a:t>должен выдвигаться навстречу </a:t>
+            </a:r>
+            <a:endParaRPr lang="ru-RU" dirty="0" smtClean="0"/>
+          </a:p>
+          <a:p>
+            <a:pPr marL="342900" indent="-342900">
+              <a:buFont typeface="Arial" panose="020B0604020202020204" pitchFamily="34" charset="0"/>
+              <a:buChar char="•"/>
+            </a:pPr>
+            <a:r>
+              <a:rPr lang="ru-RU" dirty="0"/>
+              <a:t>В</a:t>
+            </a:r>
+            <a:r>
+              <a:rPr lang="ru-RU" dirty="0" smtClean="0"/>
+              <a:t>озвращаться </a:t>
+            </a:r>
+            <a:r>
+              <a:rPr lang="ru-RU" dirty="0"/>
+              <a:t>на безопасное расстояние, после посадки </a:t>
+            </a:r>
+            <a:r>
+              <a:rPr lang="ru-RU" dirty="0" smtClean="0"/>
+              <a:t>людей</a:t>
+            </a:r>
+          </a:p>
+          <a:p>
+            <a:pPr marL="342900" indent="-342900">
+              <a:buFont typeface="Arial" panose="020B0604020202020204" pitchFamily="34" charset="0"/>
+              <a:buChar char="•"/>
+            </a:pPr>
+            <a:r>
+              <a:rPr lang="ru-RU" dirty="0" smtClean="0"/>
+              <a:t>Получая </a:t>
+            </a:r>
+            <a:r>
+              <a:rPr lang="ru-RU" dirty="0"/>
+              <a:t>сигнал об окончании спасательной операции, транспортный робот эвакуирует людей от терпящей аварию нефтяной платформы.</a:t>
+            </a:r>
+            <a:endParaRPr lang="en-US" dirty="0"/>
+          </a:p>
+        </p:txBody>
+      </p:sp>
+      <p:pic>
+        <p:nvPicPr>
+          <p:cNvPr id="5" name="Рисунок 4"/>
+          <p:cNvPicPr/>
+          <p:nvPr/>
+        </p:nvPicPr>
+        <p:blipFill>
+          <a:blip r:embed="rId2">
+            <a:extLst>
+              <a:ext uri="{28A0092B-C50C-407E-A947-70E740481C1C}">
+                <a14:useLocalDpi xmlns:a14="http://schemas.microsoft.com/office/drawing/2010/main" val="0"/>
+              </a:ext>
+            </a:extLst>
+          </a:blip>
+          <a:srcRect/>
+          <a:stretch>
+            <a:fillRect/>
+          </a:stretch>
+        </p:blipFill>
+        <p:spPr bwMode="auto">
+          <a:xfrm>
+            <a:off x="6553200" y="977394"/>
+            <a:ext cx="2371407" cy="3848606"/>
+          </a:xfrm>
+          <a:prstGeom prst="rect">
+            <a:avLst/>
+          </a:prstGeom>
+          <a:noFill/>
+          <a:ln>
+            <a:noFill/>
+          </a:ln>
+        </p:spPr>
+      </p:pic>
+      <p:sp>
+        <p:nvSpPr>
+          <p:cNvPr id="6" name="TextBox 5"/>
+          <p:cNvSpPr txBox="1"/>
+          <p:nvPr/>
+        </p:nvSpPr>
+        <p:spPr>
+          <a:xfrm>
+            <a:off x="352106" y="1028194"/>
+            <a:ext cx="6048693" cy="3477875"/>
+          </a:xfrm>
+          <a:prstGeom prst="rect">
+            <a:avLst/>
+          </a:prstGeom>
+          <a:noFill/>
+        </p:spPr>
+        <p:txBody>
+          <a:bodyPr wrap="square" rtlCol="0">
+            <a:spAutoFit/>
+          </a:bodyPr>
+          <a:lstStyle/>
+          <a:p>
+            <a:pPr marL="342900" indent="-342900">
+              <a:buFont typeface="Arial" panose="020B0604020202020204" pitchFamily="34" charset="0"/>
+              <a:buChar char="•"/>
+            </a:pPr>
+            <a:r>
+              <a:rPr lang="ru-RU" dirty="0"/>
+              <a:t>Большие тяжёлые транспортные </a:t>
+            </a:r>
+            <a:r>
+              <a:rPr lang="ru-RU" dirty="0" err="1"/>
+              <a:t>шнекоходы</a:t>
+            </a:r>
+            <a:r>
+              <a:rPr lang="ru-RU" dirty="0"/>
+              <a:t>, снабжённые 15-20 посадочными местами и системой жизнеобеспечения с расчётом на нахождение у себя людей в течение порядка трёх суток.</a:t>
+            </a:r>
+            <a:endParaRPr lang="en-US" dirty="0"/>
+          </a:p>
+          <a:p>
+            <a:pPr marL="342900" indent="-342900">
+              <a:buFont typeface="Arial" panose="020B0604020202020204" pitchFamily="34" charset="0"/>
+              <a:buChar char="•"/>
+            </a:pPr>
+            <a:r>
+              <a:rPr lang="ru-RU" dirty="0"/>
+              <a:t>Исходя из алгоритмов работы роботов-</a:t>
+            </a:r>
+            <a:r>
+              <a:rPr lang="ru-RU" dirty="0" err="1"/>
+              <a:t>перегрузчиков</a:t>
+            </a:r>
+            <a:r>
+              <a:rPr lang="ru-RU" dirty="0"/>
+              <a:t>, конструкция транспортных роботов может предусматривать специальные стыковочные капсулы</a:t>
+            </a:r>
+            <a:endParaRPr lang="en-US" dirty="0"/>
+          </a:p>
+          <a:p>
+            <a:pPr marL="342900" indent="-342900">
+              <a:buFont typeface="Arial" panose="020B0604020202020204" pitchFamily="34" charset="0"/>
+              <a:buChar char="•"/>
+            </a:pPr>
+            <a:r>
+              <a:rPr lang="ru-RU" dirty="0"/>
+              <a:t>Транспортные роботы самые сложные</a:t>
+            </a:r>
+            <a:endParaRPr lang="en-US" dirty="0"/>
+          </a:p>
+          <a:p>
+            <a:endParaRPr lang="en-US" dirty="0"/>
+          </a:p>
+        </p:txBody>
+      </p:sp>
+    </p:spTree>
+    <p:extLst>
+      <p:ext uri="{BB962C8B-B14F-4D97-AF65-F5344CB8AC3E}">
+        <p14:creationId xmlns:p14="http://schemas.microsoft.com/office/powerpoint/2010/main" val="3321594473"/>
+      </p:ext>
+    </p:extLst>
+  </p:cSld>
+  <p:clrMapOvr>
+    <a:masterClrMapping/>
+  </p:clrMapOvr>
+  <mc:AlternateContent xmlns:mc="http://schemas.openxmlformats.org/markup-compatibility/2006" xmlns:p14="http://schemas.microsoft.com/office/powerpoint/2010/main">
+    <mc:Choice Requires="p14">
+      <p:transition p14:dur="0"/>
+    </mc:Choice>
+    <mc:Fallback xmlns="">
+      <p:transition/>
+    </mc:Fallback>
+  </mc:AlternateContent>
+  <p:timing>
+    <p:tnLst>
+      <p:par>
+        <p:cTn id="1" dur="indefinite" restart="never" nodeType="tmRoot"/>
+      </p:par>
+    </p:tnLst>
+  </p:timing>
+</p:sld>
+</file>
+
+<file path=ppt/slides/slide16.xml><?xml version="1.0" encoding="utf-8"?>
+<p:sld xmlns:a="http://schemas.openxmlformats.org/drawingml/2006/main" xmlns:r="http://schemas.openxmlformats.org/officeDocument/2006/relationships" xmlns:p="http://schemas.openxmlformats.org/presentationml/2006/main">
+  <p:cSld>
+    <p:spTree>
+      <p:nvGrpSpPr>
+        <p:cNvPr id="1" name=""/>
+        <p:cNvGrpSpPr/>
+        <p:nvPr/>
+      </p:nvGrpSpPr>
+      <p:grpSpPr>
+        <a:xfrm>
+          <a:off x="0" y="0"/>
+          <a:ext cx="0" cy="0"/>
+          <a:chOff x="0" y="0"/>
+          <a:chExt cx="0" cy="0"/>
+        </a:xfrm>
+      </p:grpSpPr>
+      <p:pic>
+        <p:nvPicPr>
+          <p:cNvPr id="17410" name="Picture 12" descr="U:\FOTO_RTC\RTC\2010\на календарь\SOLNCE\ok\DSC_9957_1s-gol-travka.jpg"/>
+          <p:cNvPicPr>
+            <a:picLocks noChangeAspect="1" noChangeArrowheads="1"/>
+          </p:cNvPicPr>
+          <p:nvPr/>
+        </p:nvPicPr>
+        <p:blipFill>
+          <a:blip r:embed="rId2">
+            <a:extLst>
+              <a:ext uri="{28A0092B-C50C-407E-A947-70E740481C1C}">
+                <a14:useLocalDpi xmlns:a14="http://schemas.microsoft.com/office/drawing/2010/main" val="0"/>
+              </a:ext>
+            </a:extLst>
+          </a:blip>
+          <a:srcRect/>
+          <a:stretch>
+            <a:fillRect/>
+          </a:stretch>
+        </p:blipFill>
+        <p:spPr bwMode="auto">
+          <a:xfrm>
+            <a:off x="0" y="68263"/>
+            <a:ext cx="9144000" cy="6080125"/>
+          </a:xfrm>
+          <a:prstGeom prst="rect">
+            <a:avLst/>
+          </a:prstGeom>
+          <a:noFill/>
+          <a:ln>
+            <a:noFill/>
+          </a:ln>
+          <a:extLst>
+            <a:ext uri="{909E8E84-426E-40DD-AFC4-6F175D3DCCD1}">
+              <a14:hiddenFill xmlns:a14="http://schemas.microsoft.com/office/drawing/2010/main">
+                <a:solidFill>
+                  <a:srgbClr val="FFFFFF"/>
+                </a:solidFill>
+              </a14:hiddenFill>
+            </a:ext>
+            <a:ext uri="{91240B29-F687-4F45-9708-019B960494DF}">
+              <a14:hiddenLine xmlns:a14="http://schemas.microsoft.com/office/drawing/2010/main" w="9525">
+                <a:solidFill>
+                  <a:srgbClr val="000000"/>
+                </a:solidFill>
+                <a:miter lim="800000"/>
+                <a:headEnd/>
+                <a:tailEnd/>
+              </a14:hiddenLine>
+            </a:ext>
+          </a:extLst>
+        </p:spPr>
+      </p:pic>
+      <p:sp>
+        <p:nvSpPr>
+          <p:cNvPr id="17411" name="Rectangle 3"/>
+          <p:cNvSpPr>
+            <a:spLocks noChangeArrowheads="1"/>
+          </p:cNvSpPr>
+          <p:nvPr/>
+        </p:nvSpPr>
+        <p:spPr bwMode="ltGray">
+          <a:xfrm>
+            <a:off x="0" y="6029325"/>
+            <a:ext cx="9140825" cy="838200"/>
+          </a:xfrm>
+          <a:prstGeom prst="rect">
+            <a:avLst/>
+          </a:prstGeom>
+          <a:gradFill rotWithShape="0">
+            <a:gsLst>
+              <a:gs pos="0">
+                <a:srgbClr val="293A65"/>
+              </a:gs>
+              <a:gs pos="100000">
+                <a:srgbClr val="587DDA"/>
+              </a:gs>
+            </a:gsLst>
+            <a:lin ang="5400000" scaled="1"/>
+          </a:gradFill>
+          <a:ln>
+            <a:noFill/>
+          </a:ln>
+          <a:extLst>
+            <a:ext uri="{91240B29-F687-4F45-9708-019B960494DF}">
+              <a14:hiddenLine xmlns:a14="http://schemas.microsoft.com/office/drawing/2010/main" w="9525">
+                <a:solidFill>
+                  <a:srgbClr val="000000"/>
+                </a:solidFill>
+                <a:miter lim="800000"/>
+                <a:headEnd/>
+                <a:tailEnd/>
+              </a14:hiddenLine>
+            </a:ext>
+          </a:extLst>
+        </p:spPr>
+        <p:txBody>
+          <a:bodyPr wrap="none" lIns="92729" tIns="46364" rIns="92729" bIns="46364" anchor="ctr"/>
+          <a:lstStyle/>
+          <a:p>
+            <a:pPr algn="ctr">
+              <a:lnSpc>
+                <a:spcPct val="120000"/>
+              </a:lnSpc>
+            </a:pPr>
+            <a:r>
+              <a:rPr lang="ru-RU" sz="1000" b="1">
+                <a:solidFill>
+                  <a:schemeClr val="bg1"/>
+                </a:solidFill>
+              </a:rPr>
+              <a:t>Россия, 194064,  г. Санкт-Петербург,  Тихорецкий пр., 21</a:t>
+            </a:r>
+          </a:p>
+          <a:p>
+            <a:pPr algn="ctr">
+              <a:lnSpc>
+                <a:spcPct val="120000"/>
+              </a:lnSpc>
+            </a:pPr>
+            <a:r>
+              <a:rPr lang="ru-RU" sz="1000" b="1">
+                <a:solidFill>
+                  <a:schemeClr val="bg1"/>
+                </a:solidFill>
+              </a:rPr>
+              <a:t>тел.:  (812) 552-0110  (812) 552-1325   факс: (812) 556-3692   </a:t>
+            </a:r>
+            <a:r>
+              <a:rPr lang="en-US" sz="1000" b="1">
+                <a:solidFill>
+                  <a:schemeClr val="bg1"/>
+                </a:solidFill>
+              </a:rPr>
+              <a:t>http:</a:t>
+            </a:r>
+            <a:r>
+              <a:rPr lang="ru-RU" sz="1000" b="1">
+                <a:solidFill>
+                  <a:schemeClr val="bg1"/>
+                </a:solidFill>
+              </a:rPr>
+              <a:t>//</a:t>
+            </a:r>
+            <a:r>
+              <a:rPr lang="en-US" sz="1000" b="1">
+                <a:solidFill>
+                  <a:schemeClr val="bg1"/>
+                </a:solidFill>
+              </a:rPr>
+              <a:t>www.rtc.ru</a:t>
+            </a:r>
+            <a:r>
+              <a:rPr lang="ru-RU" sz="1000" b="1">
+                <a:solidFill>
+                  <a:schemeClr val="bg1"/>
+                </a:solidFill>
+              </a:rPr>
+              <a:t>   </a:t>
+            </a:r>
+            <a:r>
+              <a:rPr lang="en-US" sz="1000" b="1">
+                <a:solidFill>
+                  <a:schemeClr val="bg1"/>
+                </a:solidFill>
+              </a:rPr>
+              <a:t>e-mail: rtc@rtc.ru</a:t>
+            </a:r>
+            <a:endParaRPr lang="ru-RU" sz="1000" b="1">
+              <a:solidFill>
+                <a:schemeClr val="bg1"/>
+              </a:solidFill>
+            </a:endParaRPr>
+          </a:p>
+        </p:txBody>
+      </p:sp>
+      <p:sp>
+        <p:nvSpPr>
+          <p:cNvPr id="475140" name="Text Box 4"/>
+          <p:cNvSpPr txBox="1">
+            <a:spLocks noChangeArrowheads="1"/>
+          </p:cNvSpPr>
+          <p:nvPr/>
+        </p:nvSpPr>
+        <p:spPr bwMode="auto">
+          <a:xfrm>
+            <a:off x="881063" y="104775"/>
+            <a:ext cx="7694612" cy="738188"/>
+          </a:xfrm>
+          <a:prstGeom prst="rect">
+            <a:avLst/>
+          </a:prstGeom>
+          <a:noFill/>
+          <a:ln w="9525">
+            <a:noFill/>
+            <a:miter lim="800000"/>
+            <a:headEnd/>
+            <a:tailEnd/>
+          </a:ln>
+          <a:effectLst/>
+        </p:spPr>
+        <p:txBody>
+          <a:bodyPr lIns="0" tIns="35996" rIns="0" bIns="0">
+            <a:spAutoFit/>
+          </a:bodyPr>
+          <a:lstStyle/>
+          <a:p>
+            <a:pPr algn="ctr">
+              <a:spcBef>
+                <a:spcPct val="50000"/>
+              </a:spcBef>
+              <a:defRPr/>
+            </a:pPr>
+            <a:r>
+              <a:rPr lang="ru-RU" sz="1600" b="1">
+                <a:solidFill>
+                  <a:schemeClr val="bg1"/>
+                </a:solidFill>
+                <a:effectLst>
+                  <a:outerShdw blurRad="38100" dist="38100" dir="2700000" algn="tl">
+                    <a:srgbClr val="000000"/>
+                  </a:outerShdw>
+                </a:effectLst>
+              </a:rPr>
+              <a:t>Г О С У Д А Р С Т В Е Н Н Ы Й  </a:t>
+            </a:r>
+            <a:r>
+              <a:rPr lang="en-US" sz="1600" b="1">
+                <a:solidFill>
+                  <a:schemeClr val="bg1"/>
+                </a:solidFill>
+                <a:effectLst>
+                  <a:outerShdw blurRad="38100" dist="38100" dir="2700000" algn="tl">
+                    <a:srgbClr val="000000"/>
+                  </a:outerShdw>
+                </a:effectLst>
+              </a:rPr>
+              <a:t> </a:t>
+            </a:r>
+            <a:r>
+              <a:rPr lang="ru-RU" sz="1600" b="1">
+                <a:solidFill>
+                  <a:schemeClr val="bg1"/>
+                </a:solidFill>
+                <a:effectLst>
+                  <a:outerShdw blurRad="38100" dist="38100" dir="2700000" algn="tl">
+                    <a:srgbClr val="000000"/>
+                  </a:outerShdw>
+                </a:effectLst>
+              </a:rPr>
+              <a:t> </a:t>
+            </a:r>
+            <a:r>
+              <a:rPr lang="en-US" sz="1600" b="1">
+                <a:solidFill>
+                  <a:schemeClr val="bg1"/>
+                </a:solidFill>
+                <a:effectLst>
+                  <a:outerShdw blurRad="38100" dist="38100" dir="2700000" algn="tl">
+                    <a:srgbClr val="000000"/>
+                  </a:outerShdw>
+                </a:effectLst>
+              </a:rPr>
+              <a:t> </a:t>
+            </a:r>
+            <a:r>
+              <a:rPr lang="ru-RU" sz="1600" b="1">
+                <a:solidFill>
+                  <a:schemeClr val="bg1"/>
+                </a:solidFill>
+                <a:effectLst>
+                  <a:outerShdw blurRad="38100" dist="38100" dir="2700000" algn="tl">
+                    <a:srgbClr val="000000"/>
+                  </a:outerShdw>
+                </a:effectLst>
+              </a:rPr>
+              <a:t>Н А У Ч Н Ы Й  </a:t>
+            </a:r>
+            <a:r>
+              <a:rPr lang="en-US" sz="1600" b="1">
+                <a:solidFill>
+                  <a:schemeClr val="bg1"/>
+                </a:solidFill>
+                <a:effectLst>
+                  <a:outerShdw blurRad="38100" dist="38100" dir="2700000" algn="tl">
+                    <a:srgbClr val="000000"/>
+                  </a:outerShdw>
+                </a:effectLst>
+              </a:rPr>
+              <a:t> </a:t>
+            </a:r>
+            <a:r>
+              <a:rPr lang="ru-RU" sz="1600" b="1">
+                <a:solidFill>
+                  <a:schemeClr val="bg1"/>
+                </a:solidFill>
+                <a:effectLst>
+                  <a:outerShdw blurRad="38100" dist="38100" dir="2700000" algn="tl">
+                    <a:srgbClr val="000000"/>
+                  </a:outerShdw>
+                </a:effectLst>
+              </a:rPr>
+              <a:t> </a:t>
+            </a:r>
+            <a:r>
+              <a:rPr lang="en-US" sz="1600" b="1">
+                <a:solidFill>
+                  <a:schemeClr val="bg1"/>
+                </a:solidFill>
+                <a:effectLst>
+                  <a:outerShdw blurRad="38100" dist="38100" dir="2700000" algn="tl">
+                    <a:srgbClr val="000000"/>
+                  </a:outerShdw>
+                </a:effectLst>
+              </a:rPr>
+              <a:t> </a:t>
+            </a:r>
+            <a:r>
+              <a:rPr lang="ru-RU" sz="1600" b="1">
+                <a:solidFill>
+                  <a:schemeClr val="bg1"/>
+                </a:solidFill>
+                <a:effectLst>
+                  <a:outerShdw blurRad="38100" dist="38100" dir="2700000" algn="tl">
+                    <a:srgbClr val="000000"/>
+                  </a:outerShdw>
+                </a:effectLst>
+              </a:rPr>
+              <a:t> Ц Е Н Т Р </a:t>
+            </a:r>
+            <a:r>
+              <a:rPr lang="en-US" sz="1600" b="1">
+                <a:solidFill>
+                  <a:schemeClr val="bg1"/>
+                </a:solidFill>
+                <a:effectLst>
+                  <a:outerShdw blurRad="38100" dist="38100" dir="2700000" algn="tl">
+                    <a:srgbClr val="000000"/>
+                  </a:outerShdw>
+                </a:effectLst>
+              </a:rPr>
+              <a:t> </a:t>
+            </a:r>
+            <a:r>
+              <a:rPr lang="ru-RU" sz="1600" b="1">
+                <a:solidFill>
+                  <a:schemeClr val="bg1"/>
+                </a:solidFill>
+                <a:effectLst>
+                  <a:outerShdw blurRad="38100" dist="38100" dir="2700000" algn="tl">
+                    <a:srgbClr val="000000"/>
+                  </a:outerShdw>
+                </a:effectLst>
+              </a:rPr>
+              <a:t>  </a:t>
+            </a:r>
+            <a:r>
+              <a:rPr lang="en-US" sz="1600" b="1">
+                <a:solidFill>
+                  <a:schemeClr val="bg1"/>
+                </a:solidFill>
+                <a:effectLst>
+                  <a:outerShdw blurRad="38100" dist="38100" dir="2700000" algn="tl">
+                    <a:srgbClr val="000000"/>
+                  </a:outerShdw>
+                </a:effectLst>
+              </a:rPr>
+              <a:t> </a:t>
+            </a:r>
+            <a:r>
+              <a:rPr lang="ru-RU" sz="1600" b="1">
+                <a:solidFill>
+                  <a:schemeClr val="bg1"/>
+                </a:solidFill>
+                <a:effectLst>
+                  <a:outerShdw blurRad="38100" dist="38100" dir="2700000" algn="tl">
+                    <a:srgbClr val="000000"/>
+                  </a:outerShdw>
+                </a:effectLst>
+              </a:rPr>
+              <a:t>  Р О С С И И</a:t>
+            </a:r>
+          </a:p>
+          <a:p>
+            <a:pPr algn="ctr">
+              <a:lnSpc>
+                <a:spcPct val="75000"/>
+              </a:lnSpc>
+              <a:spcBef>
+                <a:spcPct val="35000"/>
+              </a:spcBef>
+              <a:defRPr/>
+            </a:pPr>
+            <a:r>
+              <a:rPr lang="ru-RU" sz="1400" b="1">
+                <a:solidFill>
+                  <a:schemeClr val="bg1"/>
+                </a:solidFill>
+                <a:effectLst>
+                  <a:outerShdw blurRad="38100" dist="38100" dir="2700000" algn="tl">
+                    <a:srgbClr val="000000"/>
+                  </a:outerShdw>
+                </a:effectLst>
+              </a:rPr>
+              <a:t>ЦЕНТРАЛЬНЫЙ  НАУЧНО-ИССЛЕДОВАТЕЛЬСКИЙ  И  ОПЫТНО-КОНСТРУКТОРСКИЙ</a:t>
+            </a:r>
+          </a:p>
+          <a:p>
+            <a:pPr algn="ctr">
+              <a:lnSpc>
+                <a:spcPct val="75000"/>
+              </a:lnSpc>
+              <a:spcBef>
+                <a:spcPct val="35000"/>
+              </a:spcBef>
+              <a:defRPr/>
+            </a:pPr>
+            <a:r>
+              <a:rPr lang="ru-RU" sz="1400" b="1">
+                <a:solidFill>
+                  <a:schemeClr val="bg1"/>
+                </a:solidFill>
+                <a:effectLst>
+                  <a:outerShdw blurRad="38100" dist="38100" dir="2700000" algn="tl">
+                    <a:srgbClr val="000000"/>
+                  </a:outerShdw>
+                </a:effectLst>
+              </a:rPr>
+              <a:t>ИНСТИТУТ   РОБОТОТЕХНИКИ   И   ТЕХНИЧЕСКОЙ   КИБЕРНЕТИКИ</a:t>
+            </a:r>
+          </a:p>
+        </p:txBody>
+      </p:sp>
+      <p:sp>
+        <p:nvSpPr>
+          <p:cNvPr id="475141" name="Rectangle 5"/>
+          <p:cNvSpPr>
+            <a:spLocks noChangeArrowheads="1"/>
+          </p:cNvSpPr>
+          <p:nvPr/>
+        </p:nvSpPr>
+        <p:spPr bwMode="ltGray">
+          <a:xfrm>
+            <a:off x="0" y="0"/>
+            <a:ext cx="9140825" cy="1144588"/>
+          </a:xfrm>
+          <a:prstGeom prst="rect">
+            <a:avLst/>
+          </a:prstGeom>
+          <a:gradFill rotWithShape="0">
+            <a:gsLst>
+              <a:gs pos="0">
+                <a:srgbClr val="587DDA">
+                  <a:gamma/>
+                  <a:shade val="46275"/>
+                  <a:invGamma/>
+                </a:srgbClr>
+              </a:gs>
+              <a:gs pos="100000">
+                <a:srgbClr val="587DDA"/>
+              </a:gs>
+            </a:gsLst>
+            <a:lin ang="5400000" scaled="1"/>
+          </a:gradFill>
+          <a:ln w="9525">
+            <a:noFill/>
+            <a:miter lim="800000"/>
+            <a:headEnd/>
+            <a:tailEnd/>
+          </a:ln>
+          <a:effectLst/>
+        </p:spPr>
+        <p:txBody>
+          <a:bodyPr wrap="none" lIns="92729" tIns="46364" rIns="92729" bIns="46364" anchor="ctr"/>
+          <a:lstStyle/>
+          <a:p>
+            <a:pPr algn="ctr">
+              <a:lnSpc>
+                <a:spcPct val="70000"/>
+              </a:lnSpc>
+              <a:defRPr/>
+            </a:pPr>
+            <a:endParaRPr lang="ru-RU" sz="3300" b="1" i="1">
+              <a:solidFill>
+                <a:schemeClr val="bg1"/>
+              </a:solidFill>
+              <a:effectLst>
+                <a:outerShdw blurRad="38100" dist="38100" dir="2700000" algn="tl">
+                  <a:srgbClr val="000000"/>
+                </a:outerShdw>
+              </a:effectLst>
+              <a:latin typeface="Times New Roman" pitchFamily="18" charset="0"/>
+            </a:endParaRPr>
+          </a:p>
+        </p:txBody>
+      </p:sp>
+      <p:sp>
+        <p:nvSpPr>
+          <p:cNvPr id="475142" name="Line 6"/>
+          <p:cNvSpPr>
+            <a:spLocks noChangeShapeType="1"/>
+          </p:cNvSpPr>
+          <p:nvPr/>
+        </p:nvSpPr>
+        <p:spPr bwMode="auto">
+          <a:xfrm>
+            <a:off x="0" y="6019800"/>
+            <a:ext cx="9144000" cy="0"/>
+          </a:xfrm>
+          <a:prstGeom prst="line">
+            <a:avLst/>
+          </a:prstGeom>
+          <a:noFill/>
+          <a:ln w="15875">
+            <a:solidFill>
+              <a:schemeClr val="bg1"/>
+            </a:solidFill>
+            <a:round/>
+            <a:headEnd/>
+            <a:tailEnd/>
+          </a:ln>
+          <a:effectLst/>
+        </p:spPr>
+        <p:txBody>
+          <a:bodyPr/>
+          <a:lstStyle/>
+          <a:p>
+            <a:pPr algn="ctr">
+              <a:defRPr/>
+            </a:pPr>
+            <a:endParaRPr lang="ru-RU" sz="1800" b="1">
+              <a:solidFill>
+                <a:srgbClr val="000099"/>
+              </a:solidFill>
+              <a:effectLst>
+                <a:outerShdw blurRad="38100" dist="38100" dir="2700000" algn="tl">
+                  <a:srgbClr val="000000">
+                    <a:alpha val="43137"/>
+                  </a:srgbClr>
+                </a:outerShdw>
+              </a:effectLst>
+              <a:latin typeface="Verdana" pitchFamily="34" charset="0"/>
+            </a:endParaRPr>
+          </a:p>
+        </p:txBody>
+      </p:sp>
+      <p:sp>
+        <p:nvSpPr>
+          <p:cNvPr id="475143" name="Line 7"/>
+          <p:cNvSpPr>
+            <a:spLocks noChangeShapeType="1"/>
+          </p:cNvSpPr>
+          <p:nvPr/>
+        </p:nvSpPr>
+        <p:spPr bwMode="auto">
+          <a:xfrm>
+            <a:off x="0" y="1143000"/>
+            <a:ext cx="9144000" cy="0"/>
+          </a:xfrm>
+          <a:prstGeom prst="line">
+            <a:avLst/>
+          </a:prstGeom>
+          <a:noFill/>
+          <a:ln w="15875">
+            <a:solidFill>
+              <a:schemeClr val="bg1"/>
+            </a:solidFill>
+            <a:round/>
+            <a:headEnd/>
+            <a:tailEnd/>
+          </a:ln>
+          <a:effectLst/>
+        </p:spPr>
+        <p:txBody>
+          <a:bodyPr/>
+          <a:lstStyle/>
+          <a:p>
+            <a:pPr algn="ctr">
+              <a:defRPr/>
+            </a:pPr>
+            <a:endParaRPr lang="ru-RU" sz="1800" b="1">
+              <a:solidFill>
+                <a:srgbClr val="000099"/>
+              </a:solidFill>
+              <a:effectLst>
+                <a:outerShdw blurRad="38100" dist="38100" dir="2700000" algn="tl">
+                  <a:srgbClr val="000000">
+                    <a:alpha val="43137"/>
+                  </a:srgbClr>
+                </a:outerShdw>
+              </a:effectLst>
+              <a:latin typeface="Verdana" pitchFamily="34" charset="0"/>
+            </a:endParaRPr>
+          </a:p>
+        </p:txBody>
+      </p:sp>
+      <p:sp>
+        <p:nvSpPr>
+          <p:cNvPr id="475144" name="Text Box 8"/>
+          <p:cNvSpPr txBox="1">
+            <a:spLocks noChangeArrowheads="1"/>
+          </p:cNvSpPr>
+          <p:nvPr/>
+        </p:nvSpPr>
+        <p:spPr bwMode="auto">
+          <a:xfrm>
+            <a:off x="474663" y="196850"/>
+            <a:ext cx="8462962" cy="242888"/>
+          </a:xfrm>
+          <a:prstGeom prst="rect">
+            <a:avLst/>
+          </a:prstGeom>
+          <a:noFill/>
+          <a:ln w="9525">
+            <a:noFill/>
+            <a:miter lim="800000"/>
+            <a:headEnd/>
+            <a:tailEnd/>
+          </a:ln>
+          <a:effectLst/>
+        </p:spPr>
+        <p:txBody>
+          <a:bodyPr lIns="0" tIns="0" rIns="0" bIns="0">
+            <a:spAutoFit/>
+          </a:bodyPr>
+          <a:lstStyle/>
+          <a:p>
+            <a:pPr algn="ctr">
+              <a:spcBef>
+                <a:spcPct val="50000"/>
+              </a:spcBef>
+              <a:defRPr/>
+            </a:pPr>
+            <a:r>
+              <a:rPr lang="ru-RU" sz="1600" b="1">
+                <a:solidFill>
+                  <a:schemeClr val="bg1"/>
+                </a:solidFill>
+                <a:effectLst>
+                  <a:outerShdw blurRad="38100" dist="38100" dir="2700000" algn="tl">
+                    <a:srgbClr val="000000"/>
+                  </a:outerShdw>
+                </a:effectLst>
+              </a:rPr>
+              <a:t>Г О С У Д А Р С Т В Е Н Н Ы Й  </a:t>
+            </a:r>
+            <a:r>
+              <a:rPr lang="en-US" sz="1600" b="1">
+                <a:solidFill>
+                  <a:schemeClr val="bg1"/>
+                </a:solidFill>
+                <a:effectLst>
+                  <a:outerShdw blurRad="38100" dist="38100" dir="2700000" algn="tl">
+                    <a:srgbClr val="000000"/>
+                  </a:outerShdw>
+                </a:effectLst>
+              </a:rPr>
+              <a:t> </a:t>
+            </a:r>
+            <a:r>
+              <a:rPr lang="ru-RU" sz="1600" b="1">
+                <a:solidFill>
+                  <a:schemeClr val="bg1"/>
+                </a:solidFill>
+                <a:effectLst>
+                  <a:outerShdw blurRad="38100" dist="38100" dir="2700000" algn="tl">
+                    <a:srgbClr val="000000"/>
+                  </a:outerShdw>
+                </a:effectLst>
+              </a:rPr>
+              <a:t> </a:t>
+            </a:r>
+            <a:r>
+              <a:rPr lang="en-US" sz="1600" b="1">
+                <a:solidFill>
+                  <a:schemeClr val="bg1"/>
+                </a:solidFill>
+                <a:effectLst>
+                  <a:outerShdw blurRad="38100" dist="38100" dir="2700000" algn="tl">
+                    <a:srgbClr val="000000"/>
+                  </a:outerShdw>
+                </a:effectLst>
+              </a:rPr>
+              <a:t> </a:t>
+            </a:r>
+            <a:r>
+              <a:rPr lang="ru-RU" sz="1600" b="1">
+                <a:solidFill>
+                  <a:schemeClr val="bg1"/>
+                </a:solidFill>
+                <a:effectLst>
+                  <a:outerShdw blurRad="38100" dist="38100" dir="2700000" algn="tl">
+                    <a:srgbClr val="000000"/>
+                  </a:outerShdw>
+                </a:effectLst>
+              </a:rPr>
+              <a:t>Н А У Ч Н Ы Й  </a:t>
+            </a:r>
+            <a:r>
+              <a:rPr lang="en-US" sz="1600" b="1">
+                <a:solidFill>
+                  <a:schemeClr val="bg1"/>
+                </a:solidFill>
+                <a:effectLst>
+                  <a:outerShdw blurRad="38100" dist="38100" dir="2700000" algn="tl">
+                    <a:srgbClr val="000000"/>
+                  </a:outerShdw>
+                </a:effectLst>
+              </a:rPr>
+              <a:t> </a:t>
+            </a:r>
+            <a:r>
+              <a:rPr lang="ru-RU" sz="1600" b="1">
+                <a:solidFill>
+                  <a:schemeClr val="bg1"/>
+                </a:solidFill>
+                <a:effectLst>
+                  <a:outerShdw blurRad="38100" dist="38100" dir="2700000" algn="tl">
+                    <a:srgbClr val="000000"/>
+                  </a:outerShdw>
+                </a:effectLst>
+              </a:rPr>
+              <a:t> </a:t>
+            </a:r>
+            <a:r>
+              <a:rPr lang="en-US" sz="1600" b="1">
+                <a:solidFill>
+                  <a:schemeClr val="bg1"/>
+                </a:solidFill>
+                <a:effectLst>
+                  <a:outerShdw blurRad="38100" dist="38100" dir="2700000" algn="tl">
+                    <a:srgbClr val="000000"/>
+                  </a:outerShdw>
+                </a:effectLst>
+              </a:rPr>
+              <a:t> </a:t>
+            </a:r>
+            <a:r>
+              <a:rPr lang="ru-RU" sz="1600" b="1">
+                <a:solidFill>
+                  <a:schemeClr val="bg1"/>
+                </a:solidFill>
+                <a:effectLst>
+                  <a:outerShdw blurRad="38100" dist="38100" dir="2700000" algn="tl">
+                    <a:srgbClr val="000000"/>
+                  </a:outerShdw>
+                </a:effectLst>
+              </a:rPr>
+              <a:t> Ц Е Н Т Р </a:t>
+            </a:r>
+            <a:r>
+              <a:rPr lang="en-US" sz="1600" b="1">
+                <a:solidFill>
+                  <a:schemeClr val="bg1"/>
+                </a:solidFill>
+                <a:effectLst>
+                  <a:outerShdw blurRad="38100" dist="38100" dir="2700000" algn="tl">
+                    <a:srgbClr val="000000"/>
+                  </a:outerShdw>
+                </a:effectLst>
+              </a:rPr>
+              <a:t> </a:t>
+            </a:r>
+            <a:r>
+              <a:rPr lang="ru-RU" sz="1600" b="1">
+                <a:solidFill>
+                  <a:schemeClr val="bg1"/>
+                </a:solidFill>
+                <a:effectLst>
+                  <a:outerShdw blurRad="38100" dist="38100" dir="2700000" algn="tl">
+                    <a:srgbClr val="000000"/>
+                  </a:outerShdw>
+                </a:effectLst>
+              </a:rPr>
+              <a:t>  </a:t>
+            </a:r>
+            <a:r>
+              <a:rPr lang="en-US" sz="1600" b="1">
+                <a:solidFill>
+                  <a:schemeClr val="bg1"/>
+                </a:solidFill>
+                <a:effectLst>
+                  <a:outerShdw blurRad="38100" dist="38100" dir="2700000" algn="tl">
+                    <a:srgbClr val="000000"/>
+                  </a:outerShdw>
+                </a:effectLst>
+              </a:rPr>
+              <a:t> </a:t>
+            </a:r>
+            <a:r>
+              <a:rPr lang="ru-RU" sz="1600" b="1">
+                <a:solidFill>
+                  <a:schemeClr val="bg1"/>
+                </a:solidFill>
+                <a:effectLst>
+                  <a:outerShdw blurRad="38100" dist="38100" dir="2700000" algn="tl">
+                    <a:srgbClr val="000000"/>
+                  </a:outerShdw>
+                </a:effectLst>
+              </a:rPr>
+              <a:t>  Р О С С И И</a:t>
+            </a:r>
+          </a:p>
+        </p:txBody>
+      </p:sp>
+      <p:sp>
+        <p:nvSpPr>
+          <p:cNvPr id="475145" name="Text Box 9"/>
+          <p:cNvSpPr txBox="1">
+            <a:spLocks noChangeArrowheads="1"/>
+          </p:cNvSpPr>
+          <p:nvPr/>
+        </p:nvSpPr>
+        <p:spPr bwMode="auto">
+          <a:xfrm>
+            <a:off x="727075" y="455613"/>
+            <a:ext cx="7988300" cy="430212"/>
+          </a:xfrm>
+          <a:prstGeom prst="rect">
+            <a:avLst/>
+          </a:prstGeom>
+          <a:noFill/>
+          <a:ln w="9525">
+            <a:noFill/>
+            <a:miter lim="800000"/>
+            <a:headEnd/>
+            <a:tailEnd/>
+          </a:ln>
+          <a:effectLst/>
+        </p:spPr>
+        <p:txBody>
+          <a:bodyPr lIns="0" tIns="36000" rIns="0" bIns="0">
+            <a:spAutoFit/>
+          </a:bodyPr>
+          <a:lstStyle/>
+          <a:p>
+            <a:pPr algn="ctr">
+              <a:lnSpc>
+                <a:spcPct val="75000"/>
+              </a:lnSpc>
+              <a:spcBef>
+                <a:spcPct val="35000"/>
+              </a:spcBef>
+              <a:defRPr/>
+            </a:pPr>
+            <a:r>
+              <a:rPr lang="ru-RU" sz="1400" b="1" dirty="0">
+                <a:solidFill>
+                  <a:schemeClr val="bg1"/>
+                </a:solidFill>
+                <a:effectLst>
+                  <a:outerShdw blurRad="38100" dist="38100" dir="2700000" algn="tl">
+                    <a:srgbClr val="000000"/>
+                  </a:outerShdw>
+                </a:effectLst>
+              </a:rPr>
+              <a:t>ЦЕНТРАЛЬНЫЙ  НАУЧНО-ИССЛЕДОВАТЕЛЬСКИЙ  И  ОПЫТНО-КОНСТРУКТОРСКИЙ</a:t>
+            </a:r>
+          </a:p>
+          <a:p>
+            <a:pPr algn="ctr">
+              <a:lnSpc>
+                <a:spcPct val="75000"/>
+              </a:lnSpc>
+              <a:spcBef>
+                <a:spcPct val="35000"/>
+              </a:spcBef>
+              <a:defRPr/>
+            </a:pPr>
+            <a:r>
+              <a:rPr lang="ru-RU" sz="1400" b="1" dirty="0">
+                <a:solidFill>
+                  <a:schemeClr val="bg1"/>
+                </a:solidFill>
+                <a:effectLst>
+                  <a:outerShdw blurRad="38100" dist="38100" dir="2700000" algn="tl">
+                    <a:srgbClr val="000000"/>
+                  </a:outerShdw>
+                </a:effectLst>
+              </a:rPr>
+              <a:t>ИНСТИТУТ   РОБОТОТЕХНИКИ   И   ТЕХНИЧЕСКОЙ   КИБЕРНЕТИКИ</a:t>
+            </a:r>
+          </a:p>
+        </p:txBody>
+      </p:sp>
+      <p:pic>
+        <p:nvPicPr>
+          <p:cNvPr id="17418" name="Picture 10" descr="RTC-2007"/>
+          <p:cNvPicPr>
+            <a:picLocks noChangeAspect="1" noChangeArrowheads="1"/>
+          </p:cNvPicPr>
+          <p:nvPr/>
+        </p:nvPicPr>
+        <p:blipFill>
+          <a:blip r:embed="rId3" cstate="print">
+            <a:extLst>
+              <a:ext uri="{28A0092B-C50C-407E-A947-70E740481C1C}">
+                <a14:useLocalDpi xmlns:a14="http://schemas.microsoft.com/office/drawing/2010/main" val="0"/>
+              </a:ext>
+            </a:extLst>
+          </a:blip>
+          <a:srcRect/>
+          <a:stretch>
+            <a:fillRect/>
+          </a:stretch>
+        </p:blipFill>
+        <p:spPr bwMode="auto">
+          <a:xfrm>
+            <a:off x="241300" y="223838"/>
+            <a:ext cx="376238" cy="750887"/>
+          </a:xfrm>
+          <a:prstGeom prst="rect">
+            <a:avLst/>
+          </a:prstGeom>
+          <a:noFill/>
+          <a:ln>
+            <a:noFill/>
+          </a:ln>
+          <a:extLst>
+            <a:ext uri="{909E8E84-426E-40DD-AFC4-6F175D3DCCD1}">
+              <a14:hiddenFill xmlns:a14="http://schemas.microsoft.com/office/drawing/2010/main">
+                <a:solidFill>
+                  <a:srgbClr val="FFFFFF"/>
+                </a:solidFill>
+              </a14:hiddenFill>
+            </a:ext>
+            <a:ext uri="{91240B29-F687-4F45-9708-019B960494DF}">
+              <a14:hiddenLine xmlns:a14="http://schemas.microsoft.com/office/drawing/2010/main" w="9525">
+                <a:solidFill>
+                  <a:srgbClr val="000000"/>
+                </a:solidFill>
+                <a:miter lim="800000"/>
+                <a:headEnd/>
+                <a:tailEnd/>
+              </a14:hiddenLine>
+            </a:ext>
+          </a:extLst>
+        </p:spPr>
+      </p:pic>
+    </p:spTree>
+  </p:cSld>
+  <p:clrMapOvr>
+    <a:masterClrMapping/>
+  </p:clrMapOvr>
+  <mc:AlternateContent xmlns:mc="http://schemas.openxmlformats.org/markup-compatibility/2006" xmlns:p14="http://schemas.microsoft.com/office/powerpoint/2010/main">
+    <mc:Choice Requires="p14">
+      <p:transition p14:dur="0"/>
+    </mc:Choice>
+    <mc:Fallback xmlns="">
+      <p:transition/>
+    </mc:Fallback>
+  </mc:AlternateContent>
+  <p:timing>
+    <p:tnLst>
+      <p:par>
+        <p:cTn id="1" dur="indefinite" restart="never" nodeType="tmRoot"/>
+      </p:par>
+    </p:tnLst>
+  </p:timing>
+</p:sld>
+</file>
+
 <file path=ppt/slides/slide2.xml><?xml version="1.0" encoding="utf-8"?>
 <p:sld xmlns:a="http://schemas.openxmlformats.org/drawingml/2006/main" xmlns:r="http://schemas.openxmlformats.org/officeDocument/2006/relationships" xmlns:p="http://schemas.openxmlformats.org/presentationml/2006/main">
   <p:cSld>
@@ -4500,7 +6856,7 @@
         </p:nvGraphicFramePr>
         <p:xfrm>
           <a:off x="152401" y="902844"/>
-          <a:ext cx="6057899" cy="5853561"/>
+          <a:ext cx="6057899" cy="6240780"/>
         </p:xfrm>
         <a:graphic>
           <a:graphicData uri="http://schemas.openxmlformats.org/drawingml/2006/table">
@@ -6292,11 +8648,11 @@
   <p:clrMapOvr>
     <a:masterClrMapping/>
   </p:clrMapOvr>
-  <mc:AlternateContent xmlns:mc="http://schemas.openxmlformats.org/markup-compatibility/2006">
-    <mc:Choice xmlns:p14="http://schemas.microsoft.com/office/powerpoint/2010/main" Requires="p14">
+  <mc:AlternateContent xmlns:mc="http://schemas.openxmlformats.org/markup-compatibility/2006" xmlns:p14="http://schemas.microsoft.com/office/powerpoint/2010/main">
+    <mc:Choice Requires="p14">
       <p:transition p14:dur="10"/>
     </mc:Choice>
-    <mc:Fallback>
+    <mc:Fallback xmlns="">
       <p:transition/>
     </mc:Fallback>
   </mc:AlternateContent>
@@ -6408,13 +8764,8 @@
             </a:r>
             <a:r>
               <a:rPr lang="ru-RU" sz="1800" dirty="0" smtClean="0"/>
-              <a:t>роботами</a:t>
-            </a:r>
-            <a:r>
-              <a:rPr lang="ru-RU" sz="1800" dirty="0" smtClean="0"/>
-              <a:t>;</a:t>
-            </a:r>
-            <a:endParaRPr lang="ru-RU" sz="1800" dirty="0" smtClean="0"/>
+              <a:t>роботами;</a:t>
+            </a:r>
           </a:p>
           <a:p>
             <a:pPr marL="285750" indent="-285750" algn="just">
@@ -6434,13 +8785,8 @@
             </a:r>
             <a:r>
               <a:rPr lang="ru-RU" sz="1800" dirty="0" smtClean="0"/>
-              <a:t>олее высокая скорость выполнения задания за счет выделения подцелей и распределения их между роботами</a:t>
-            </a:r>
-            <a:r>
-              <a:rPr lang="ru-RU" sz="1800" dirty="0" smtClean="0"/>
-              <a:t>;</a:t>
-            </a:r>
-            <a:endParaRPr lang="ru-RU" sz="1800" dirty="0" smtClean="0"/>
+              <a:t>олее высокая скорость выполнения задания за счет выделения подцелей и распределения их между роботами;</a:t>
+            </a:r>
           </a:p>
           <a:p>
             <a:pPr marL="285750" indent="-285750" algn="just">
@@ -6458,7 +8804,6 @@
               <a:rPr lang="ru-RU" sz="1800" dirty="0" smtClean="0"/>
               <a:t>устойчивость к динамически меняющимся условиям окружающей среды, за счет избыточности;</a:t>
             </a:r>
-            <a:endParaRPr lang="ru-RU" sz="1800" dirty="0" smtClean="0"/>
           </a:p>
           <a:p>
             <a:pPr marL="285750" indent="-285750" algn="just">
@@ -6757,12 +9102,12 @@
           <a:bodyPr/>
           <a:lstStyle/>
           <a:p>
-            <a:pPr algn="ctr"/>
-            <a:r>
-              <a:rPr lang="ru-RU" dirty="0" smtClean="0"/>
-              <a:t>Индивидуальный план</a:t>
-            </a:r>
-            <a:endParaRPr lang="ru-RU" dirty="0"/>
+            <a:pPr lvl="0" algn="ctr"/>
+            <a:r>
+              <a:rPr lang="ru-RU" dirty="0"/>
+              <a:t>Состав группировки роботов</a:t>
+            </a:r>
+            <a:endParaRPr lang="en-US" dirty="0"/>
           </a:p>
         </p:txBody>
       </p:sp>
@@ -6775,7 +9120,7 @@
         <p:spPr>
           <a:xfrm>
             <a:off x="533400" y="1320800"/>
-            <a:ext cx="8051800" cy="4154984"/>
+            <a:ext cx="8051800" cy="2677656"/>
           </a:xfrm>
           <a:prstGeom prst="rect">
             <a:avLst/>
@@ -6788,60 +9133,102 @@
           </a:bodyPr>
           <a:lstStyle/>
           <a:p>
-            <a:pPr algn="just"/>
+            <a:r>
+              <a:rPr lang="ru-RU" sz="2400" dirty="0"/>
+              <a:t>Группировка роботов спасателей должна включать в себя:</a:t>
+            </a:r>
+            <a:endParaRPr lang="en-US" sz="2400" dirty="0"/>
+          </a:p>
+          <a:p>
+            <a:pPr marL="342900" lvl="0" indent="-342900">
+              <a:buFont typeface="Arial" panose="020B0604020202020204" pitchFamily="34" charset="0"/>
+              <a:buChar char="•"/>
+            </a:pPr>
+            <a:r>
+              <a:rPr lang="ru-RU" sz="2400" dirty="0"/>
+              <a:t>роботов мониторов/разведчиков;</a:t>
+            </a:r>
+            <a:endParaRPr lang="en-US" sz="2400" dirty="0"/>
+          </a:p>
+          <a:p>
+            <a:pPr marL="342900" lvl="0" indent="-342900">
+              <a:buFont typeface="Arial" panose="020B0604020202020204" pitchFamily="34" charset="0"/>
+              <a:buChar char="•"/>
+            </a:pPr>
+            <a:r>
+              <a:rPr lang="ru-RU" sz="2400" dirty="0"/>
+              <a:t>роботов-</a:t>
+            </a:r>
+            <a:r>
+              <a:rPr lang="en-US" sz="2400" dirty="0" err="1"/>
+              <a:t>рабочи</a:t>
+            </a:r>
+            <a:r>
+              <a:rPr lang="ru-RU" sz="2400" dirty="0"/>
+              <a:t>х</a:t>
+            </a:r>
+            <a:r>
+              <a:rPr lang="en-US" sz="2400" dirty="0"/>
+              <a:t>;</a:t>
+            </a:r>
+          </a:p>
+          <a:p>
+            <a:pPr marL="342900" lvl="0" indent="-342900">
+              <a:buFont typeface="Arial" panose="020B0604020202020204" pitchFamily="34" charset="0"/>
+              <a:buChar char="•"/>
+            </a:pPr>
             <a:r>
               <a:rPr lang="ru-RU" sz="2400" dirty="0" smtClean="0"/>
-              <a:t>Первый год:</a:t>
-            </a:r>
-          </a:p>
-          <a:p>
-            <a:pPr marL="342900" indent="-342900" algn="just">
-              <a:buFont typeface="Arial" pitchFamily="34" charset="0"/>
+              <a:t>р</a:t>
+            </a:r>
+            <a:r>
+              <a:rPr lang="ru-RU" sz="2400" dirty="0"/>
+              <a:t>о</a:t>
+            </a:r>
+            <a:r>
+              <a:rPr lang="ru-RU" sz="2400" dirty="0" smtClean="0"/>
+              <a:t>ботов-</a:t>
+            </a:r>
+            <a:r>
+              <a:rPr lang="en-US" sz="2400" dirty="0" err="1"/>
+              <a:t>перегрузчик</a:t>
+            </a:r>
+            <a:r>
+              <a:rPr lang="ru-RU" sz="2400" dirty="0" err="1"/>
+              <a:t>ов</a:t>
+            </a:r>
+            <a:r>
+              <a:rPr lang="en-US" sz="2400" dirty="0" smtClean="0"/>
+              <a:t>;</a:t>
+            </a:r>
+          </a:p>
+          <a:p>
+            <a:pPr marL="342900" lvl="0" indent="-342900">
+              <a:buFont typeface="Arial" panose="020B0604020202020204" pitchFamily="34" charset="0"/>
               <a:buChar char="•"/>
             </a:pPr>
             <a:r>
               <a:rPr lang="ru-RU" sz="2400" dirty="0" smtClean="0"/>
-              <a:t>Провести обзор литературных источников по теме диссертации;</a:t>
-            </a:r>
-          </a:p>
-          <a:p>
-            <a:pPr marL="342900" indent="-342900" algn="just">
-              <a:buFont typeface="Arial" pitchFamily="34" charset="0"/>
+              <a:t>робот-информатор;</a:t>
+            </a:r>
+            <a:endParaRPr lang="en-US" sz="2400" dirty="0"/>
+          </a:p>
+          <a:p>
+            <a:pPr marL="342900" indent="-342900">
+              <a:buFont typeface="Arial" panose="020B0604020202020204" pitchFamily="34" charset="0"/>
               <a:buChar char="•"/>
             </a:pPr>
             <a:r>
-              <a:rPr lang="ru-RU" sz="2400" dirty="0" smtClean="0"/>
-              <a:t>Подготовить и сдать кандидатский экзамен по иностранному языку;</a:t>
-            </a:r>
-          </a:p>
-          <a:p>
-            <a:pPr marL="342900" indent="-342900" algn="just">
-              <a:buFont typeface="Arial" pitchFamily="34" charset="0"/>
-              <a:buChar char="•"/>
-            </a:pPr>
-            <a:r>
-              <a:rPr lang="ru-RU" sz="2400" dirty="0" smtClean="0"/>
-              <a:t>Осуществить программную реализацию алгоритмов навигации мобильных роботов в сложных климатических условиях;</a:t>
-            </a:r>
-          </a:p>
-          <a:p>
-            <a:pPr marL="342900" indent="-342900" algn="just">
-              <a:buFont typeface="Arial" pitchFamily="34" charset="0"/>
-              <a:buChar char="•"/>
-            </a:pPr>
-            <a:r>
-              <a:rPr lang="ru-RU" sz="2400" dirty="0" smtClean="0"/>
-              <a:t>Подготовить статью по теме диссертации в журнал из списка ВАК;</a:t>
-            </a:r>
-          </a:p>
-          <a:p>
-            <a:pPr marL="342900" indent="-342900" algn="just">
-              <a:buFont typeface="Arial" pitchFamily="34" charset="0"/>
-              <a:buChar char="•"/>
-            </a:pPr>
-            <a:r>
-              <a:rPr lang="ru-RU" sz="2400" dirty="0" smtClean="0"/>
-              <a:t>Принять участие в научных конференциях.</a:t>
+              <a:rPr lang="en-US" sz="2400" dirty="0" err="1"/>
+              <a:t>транспортные</a:t>
+            </a:r>
+            <a:r>
+              <a:rPr lang="en-US" sz="2400" dirty="0"/>
+              <a:t> </a:t>
+            </a:r>
+            <a:r>
+              <a:rPr lang="en-US" sz="2400" dirty="0" err="1"/>
+              <a:t>роботы</a:t>
             </a:r>
             <a:endParaRPr lang="ru-RU" sz="2400" dirty="0"/>
           </a:p>
@@ -6909,8 +9296,8 @@
           <a:p>
             <a:pPr algn="ctr"/>
             <a:r>
-              <a:rPr lang="ru-RU" dirty="0" smtClean="0"/>
-              <a:t>Индивидуальный план</a:t>
+              <a:rPr lang="ru-RU" dirty="0"/>
+              <a:t>Роботы разведчики</a:t>
             </a:r>
             <a:endParaRPr lang="ru-RU" dirty="0"/>
           </a:p>
@@ -6938,72 +9325,85 @@
           </a:bodyPr>
           <a:lstStyle/>
           <a:p>
-            <a:pPr algn="just"/>
-            <a:r>
-              <a:rPr lang="ru-RU" sz="2400" dirty="0" smtClean="0"/>
-              <a:t>Второй год:</a:t>
-            </a:r>
-          </a:p>
-          <a:p>
-            <a:pPr marL="342900" indent="-342900" algn="just">
-              <a:buFont typeface="Arial" pitchFamily="34" charset="0"/>
+            <a:r>
+              <a:rPr lang="ru-RU" sz="2400" dirty="0"/>
+              <a:t>Роботы разведчики должны выполнять функции: </a:t>
+            </a:r>
+            <a:endParaRPr lang="en-US" sz="2400" dirty="0"/>
+          </a:p>
+          <a:p>
+            <a:pPr marL="342900" lvl="0" indent="-342900">
+              <a:buFont typeface="Arial" panose="020B0604020202020204" pitchFamily="34" charset="0"/>
               <a:buChar char="•"/>
             </a:pPr>
             <a:r>
-              <a:rPr lang="ru-RU" sz="2400" dirty="0" smtClean="0"/>
-              <a:t>Уточнить обзор литературных источников по теме диссертации;</a:t>
-            </a:r>
-          </a:p>
-          <a:p>
-            <a:pPr marL="342900" indent="-342900" algn="just">
-              <a:buFont typeface="Arial" pitchFamily="34" charset="0"/>
+              <a:rPr lang="ru-RU" sz="2400" dirty="0"/>
+              <a:t>мониторинга состояния платформы; </a:t>
+            </a:r>
+            <a:endParaRPr lang="en-US" sz="2400" dirty="0"/>
+          </a:p>
+          <a:p>
+            <a:pPr marL="342900" lvl="0" indent="-342900">
+              <a:buFont typeface="Arial" panose="020B0604020202020204" pitchFamily="34" charset="0"/>
               <a:buChar char="•"/>
             </a:pPr>
             <a:r>
-              <a:rPr lang="ru-RU" sz="2400" dirty="0" smtClean="0"/>
-              <a:t>Подготовить и сдать кандидатский экзамен по философии;</a:t>
-            </a:r>
-          </a:p>
-          <a:p>
-            <a:pPr marL="342900" indent="-342900" algn="just">
-              <a:buFont typeface="Arial" pitchFamily="34" charset="0"/>
+              <a:rPr lang="ru-RU" sz="2400" dirty="0"/>
+              <a:t>разведки состояния и доступности путей эвакуации людей;</a:t>
+            </a:r>
+            <a:endParaRPr lang="en-US" sz="2400" dirty="0"/>
+          </a:p>
+          <a:p>
+            <a:pPr marL="342900" lvl="0" indent="-342900">
+              <a:buFont typeface="Arial" panose="020B0604020202020204" pitchFamily="34" charset="0"/>
               <a:buChar char="•"/>
             </a:pPr>
             <a:r>
-              <a:rPr lang="ru-RU" sz="2400" dirty="0" smtClean="0"/>
-              <a:t>Уточнить программную реализацию алгоритмов навигации мобильного робота в сложных климатических условиях, провести вычислительные эксперименты;</a:t>
-            </a:r>
-          </a:p>
-          <a:p>
-            <a:pPr marL="342900" indent="-342900" algn="just">
-              <a:buFont typeface="Arial" pitchFamily="34" charset="0"/>
+              <a:rPr lang="ru-RU" sz="2400" dirty="0"/>
+              <a:t> мониторинг и разведка состояния конструкций во время проведения спасательной операции;</a:t>
+            </a:r>
+            <a:endParaRPr lang="en-US" sz="2400" dirty="0"/>
+          </a:p>
+          <a:p>
+            <a:pPr marL="342900" lvl="0" indent="-342900">
+              <a:buFont typeface="Arial" panose="020B0604020202020204" pitchFamily="34" charset="0"/>
               <a:buChar char="•"/>
             </a:pPr>
             <a:r>
-              <a:rPr lang="ru-RU" sz="2400" dirty="0" smtClean="0"/>
-              <a:t>Подготовить статью по теме диссертации в журнал из списка ВАК;</a:t>
-            </a:r>
-          </a:p>
-          <a:p>
-            <a:pPr marL="342900" indent="-342900" algn="just">
-              <a:buFont typeface="Arial" pitchFamily="34" charset="0"/>
+              <a:rPr lang="ru-RU" sz="2400" dirty="0"/>
+              <a:t>разведка безопасных путей отхода от места аварии;</a:t>
+            </a:r>
+            <a:endParaRPr lang="en-US" sz="2400" dirty="0"/>
+          </a:p>
+          <a:p>
+            <a:pPr marL="342900" lvl="0" indent="-342900">
+              <a:buFont typeface="Arial" panose="020B0604020202020204" pitchFamily="34" charset="0"/>
               <a:buChar char="•"/>
             </a:pPr>
             <a:r>
-              <a:rPr lang="ru-RU" sz="2400" dirty="0" smtClean="0"/>
-              <a:t>Принять участие в научных конференциях;</a:t>
-            </a:r>
-          </a:p>
-          <a:p>
-            <a:pPr marL="342900" indent="-342900" algn="just">
-              <a:buFont typeface="Arial" pitchFamily="34" charset="0"/>
+              <a:rPr lang="ru-RU" sz="2400" dirty="0"/>
+              <a:t>разведка мест безопасных и удобных для размещения людей и роботов во время проведения спасательной операции;</a:t>
+            </a:r>
+            <a:endParaRPr lang="en-US" sz="2400" dirty="0"/>
+          </a:p>
+          <a:p>
+            <a:pPr marL="342900" lvl="0" indent="-342900">
+              <a:buFont typeface="Arial" panose="020B0604020202020204" pitchFamily="34" charset="0"/>
               <a:buChar char="•"/>
             </a:pPr>
             <a:r>
-              <a:rPr lang="ru-RU" sz="2400" dirty="0" smtClean="0"/>
-              <a:t>Написать черновик диссертации.</a:t>
-            </a:r>
-            <a:endParaRPr lang="ru-RU" sz="2400" dirty="0"/>
+              <a:rPr lang="ru-RU" sz="2400" dirty="0"/>
+              <a:t>сопровождение людей к местам эвакуации или к наиболее безопасным местам ожидания роботов-</a:t>
+            </a:r>
+            <a:r>
+              <a:rPr lang="ru-RU" sz="2400" dirty="0" err="1"/>
+              <a:t>перегрузчиков</a:t>
+            </a:r>
+            <a:r>
+              <a:rPr lang="ru-RU" sz="2400" dirty="0"/>
+              <a:t> и роботов-рабочих.</a:t>
+            </a:r>
+            <a:endParaRPr lang="en-US" sz="2400" dirty="0"/>
           </a:p>
         </p:txBody>
       </p:sp>
@@ -7070,22 +9470,55 @@
             <a:pPr algn="ctr"/>
             <a:r>
               <a:rPr lang="ru-RU" dirty="0" smtClean="0"/>
-              <a:t>Индивидуальный план</a:t>
+              <a:t>Проблемы расположения роботов-разведчиков на платформе</a:t>
             </a:r>
             <a:endParaRPr lang="ru-RU" dirty="0"/>
           </a:p>
         </p:txBody>
       </p:sp>
+      <p:pic>
+        <p:nvPicPr>
+          <p:cNvPr id="4" name="Рисунок 3"/>
+          <p:cNvPicPr/>
+          <p:nvPr/>
+        </p:nvPicPr>
+        <p:blipFill>
+          <a:blip r:embed="rId2">
+            <a:extLst>
+              <a:ext uri="{28A0092B-C50C-407E-A947-70E740481C1C}">
+                <a14:useLocalDpi xmlns:a14="http://schemas.microsoft.com/office/drawing/2010/main" val="0"/>
+              </a:ext>
+            </a:extLst>
+          </a:blip>
+          <a:srcRect/>
+          <a:stretch>
+            <a:fillRect/>
+          </a:stretch>
+        </p:blipFill>
+        <p:spPr bwMode="auto">
+          <a:xfrm>
+            <a:off x="204785" y="931545"/>
+            <a:ext cx="4772025" cy="4105910"/>
+          </a:xfrm>
+          <a:prstGeom prst="rect">
+            <a:avLst/>
+          </a:prstGeom>
+          <a:noFill/>
+          <a:ln>
+            <a:noFill/>
+          </a:ln>
+        </p:spPr>
+      </p:pic>
       <p:sp>
         <p:nvSpPr>
-          <p:cNvPr id="3" name="TextBox 2"/>
+          <p:cNvPr id="5" name="TextBox 4"/>
           <p:cNvSpPr txBox="1"/>
           <p:nvPr/>
         </p:nvSpPr>
         <p:spPr>
           <a:xfrm>
-            <a:off x="533400" y="1333500"/>
-            <a:ext cx="8051800" cy="4154984"/>
+            <a:off x="5372100" y="1587500"/>
+            <a:ext cx="3517900" cy="2862322"/>
           </a:xfrm>
           <a:prstGeom prst="rect">
             <a:avLst/>
@@ -7098,62 +9531,51 @@
           </a:bodyPr>
           <a:lstStyle/>
           <a:p>
-            <a:pPr algn="just"/>
-            <a:r>
-              <a:rPr lang="ru-RU" sz="2400" dirty="0" smtClean="0"/>
-              <a:t>Третий год:</a:t>
-            </a:r>
-          </a:p>
-          <a:p>
-            <a:pPr marL="342900" indent="-342900" algn="just">
-              <a:buFont typeface="Arial" pitchFamily="34" charset="0"/>
+            <a:pPr marL="342900" indent="-342900">
+              <a:buFont typeface="Arial" panose="020B0604020202020204" pitchFamily="34" charset="0"/>
               <a:buChar char="•"/>
             </a:pPr>
             <a:r>
-              <a:rPr lang="ru-RU" sz="2400" dirty="0" smtClean="0"/>
-              <a:t>Подготовить и сдать кандидатский экзамен по специальности;</a:t>
-            </a:r>
-          </a:p>
-          <a:p>
-            <a:pPr marL="342900" indent="-342900" algn="just">
-              <a:buFont typeface="Arial" pitchFamily="34" charset="0"/>
+              <a:rPr lang="ru-RU" dirty="0"/>
+              <a:t>Обеспечивают полноту информации</a:t>
+            </a:r>
+            <a:r>
+              <a:rPr lang="ru-RU" dirty="0" smtClean="0"/>
+              <a:t>;</a:t>
+            </a:r>
+          </a:p>
+          <a:p>
+            <a:pPr marL="342900" indent="-342900">
+              <a:buFont typeface="Arial" panose="020B0604020202020204" pitchFamily="34" charset="0"/>
               <a:buChar char="•"/>
             </a:pPr>
             <a:r>
-              <a:rPr lang="ru-RU" sz="2400" dirty="0" smtClean="0"/>
-              <a:t>Повысить эффективность программной реализации алгоритмов групповой локализации и планирования маршрута, провести эксперименты по оценке эффективности;</a:t>
-            </a:r>
-          </a:p>
-          <a:p>
-            <a:pPr marL="342900" indent="-342900" algn="just">
-              <a:buFont typeface="Arial" pitchFamily="34" charset="0"/>
+              <a:rPr lang="ru-RU" dirty="0" smtClean="0"/>
+              <a:t>Не должны создавать помех;</a:t>
+            </a:r>
+          </a:p>
+          <a:p>
+            <a:pPr marL="342900" indent="-342900">
+              <a:buFont typeface="Arial" panose="020B0604020202020204" pitchFamily="34" charset="0"/>
               <a:buChar char="•"/>
             </a:pPr>
             <a:r>
-              <a:rPr lang="ru-RU" sz="2400" dirty="0" smtClean="0"/>
-              <a:t>Подготовить статью по теме диссертации в журнал из списка ВАК;</a:t>
-            </a:r>
-          </a:p>
-          <a:p>
-            <a:pPr marL="342900" indent="-342900" algn="just">
-              <a:buFont typeface="Arial" pitchFamily="34" charset="0"/>
+              <a:rPr lang="ru-RU" dirty="0" smtClean="0"/>
+              <a:t>Должны иметь доступ на все части платформы;</a:t>
+            </a:r>
+          </a:p>
+          <a:p>
+            <a:pPr marL="342900" indent="-342900">
+              <a:buFont typeface="Arial" panose="020B0604020202020204" pitchFamily="34" charset="0"/>
               <a:buChar char="•"/>
             </a:pPr>
             <a:r>
-              <a:rPr lang="ru-RU" sz="2400" dirty="0" smtClean="0"/>
-              <a:t>Принять участие в научных конференциях;</a:t>
-            </a:r>
-          </a:p>
-          <a:p>
-            <a:pPr marL="342900" indent="-342900" algn="just">
-              <a:buFont typeface="Arial" pitchFamily="34" charset="0"/>
-              <a:buChar char="•"/>
-            </a:pPr>
-            <a:r>
-              <a:rPr lang="ru-RU" sz="2400" dirty="0" smtClean="0"/>
-              <a:t>Подготовить текст диссертации к защите.</a:t>
-            </a:r>
-            <a:endParaRPr lang="ru-RU" sz="2400" dirty="0"/>
+              <a:rPr lang="ru-RU" dirty="0" smtClean="0"/>
+              <a:t>Должны быть избыточными</a:t>
+            </a:r>
+          </a:p>
+          <a:p>
+            <a:endParaRPr lang="en-US" dirty="0"/>
           </a:p>
         </p:txBody>
       </p:sp>
@@ -7202,12 +9624,34 @@
           <a:chExt cx="0" cy="0"/>
         </a:xfrm>
       </p:grpSpPr>
+      <p:sp>
+        <p:nvSpPr>
+          <p:cNvPr id="2" name="Заголовок 1"/>
+          <p:cNvSpPr>
+            <a:spLocks noGrp="1"/>
+          </p:cNvSpPr>
+          <p:nvPr>
+            <p:ph type="title"/>
+          </p:nvPr>
+        </p:nvSpPr>
+        <p:spPr/>
+        <p:txBody>
+          <a:bodyPr/>
+          <a:lstStyle/>
+          <a:p>
+            <a:pPr algn="ctr"/>
+            <a:r>
+              <a:rPr lang="ru-RU" dirty="0"/>
+              <a:t>Роботы разведчики</a:t>
+            </a:r>
+            <a:endParaRPr lang="ru-RU" dirty="0"/>
+          </a:p>
+        </p:txBody>
+      </p:sp>
       <p:pic>
         <p:nvPicPr>
-          <p:cNvPr id="17410" name="Picture 12" descr="U:\FOTO_RTC\RTC\2010\на календарь\SOLNCE\ok\DSC_9957_1s-gol-travka.jpg"/>
-          <p:cNvPicPr>
-            <a:picLocks noChangeAspect="1" noChangeArrowheads="1"/>
-          </p:cNvPicPr>
+          <p:cNvPr id="4" name="Рисунок 3"/>
+          <p:cNvPicPr/>
           <p:nvPr/>
         </p:nvPicPr>
         <p:blipFill>
@@ -7225,8 +9669,8 @@
         </p:blipFill>
         <p:spPr bwMode="auto">
           <a:xfrm>
-            <a:off x="0" y="68263"/>
-            <a:ext cx="9144000" cy="6080125"/>
+            <a:off x="1423987" y="862012"/>
+            <a:ext cx="6143625" cy="4448175"/>
           </a:xfrm>
           <a:prstGeom prst="rect">
             <a:avLst/>
@@ -7235,914 +9679,44 @@
           <a:ln>
             <a:noFill/>
           </a:ln>
-          <a:extLst>
-            <a:ext uri="{909E8E84-426E-40DD-AFC4-6F175D3DCCD1}">
-              <a14:hiddenFill xmlns:a14="http://schemas.microsoft.com/office/drawing/2010/main">
-                <a:solidFill>
-                  <a:srgbClr val="FFFFFF"/>
-                </a:solidFill>
-              </a14:hiddenFill>
-            </a:ext>
-            <a:ext uri="{91240B29-F687-4F45-9708-019B960494DF}">
-              <a14:hiddenLine xmlns:a14="http://schemas.microsoft.com/office/drawing/2010/main" w="9525">
-                <a:solidFill>
-                  <a:srgbClr val="000000"/>
-                </a:solidFill>
-                <a:miter lim="800000"/>
-                <a:headEnd/>
-                <a:tailEnd/>
-              </a14:hiddenLine>
-            </a:ext>
-          </a:extLst>
         </p:spPr>
       </p:pic>
       <p:sp>
         <p:nvSpPr>
-          <p:cNvPr id="17411" name="Rectangle 3"/>
-          <p:cNvSpPr>
-            <a:spLocks noChangeArrowheads="1"/>
-          </p:cNvSpPr>
+          <p:cNvPr id="5" name="TextBox 4"/>
+          <p:cNvSpPr txBox="1"/>
           <p:nvPr/>
         </p:nvSpPr>
-        <p:spPr bwMode="ltGray">
+        <p:spPr>
           <a:xfrm>
-            <a:off x="0" y="6029325"/>
-            <a:ext cx="9140825" cy="838200"/>
-          </a:xfrm>
-          <a:prstGeom prst="rect">
-            <a:avLst/>
-          </a:prstGeom>
-          <a:gradFill rotWithShape="0">
-            <a:gsLst>
-              <a:gs pos="0">
-                <a:srgbClr val="293A65"/>
-              </a:gs>
-              <a:gs pos="100000">
-                <a:srgbClr val="587DDA"/>
-              </a:gs>
-            </a:gsLst>
-            <a:lin ang="5400000" scaled="1"/>
-          </a:gradFill>
-          <a:ln>
-            <a:noFill/>
-          </a:ln>
-          <a:extLst>
-            <a:ext uri="{91240B29-F687-4F45-9708-019B960494DF}">
-              <a14:hiddenLine xmlns:a14="http://schemas.microsoft.com/office/drawing/2010/main" w="9525">
-                <a:solidFill>
-                  <a:srgbClr val="000000"/>
-                </a:solidFill>
-                <a:miter lim="800000"/>
-                <a:headEnd/>
-                <a:tailEnd/>
-              </a14:hiddenLine>
-            </a:ext>
-          </a:extLst>
-        </p:spPr>
-        <p:txBody>
-          <a:bodyPr wrap="none" lIns="92729" tIns="46364" rIns="92729" bIns="46364" anchor="ctr"/>
-          <a:lstStyle/>
-          <a:p>
-            <a:pPr algn="ctr">
-              <a:lnSpc>
-                <a:spcPct val="120000"/>
-              </a:lnSpc>
-            </a:pPr>
-            <a:r>
-              <a:rPr lang="ru-RU" sz="1000" b="1">
-                <a:solidFill>
-                  <a:schemeClr val="bg1"/>
-                </a:solidFill>
-              </a:rPr>
-              <a:t>Россия, 194064,  г. Санкт-Петербург,  Тихорецкий пр., 21</a:t>
-            </a:r>
-          </a:p>
-          <a:p>
-            <a:pPr algn="ctr">
-              <a:lnSpc>
-                <a:spcPct val="120000"/>
-              </a:lnSpc>
-            </a:pPr>
-            <a:r>
-              <a:rPr lang="ru-RU" sz="1000" b="1">
-                <a:solidFill>
-                  <a:schemeClr val="bg1"/>
-                </a:solidFill>
-              </a:rPr>
-              <a:t>тел.:  (812) 552-0110  (812) 552-1325   факс: (812) 556-3692   </a:t>
-            </a:r>
-            <a:r>
-              <a:rPr lang="en-US" sz="1000" b="1">
-                <a:solidFill>
-                  <a:schemeClr val="bg1"/>
-                </a:solidFill>
-              </a:rPr>
-              <a:t>http:</a:t>
-            </a:r>
-            <a:r>
-              <a:rPr lang="ru-RU" sz="1000" b="1">
-                <a:solidFill>
-                  <a:schemeClr val="bg1"/>
-                </a:solidFill>
-              </a:rPr>
-              <a:t>//</a:t>
-            </a:r>
-            <a:r>
-              <a:rPr lang="en-US" sz="1000" b="1">
-                <a:solidFill>
-                  <a:schemeClr val="bg1"/>
-                </a:solidFill>
-              </a:rPr>
-              <a:t>www.rtc.ru</a:t>
-            </a:r>
-            <a:r>
-              <a:rPr lang="ru-RU" sz="1000" b="1">
-                <a:solidFill>
-                  <a:schemeClr val="bg1"/>
-                </a:solidFill>
-              </a:rPr>
-              <a:t>   </a:t>
-            </a:r>
-            <a:r>
-              <a:rPr lang="en-US" sz="1000" b="1">
-                <a:solidFill>
-                  <a:schemeClr val="bg1"/>
-                </a:solidFill>
-              </a:rPr>
-              <a:t>e-mail: rtc@rtc.ru</a:t>
-            </a:r>
-            <a:endParaRPr lang="ru-RU" sz="1000" b="1">
-              <a:solidFill>
-                <a:schemeClr val="bg1"/>
-              </a:solidFill>
-            </a:endParaRPr>
-          </a:p>
-        </p:txBody>
-      </p:sp>
-      <p:sp>
-        <p:nvSpPr>
-          <p:cNvPr id="475140" name="Text Box 4"/>
-          <p:cNvSpPr txBox="1">
-            <a:spLocks noChangeArrowheads="1"/>
-          </p:cNvSpPr>
-          <p:nvPr/>
-        </p:nvSpPr>
-        <p:spPr bwMode="auto">
-          <a:xfrm>
-            <a:off x="881063" y="104775"/>
-            <a:ext cx="7694612" cy="738188"/>
+            <a:off x="538690" y="5335587"/>
+            <a:ext cx="7914218" cy="400110"/>
           </a:xfrm>
           <a:prstGeom prst="rect">
             <a:avLst/>
           </a:prstGeom>
           <a:noFill/>
-          <a:ln w="9525">
-            <a:noFill/>
-            <a:miter lim="800000"/>
-            <a:headEnd/>
-            <a:tailEnd/>
-          </a:ln>
-          <a:effectLst/>
         </p:spPr>
         <p:txBody>
-          <a:bodyPr lIns="0" tIns="35996" rIns="0" bIns="0">
+          <a:bodyPr wrap="none" rtlCol="0">
             <a:spAutoFit/>
           </a:bodyPr>
           <a:lstStyle/>
           <a:p>
-            <a:pPr algn="ctr">
-              <a:spcBef>
-                <a:spcPct val="50000"/>
-              </a:spcBef>
-              <a:defRPr/>
-            </a:pPr>
-            <a:r>
-              <a:rPr lang="ru-RU" sz="1600" b="1">
-                <a:solidFill>
-                  <a:schemeClr val="bg1"/>
-                </a:solidFill>
-                <a:effectLst>
-                  <a:outerShdw blurRad="38100" dist="38100" dir="2700000" algn="tl">
-                    <a:srgbClr val="000000"/>
-                  </a:outerShdw>
-                </a:effectLst>
-              </a:rPr>
-              <a:t>Г О С У Д А Р С Т В Е Н Н Ы Й  </a:t>
-            </a:r>
-            <a:r>
-              <a:rPr lang="en-US" sz="1600" b="1">
-                <a:solidFill>
-                  <a:schemeClr val="bg1"/>
-                </a:solidFill>
-                <a:effectLst>
-                  <a:outerShdw blurRad="38100" dist="38100" dir="2700000" algn="tl">
-                    <a:srgbClr val="000000"/>
-                  </a:outerShdw>
-                </a:effectLst>
-              </a:rPr>
-              <a:t> </a:t>
-            </a:r>
-            <a:r>
-              <a:rPr lang="ru-RU" sz="1600" b="1">
-                <a:solidFill>
-                  <a:schemeClr val="bg1"/>
-                </a:solidFill>
-                <a:effectLst>
-                  <a:outerShdw blurRad="38100" dist="38100" dir="2700000" algn="tl">
-                    <a:srgbClr val="000000"/>
-                  </a:outerShdw>
-                </a:effectLst>
-              </a:rPr>
-              <a:t> </a:t>
-            </a:r>
-            <a:r>
-              <a:rPr lang="en-US" sz="1600" b="1">
-                <a:solidFill>
-                  <a:schemeClr val="bg1"/>
-                </a:solidFill>
-                <a:effectLst>
-                  <a:outerShdw blurRad="38100" dist="38100" dir="2700000" algn="tl">
-                    <a:srgbClr val="000000"/>
-                  </a:outerShdw>
-                </a:effectLst>
-              </a:rPr>
-              <a:t> </a:t>
-            </a:r>
-            <a:r>
-              <a:rPr lang="ru-RU" sz="1600" b="1">
-                <a:solidFill>
-                  <a:schemeClr val="bg1"/>
-                </a:solidFill>
-                <a:effectLst>
-                  <a:outerShdw blurRad="38100" dist="38100" dir="2700000" algn="tl">
-                    <a:srgbClr val="000000"/>
-                  </a:outerShdw>
-                </a:effectLst>
-              </a:rPr>
-              <a:t>Н А У Ч Н Ы Й  </a:t>
-            </a:r>
-            <a:r>
-              <a:rPr lang="en-US" sz="1600" b="1">
-                <a:solidFill>
-                  <a:schemeClr val="bg1"/>
-                </a:solidFill>
-                <a:effectLst>
-                  <a:outerShdw blurRad="38100" dist="38100" dir="2700000" algn="tl">
-                    <a:srgbClr val="000000"/>
-                  </a:outerShdw>
-                </a:effectLst>
-              </a:rPr>
-              <a:t> </a:t>
-            </a:r>
-            <a:r>
-              <a:rPr lang="ru-RU" sz="1600" b="1">
-                <a:solidFill>
-                  <a:schemeClr val="bg1"/>
-                </a:solidFill>
-                <a:effectLst>
-                  <a:outerShdw blurRad="38100" dist="38100" dir="2700000" algn="tl">
-                    <a:srgbClr val="000000"/>
-                  </a:outerShdw>
-                </a:effectLst>
-              </a:rPr>
-              <a:t> </a:t>
-            </a:r>
-            <a:r>
-              <a:rPr lang="en-US" sz="1600" b="1">
-                <a:solidFill>
-                  <a:schemeClr val="bg1"/>
-                </a:solidFill>
-                <a:effectLst>
-                  <a:outerShdw blurRad="38100" dist="38100" dir="2700000" algn="tl">
-                    <a:srgbClr val="000000"/>
-                  </a:outerShdw>
-                </a:effectLst>
-              </a:rPr>
-              <a:t> </a:t>
-            </a:r>
-            <a:r>
-              <a:rPr lang="ru-RU" sz="1600" b="1">
-                <a:solidFill>
-                  <a:schemeClr val="bg1"/>
-                </a:solidFill>
-                <a:effectLst>
-                  <a:outerShdw blurRad="38100" dist="38100" dir="2700000" algn="tl">
-                    <a:srgbClr val="000000"/>
-                  </a:outerShdw>
-                </a:effectLst>
-              </a:rPr>
-              <a:t> Ц Е Н Т Р </a:t>
-            </a:r>
-            <a:r>
-              <a:rPr lang="en-US" sz="1600" b="1">
-                <a:solidFill>
-                  <a:schemeClr val="bg1"/>
-                </a:solidFill>
-                <a:effectLst>
-                  <a:outerShdw blurRad="38100" dist="38100" dir="2700000" algn="tl">
-                    <a:srgbClr val="000000"/>
-                  </a:outerShdw>
-                </a:effectLst>
-              </a:rPr>
-              <a:t> </a:t>
-            </a:r>
-            <a:r>
-              <a:rPr lang="ru-RU" sz="1600" b="1">
-                <a:solidFill>
-                  <a:schemeClr val="bg1"/>
-                </a:solidFill>
-                <a:effectLst>
-                  <a:outerShdw blurRad="38100" dist="38100" dir="2700000" algn="tl">
-                    <a:srgbClr val="000000"/>
-                  </a:outerShdw>
-                </a:effectLst>
-              </a:rPr>
-              <a:t>  </a:t>
-            </a:r>
-            <a:r>
-              <a:rPr lang="en-US" sz="1600" b="1">
-                <a:solidFill>
-                  <a:schemeClr val="bg1"/>
-                </a:solidFill>
-                <a:effectLst>
-                  <a:outerShdw blurRad="38100" dist="38100" dir="2700000" algn="tl">
-                    <a:srgbClr val="000000"/>
-                  </a:outerShdw>
-                </a:effectLst>
-              </a:rPr>
-              <a:t> </a:t>
-            </a:r>
-            <a:r>
-              <a:rPr lang="ru-RU" sz="1600" b="1">
-                <a:solidFill>
-                  <a:schemeClr val="bg1"/>
-                </a:solidFill>
-                <a:effectLst>
-                  <a:outerShdw blurRad="38100" dist="38100" dir="2700000" algn="tl">
-                    <a:srgbClr val="000000"/>
-                  </a:outerShdw>
-                </a:effectLst>
-              </a:rPr>
-              <a:t>  Р О С С И И</a:t>
-            </a:r>
-          </a:p>
-          <a:p>
-            <a:pPr algn="ctr">
-              <a:lnSpc>
-                <a:spcPct val="75000"/>
-              </a:lnSpc>
-              <a:spcBef>
-                <a:spcPct val="35000"/>
-              </a:spcBef>
-              <a:defRPr/>
-            </a:pPr>
-            <a:r>
-              <a:rPr lang="ru-RU" sz="1400" b="1">
-                <a:solidFill>
-                  <a:schemeClr val="bg1"/>
-                </a:solidFill>
-                <a:effectLst>
-                  <a:outerShdw blurRad="38100" dist="38100" dir="2700000" algn="tl">
-                    <a:srgbClr val="000000"/>
-                  </a:outerShdw>
-                </a:effectLst>
-              </a:rPr>
-              <a:t>ЦЕНТРАЛЬНЫЙ  НАУЧНО-ИССЛЕДОВАТЕЛЬСКИЙ  И  ОПЫТНО-КОНСТРУКТОРСКИЙ</a:t>
-            </a:r>
-          </a:p>
-          <a:p>
-            <a:pPr algn="ctr">
-              <a:lnSpc>
-                <a:spcPct val="75000"/>
-              </a:lnSpc>
-              <a:spcBef>
-                <a:spcPct val="35000"/>
-              </a:spcBef>
-              <a:defRPr/>
-            </a:pPr>
-            <a:r>
-              <a:rPr lang="ru-RU" sz="1400" b="1">
-                <a:solidFill>
-                  <a:schemeClr val="bg1"/>
-                </a:solidFill>
-                <a:effectLst>
-                  <a:outerShdw blurRad="38100" dist="38100" dir="2700000" algn="tl">
-                    <a:srgbClr val="000000"/>
-                  </a:outerShdw>
-                </a:effectLst>
-              </a:rPr>
-              <a:t>ИНСТИТУТ   РОБОТОТЕХНИКИ   И   ТЕХНИЧЕСКОЙ   КИБЕРНЕТИКИ</a:t>
-            </a:r>
+            <a:r>
+              <a:rPr lang="ru-RU" dirty="0" smtClean="0"/>
+              <a:t>Поведение роботов-разведчиков во время внештатной ситуации</a:t>
+            </a:r>
+            <a:endParaRPr lang="en-US" dirty="0"/>
           </a:p>
         </p:txBody>
       </p:sp>
-      <p:sp>
-        <p:nvSpPr>
-          <p:cNvPr id="475141" name="Rectangle 5"/>
-          <p:cNvSpPr>
-            <a:spLocks noChangeArrowheads="1"/>
-          </p:cNvSpPr>
-          <p:nvPr/>
-        </p:nvSpPr>
-        <p:spPr bwMode="ltGray">
-          <a:xfrm>
-            <a:off x="0" y="0"/>
-            <a:ext cx="9140825" cy="1144588"/>
-          </a:xfrm>
-          <a:prstGeom prst="rect">
-            <a:avLst/>
-          </a:prstGeom>
-          <a:gradFill rotWithShape="0">
-            <a:gsLst>
-              <a:gs pos="0">
-                <a:srgbClr val="587DDA">
-                  <a:gamma/>
-                  <a:shade val="46275"/>
-                  <a:invGamma/>
-                </a:srgbClr>
-              </a:gs>
-              <a:gs pos="100000">
-                <a:srgbClr val="587DDA"/>
-              </a:gs>
-            </a:gsLst>
-            <a:lin ang="5400000" scaled="1"/>
-          </a:gradFill>
-          <a:ln w="9525">
-            <a:noFill/>
-            <a:miter lim="800000"/>
-            <a:headEnd/>
-            <a:tailEnd/>
-          </a:ln>
-          <a:effectLst/>
-        </p:spPr>
-        <p:txBody>
-          <a:bodyPr wrap="none" lIns="92729" tIns="46364" rIns="92729" bIns="46364" anchor="ctr"/>
-          <a:lstStyle/>
-          <a:p>
-            <a:pPr algn="ctr">
-              <a:lnSpc>
-                <a:spcPct val="70000"/>
-              </a:lnSpc>
-              <a:defRPr/>
-            </a:pPr>
-            <a:endParaRPr lang="ru-RU" sz="3300" b="1" i="1">
-              <a:solidFill>
-                <a:schemeClr val="bg1"/>
-              </a:solidFill>
-              <a:effectLst>
-                <a:outerShdw blurRad="38100" dist="38100" dir="2700000" algn="tl">
-                  <a:srgbClr val="000000"/>
-                </a:outerShdw>
-              </a:effectLst>
-              <a:latin typeface="Times New Roman" pitchFamily="18" charset="0"/>
-            </a:endParaRPr>
-          </a:p>
-        </p:txBody>
-      </p:sp>
-      <p:sp>
-        <p:nvSpPr>
-          <p:cNvPr id="475142" name="Line 6"/>
-          <p:cNvSpPr>
-            <a:spLocks noChangeShapeType="1"/>
-          </p:cNvSpPr>
-          <p:nvPr/>
-        </p:nvSpPr>
-        <p:spPr bwMode="auto">
-          <a:xfrm>
-            <a:off x="0" y="6019800"/>
-            <a:ext cx="9144000" cy="0"/>
-          </a:xfrm>
-          <a:prstGeom prst="line">
-            <a:avLst/>
-          </a:prstGeom>
-          <a:noFill/>
-          <a:ln w="15875">
-            <a:solidFill>
-              <a:schemeClr val="bg1"/>
-            </a:solidFill>
-            <a:round/>
-            <a:headEnd/>
-            <a:tailEnd/>
-          </a:ln>
-          <a:effectLst/>
-        </p:spPr>
-        <p:txBody>
-          <a:bodyPr/>
-          <a:lstStyle/>
-          <a:p>
-            <a:pPr algn="ctr">
-              <a:defRPr/>
-            </a:pPr>
-            <a:endParaRPr lang="ru-RU" sz="1800" b="1">
-              <a:solidFill>
-                <a:srgbClr val="000099"/>
-              </a:solidFill>
-              <a:effectLst>
-                <a:outerShdw blurRad="38100" dist="38100" dir="2700000" algn="tl">
-                  <a:srgbClr val="000000">
-                    <a:alpha val="43137"/>
-                  </a:srgbClr>
-                </a:outerShdw>
-              </a:effectLst>
-              <a:latin typeface="Verdana" pitchFamily="34" charset="0"/>
-            </a:endParaRPr>
-          </a:p>
-        </p:txBody>
-      </p:sp>
-      <p:sp>
-        <p:nvSpPr>
-          <p:cNvPr id="475143" name="Line 7"/>
-          <p:cNvSpPr>
-            <a:spLocks noChangeShapeType="1"/>
-          </p:cNvSpPr>
-          <p:nvPr/>
-        </p:nvSpPr>
-        <p:spPr bwMode="auto">
-          <a:xfrm>
-            <a:off x="0" y="1143000"/>
-            <a:ext cx="9144000" cy="0"/>
-          </a:xfrm>
-          <a:prstGeom prst="line">
-            <a:avLst/>
-          </a:prstGeom>
-          <a:noFill/>
-          <a:ln w="15875">
-            <a:solidFill>
-              <a:schemeClr val="bg1"/>
-            </a:solidFill>
-            <a:round/>
-            <a:headEnd/>
-            <a:tailEnd/>
-          </a:ln>
-          <a:effectLst/>
-        </p:spPr>
-        <p:txBody>
-          <a:bodyPr/>
-          <a:lstStyle/>
-          <a:p>
-            <a:pPr algn="ctr">
-              <a:defRPr/>
-            </a:pPr>
-            <a:endParaRPr lang="ru-RU" sz="1800" b="1">
-              <a:solidFill>
-                <a:srgbClr val="000099"/>
-              </a:solidFill>
-              <a:effectLst>
-                <a:outerShdw blurRad="38100" dist="38100" dir="2700000" algn="tl">
-                  <a:srgbClr val="000000">
-                    <a:alpha val="43137"/>
-                  </a:srgbClr>
-                </a:outerShdw>
-              </a:effectLst>
-              <a:latin typeface="Verdana" pitchFamily="34" charset="0"/>
-            </a:endParaRPr>
-          </a:p>
-        </p:txBody>
-      </p:sp>
-      <p:sp>
-        <p:nvSpPr>
-          <p:cNvPr id="475144" name="Text Box 8"/>
-          <p:cNvSpPr txBox="1">
-            <a:spLocks noChangeArrowheads="1"/>
-          </p:cNvSpPr>
-          <p:nvPr/>
-        </p:nvSpPr>
-        <p:spPr bwMode="auto">
-          <a:xfrm>
-            <a:off x="474663" y="196850"/>
-            <a:ext cx="8462962" cy="242888"/>
-          </a:xfrm>
-          <a:prstGeom prst="rect">
-            <a:avLst/>
-          </a:prstGeom>
-          <a:noFill/>
-          <a:ln w="9525">
-            <a:noFill/>
-            <a:miter lim="800000"/>
-            <a:headEnd/>
-            <a:tailEnd/>
-          </a:ln>
-          <a:effectLst/>
-        </p:spPr>
-        <p:txBody>
-          <a:bodyPr lIns="0" tIns="0" rIns="0" bIns="0">
-            <a:spAutoFit/>
-          </a:bodyPr>
-          <a:lstStyle/>
-          <a:p>
-            <a:pPr algn="ctr">
-              <a:spcBef>
-                <a:spcPct val="50000"/>
-              </a:spcBef>
-              <a:defRPr/>
-            </a:pPr>
-            <a:r>
-              <a:rPr lang="ru-RU" sz="1600" b="1">
-                <a:solidFill>
-                  <a:schemeClr val="bg1"/>
-                </a:solidFill>
-                <a:effectLst>
-                  <a:outerShdw blurRad="38100" dist="38100" dir="2700000" algn="tl">
-                    <a:srgbClr val="000000"/>
-                  </a:outerShdw>
-                </a:effectLst>
-              </a:rPr>
-              <a:t>Г О С У Д А Р С Т В Е Н Н Ы Й  </a:t>
-            </a:r>
-            <a:r>
-              <a:rPr lang="en-US" sz="1600" b="1">
-                <a:solidFill>
-                  <a:schemeClr val="bg1"/>
-                </a:solidFill>
-                <a:effectLst>
-                  <a:outerShdw blurRad="38100" dist="38100" dir="2700000" algn="tl">
-                    <a:srgbClr val="000000"/>
-                  </a:outerShdw>
-                </a:effectLst>
-              </a:rPr>
-              <a:t> </a:t>
-            </a:r>
-            <a:r>
-              <a:rPr lang="ru-RU" sz="1600" b="1">
-                <a:solidFill>
-                  <a:schemeClr val="bg1"/>
-                </a:solidFill>
-                <a:effectLst>
-                  <a:outerShdw blurRad="38100" dist="38100" dir="2700000" algn="tl">
-                    <a:srgbClr val="000000"/>
-                  </a:outerShdw>
-                </a:effectLst>
-              </a:rPr>
-              <a:t> </a:t>
-            </a:r>
-            <a:r>
-              <a:rPr lang="en-US" sz="1600" b="1">
-                <a:solidFill>
-                  <a:schemeClr val="bg1"/>
-                </a:solidFill>
-                <a:effectLst>
-                  <a:outerShdw blurRad="38100" dist="38100" dir="2700000" algn="tl">
-                    <a:srgbClr val="000000"/>
-                  </a:outerShdw>
-                </a:effectLst>
-              </a:rPr>
-              <a:t> </a:t>
-            </a:r>
-            <a:r>
-              <a:rPr lang="ru-RU" sz="1600" b="1">
-                <a:solidFill>
-                  <a:schemeClr val="bg1"/>
-                </a:solidFill>
-                <a:effectLst>
-                  <a:outerShdw blurRad="38100" dist="38100" dir="2700000" algn="tl">
-                    <a:srgbClr val="000000"/>
-                  </a:outerShdw>
-                </a:effectLst>
-              </a:rPr>
-              <a:t>Н А У Ч Н Ы Й  </a:t>
-            </a:r>
-            <a:r>
-              <a:rPr lang="en-US" sz="1600" b="1">
-                <a:solidFill>
-                  <a:schemeClr val="bg1"/>
-                </a:solidFill>
-                <a:effectLst>
-                  <a:outerShdw blurRad="38100" dist="38100" dir="2700000" algn="tl">
-                    <a:srgbClr val="000000"/>
-                  </a:outerShdw>
-                </a:effectLst>
-              </a:rPr>
-              <a:t> </a:t>
-            </a:r>
-            <a:r>
-              <a:rPr lang="ru-RU" sz="1600" b="1">
-                <a:solidFill>
-                  <a:schemeClr val="bg1"/>
-                </a:solidFill>
-                <a:effectLst>
-                  <a:outerShdw blurRad="38100" dist="38100" dir="2700000" algn="tl">
-                    <a:srgbClr val="000000"/>
-                  </a:outerShdw>
-                </a:effectLst>
-              </a:rPr>
-              <a:t> </a:t>
-            </a:r>
-            <a:r>
-              <a:rPr lang="en-US" sz="1600" b="1">
-                <a:solidFill>
-                  <a:schemeClr val="bg1"/>
-                </a:solidFill>
-                <a:effectLst>
-                  <a:outerShdw blurRad="38100" dist="38100" dir="2700000" algn="tl">
-                    <a:srgbClr val="000000"/>
-                  </a:outerShdw>
-                </a:effectLst>
-              </a:rPr>
-              <a:t> </a:t>
-            </a:r>
-            <a:r>
-              <a:rPr lang="ru-RU" sz="1600" b="1">
-                <a:solidFill>
-                  <a:schemeClr val="bg1"/>
-                </a:solidFill>
-                <a:effectLst>
-                  <a:outerShdw blurRad="38100" dist="38100" dir="2700000" algn="tl">
-                    <a:srgbClr val="000000"/>
-                  </a:outerShdw>
-                </a:effectLst>
-              </a:rPr>
-              <a:t> Ц Е Н Т Р </a:t>
-            </a:r>
-            <a:r>
-              <a:rPr lang="en-US" sz="1600" b="1">
-                <a:solidFill>
-                  <a:schemeClr val="bg1"/>
-                </a:solidFill>
-                <a:effectLst>
-                  <a:outerShdw blurRad="38100" dist="38100" dir="2700000" algn="tl">
-                    <a:srgbClr val="000000"/>
-                  </a:outerShdw>
-                </a:effectLst>
-              </a:rPr>
-              <a:t> </a:t>
-            </a:r>
-            <a:r>
-              <a:rPr lang="ru-RU" sz="1600" b="1">
-                <a:solidFill>
-                  <a:schemeClr val="bg1"/>
-                </a:solidFill>
-                <a:effectLst>
-                  <a:outerShdw blurRad="38100" dist="38100" dir="2700000" algn="tl">
-                    <a:srgbClr val="000000"/>
-                  </a:outerShdw>
-                </a:effectLst>
-              </a:rPr>
-              <a:t>  </a:t>
-            </a:r>
-            <a:r>
-              <a:rPr lang="en-US" sz="1600" b="1">
-                <a:solidFill>
-                  <a:schemeClr val="bg1"/>
-                </a:solidFill>
-                <a:effectLst>
-                  <a:outerShdw blurRad="38100" dist="38100" dir="2700000" algn="tl">
-                    <a:srgbClr val="000000"/>
-                  </a:outerShdw>
-                </a:effectLst>
-              </a:rPr>
-              <a:t> </a:t>
-            </a:r>
-            <a:r>
-              <a:rPr lang="ru-RU" sz="1600" b="1">
-                <a:solidFill>
-                  <a:schemeClr val="bg1"/>
-                </a:solidFill>
-                <a:effectLst>
-                  <a:outerShdw blurRad="38100" dist="38100" dir="2700000" algn="tl">
-                    <a:srgbClr val="000000"/>
-                  </a:outerShdw>
-                </a:effectLst>
-              </a:rPr>
-              <a:t>  Р О С С И И</a:t>
-            </a:r>
-          </a:p>
-        </p:txBody>
-      </p:sp>
-      <p:sp>
-        <p:nvSpPr>
-          <p:cNvPr id="475145" name="Text Box 9"/>
-          <p:cNvSpPr txBox="1">
-            <a:spLocks noChangeArrowheads="1"/>
-          </p:cNvSpPr>
-          <p:nvPr/>
-        </p:nvSpPr>
-        <p:spPr bwMode="auto">
-          <a:xfrm>
-            <a:off x="727075" y="455613"/>
-            <a:ext cx="7988300" cy="430212"/>
-          </a:xfrm>
-          <a:prstGeom prst="rect">
-            <a:avLst/>
-          </a:prstGeom>
-          <a:noFill/>
-          <a:ln w="9525">
-            <a:noFill/>
-            <a:miter lim="800000"/>
-            <a:headEnd/>
-            <a:tailEnd/>
-          </a:ln>
-          <a:effectLst/>
-        </p:spPr>
-        <p:txBody>
-          <a:bodyPr lIns="0" tIns="36000" rIns="0" bIns="0">
-            <a:spAutoFit/>
-          </a:bodyPr>
-          <a:lstStyle/>
-          <a:p>
-            <a:pPr algn="ctr">
-              <a:lnSpc>
-                <a:spcPct val="75000"/>
-              </a:lnSpc>
-              <a:spcBef>
-                <a:spcPct val="35000"/>
-              </a:spcBef>
-              <a:defRPr/>
-            </a:pPr>
-            <a:r>
-              <a:rPr lang="ru-RU" sz="1400" b="1" dirty="0">
-                <a:solidFill>
-                  <a:schemeClr val="bg1"/>
-                </a:solidFill>
-                <a:effectLst>
-                  <a:outerShdw blurRad="38100" dist="38100" dir="2700000" algn="tl">
-                    <a:srgbClr val="000000"/>
-                  </a:outerShdw>
-                </a:effectLst>
-              </a:rPr>
-              <a:t>ЦЕНТРАЛЬНЫЙ  НАУЧНО-ИССЛЕДОВАТЕЛЬСКИЙ  И  ОПЫТНО-КОНСТРУКТОРСКИЙ</a:t>
-            </a:r>
-          </a:p>
-          <a:p>
-            <a:pPr algn="ctr">
-              <a:lnSpc>
-                <a:spcPct val="75000"/>
-              </a:lnSpc>
-              <a:spcBef>
-                <a:spcPct val="35000"/>
-              </a:spcBef>
-              <a:defRPr/>
-            </a:pPr>
-            <a:r>
-              <a:rPr lang="ru-RU" sz="1400" b="1" dirty="0">
-                <a:solidFill>
-                  <a:schemeClr val="bg1"/>
-                </a:solidFill>
-                <a:effectLst>
-                  <a:outerShdw blurRad="38100" dist="38100" dir="2700000" algn="tl">
-                    <a:srgbClr val="000000"/>
-                  </a:outerShdw>
-                </a:effectLst>
-              </a:rPr>
-              <a:t>ИНСТИТУТ   РОБОТОТЕХНИКИ   И   ТЕХНИЧЕСКОЙ   КИБЕРНЕТИКИ</a:t>
-            </a:r>
-          </a:p>
-        </p:txBody>
-      </p:sp>
-      <p:pic>
-        <p:nvPicPr>
-          <p:cNvPr id="17418" name="Picture 10" descr="RTC-2007"/>
-          <p:cNvPicPr>
-            <a:picLocks noChangeAspect="1" noChangeArrowheads="1"/>
-          </p:cNvPicPr>
-          <p:nvPr/>
-        </p:nvPicPr>
-        <p:blipFill>
-          <a:blip r:embed="rId3" cstate="print">
-            <a:extLst>
-              <a:ext uri="{28A0092B-C50C-407E-A947-70E740481C1C}">
-                <a14:useLocalDpi xmlns:a14="http://schemas.microsoft.com/office/drawing/2010/main" val="0"/>
-              </a:ext>
-            </a:extLst>
-          </a:blip>
-          <a:srcRect/>
-          <a:stretch>
-            <a:fillRect/>
-          </a:stretch>
-        </p:blipFill>
-        <p:spPr bwMode="auto">
-          <a:xfrm>
-            <a:off x="241300" y="223838"/>
-            <a:ext cx="376238" cy="750887"/>
-          </a:xfrm>
-          <a:prstGeom prst="rect">
-            <a:avLst/>
-          </a:prstGeom>
-          <a:noFill/>
-          <a:ln>
-            <a:noFill/>
-          </a:ln>
-          <a:extLst>
-            <a:ext uri="{909E8E84-426E-40DD-AFC4-6F175D3DCCD1}">
-              <a14:hiddenFill xmlns:a14="http://schemas.microsoft.com/office/drawing/2010/main">
-                <a:solidFill>
-                  <a:srgbClr val="FFFFFF"/>
-                </a:solidFill>
-              </a14:hiddenFill>
-            </a:ext>
-            <a:ext uri="{91240B29-F687-4F45-9708-019B960494DF}">
-              <a14:hiddenLine xmlns:a14="http://schemas.microsoft.com/office/drawing/2010/main" w="9525">
-                <a:solidFill>
-                  <a:srgbClr val="000000"/>
-                </a:solidFill>
-                <a:miter lim="800000"/>
-                <a:headEnd/>
-                <a:tailEnd/>
-              </a14:hiddenLine>
-            </a:ext>
-          </a:extLst>
-        </p:spPr>
-      </p:pic>
     </p:spTree>
+    <p:extLst>
+      <p:ext uri="{BB962C8B-B14F-4D97-AF65-F5344CB8AC3E}">
+        <p14:creationId xmlns:p14="http://schemas.microsoft.com/office/powerpoint/2010/main" val="3351802795"/>
+      </p:ext>
+    </p:extLst>
   </p:cSld>
   <p:clrMapOvr>
     <a:masterClrMapping/>
